--- a/slides/latest.pptx
+++ b/slides/latest.pptx
@@ -6,9 +6,10 @@
   </p:sldMasterIdLst>
   <p:sldIdLst>
     <p:sldId id="256" r:id="rId2"/>
+    <p:sldId id="257" r:id="rId3"/>
   </p:sldIdLst>
   <p:notesMasterIdLst>
-    <p:notesMasterId r:id="rId3"/>
+    <p:notesMasterId r:id="rId4"/>
   </p:notesMasterIdLst>
   <p:sldSz cx="9144000" cy="5143500"/>
   <p:notesSz cx="5143500" cy="9144000"/>
@@ -544,6 +545,94 @@
 </p:notes>
 </file>
 
+<file path=ppt/notesSlides/notesSlide2.xml><?xml version="1.0" encoding="utf-8"?>
+<p:notes xmlns:a="http://schemas.openxmlformats.org/drawingml/2006/main" xmlns:r="http://schemas.openxmlformats.org/officeDocument/2006/relationships" xmlns:p="http://schemas.openxmlformats.org/presentationml/2006/main">
+  <p:cSld>
+    <p:spTree>
+      <p:nvGrpSpPr>
+        <p:cNvPr id="1" name=""/>
+        <p:cNvGrpSpPr/>
+        <p:nvPr/>
+      </p:nvGrpSpPr>
+      <p:grpSpPr>
+        <a:xfrm>
+          <a:off x="0" y="0"/>
+          <a:ext cx="9144000" cy="5143500"/>
+          <a:chOff x="0" y="0"/>
+          <a:chExt cx="9144000" cy="5143500"/>
+        </a:xfrm>
+      </p:grpSpPr>
+      <p:sp>
+        <p:nvSpPr>
+          <p:cNvPr id="2" name="Slide Image Placeholder 1"/>
+          <p:cNvSpPr>
+            <a:spLocks noGrp="1" noRot="1" noChangeAspect="1"/>
+          </p:cNvSpPr>
+          <p:nvPr>
+            <p:ph type="sldImg"/>
+          </p:nvPr>
+        </p:nvSpPr>
+        <p:spPr/>
+      </p:sp>
+      <p:sp>
+        <p:nvSpPr>
+          <p:cNvPr id="3" name="Notes Placeholder 2"/>
+          <p:cNvSpPr>
+            <a:spLocks noGrp="1"/>
+          </p:cNvSpPr>
+          <p:nvPr>
+            <p:ph type="body" idx="1"/>
+          </p:nvPr>
+        </p:nvSpPr>
+        <p:spPr/>
+        <p:txBody>
+          <a:bodyPr/>
+          <a:lstStyle/>
+          <a:p>
+            <a:r>
+              <a:rPr lang="en-US" dirty="0"/>
+              <a:t/>
+            </a:r>
+            <a:endParaRPr lang="en-US" dirty="0"/>
+          </a:p>
+        </p:txBody>
+      </p:sp>
+      <p:sp>
+        <p:nvSpPr>
+          <p:cNvPr id="4" name="Slide Number Placeholder 3"/>
+          <p:cNvSpPr>
+            <a:spLocks noGrp="1"/>
+          </p:cNvSpPr>
+          <p:nvPr>
+            <p:ph type="sldNum" sz="quarter" idx="10"/>
+          </p:nvPr>
+        </p:nvSpPr>
+        <p:spPr/>
+        <p:txBody>
+          <a:bodyPr/>
+          <a:lstStyle/>
+          <a:p>
+            <a:fld id="{F7021451-1387-4CA6-816F-3879F97B5CBC}" type="slidenum">
+              <a:rPr lang="en-US"/>
+              <a:t>2</a:t>
+            </a:fld>
+            <a:endParaRPr lang="en-US"/>
+          </a:p>
+        </p:txBody>
+      </p:sp>
+    </p:spTree>
+    <p:extLst>
+      <p:ext uri="{BB962C8B-B14F-4D97-AF65-F5344CB8AC3E}">
+        <p14:creationId xmlns:p14="http://schemas.microsoft.com/office/powerpoint/2010/main" val="1024086991"/>
+      </p:ext>
+    </p:extLst>
+  </p:cSld>
+  <p:clrMapOvr>
+    <a:masterClrMapping/>
+  </p:clrMapOvr>
+</p:notes>
+</file>
+
 <file path=ppt/slideLayouts/slideLayout1.xml><?xml version="1.0" encoding="utf-8"?>
 <p:sldLayout xmlns:a="http://schemas.openxmlformats.org/drawingml/2006/main" xmlns:r="http://schemas.openxmlformats.org/officeDocument/2006/relationships" xmlns:p="http://schemas.openxmlformats.org/presentationml/2006/main" preserve="1">
   <p:cSld name="DEFAULT">
@@ -888,11 +977,11 @@
           </a:xfrm>
           <a:prstGeom prst="roundRect">
             <a:avLst>
-              <a:gd name="adj" fmla="val 419048"/>
+              <a:gd name="adj" fmla="val 3869"/>
             </a:avLst>
           </a:prstGeom>
           <a:solidFill>
-            <a:srgbClr val="F6F9FE"/>
+            <a:srgbClr val="F9FBFF"/>
           </a:solidFill>
           <a:ln w="12700">
             <a:solidFill>
@@ -901,9 +990,9 @@
             <a:prstDash val="solid"/>
           </a:ln>
           <a:effectLst>
-            <a:outerShdw sx="100000" sy="100000" kx="0" ky="0" algn="bl" rotWithShape="0" blurRad="114300" dist="2540" dir="5400000">
+            <a:outerShdw sx="100000" sy="100000" kx="0" ky="0" algn="bl" rotWithShape="0" blurRad="152400" dist="3810" dir="5400000">
               <a:srgbClr val="000000">
-                <a:alpha val="2500000"/>
+                <a:alpha val="24000"/>
               </a:srgbClr>
             </a:outerShdw>
           </a:effectLst>
@@ -917,8 +1006,8 @@
         </p:nvSpPr>
         <p:spPr>
           <a:xfrm>
-            <a:off x="414315" y="357165"/>
-            <a:ext cx="5820705" cy="171450"/>
+            <a:off x="514350" y="457200"/>
+            <a:ext cx="5843016" cy="142921"/>
           </a:xfrm>
           <a:prstGeom prst="rect">
             <a:avLst/>
@@ -934,7 +1023,7 @@
               <a:buNone/>
             </a:pPr>
             <a:r>
-              <a:rPr lang="en-US" sz="1050" b="1" spc="12000" kern="0" dirty="0">
+              <a:rPr lang="en-US" sz="900" b="1" spc="320" kern="0" dirty="0">
                 <a:solidFill>
                   <a:srgbClr val="4A5C70"/>
                 </a:solidFill>
@@ -942,9 +1031,9 @@
                 <a:ea typeface="Segoe UI" pitchFamily="34" charset="-122"/>
                 <a:cs typeface="Segoe UI" pitchFamily="34" charset="-120"/>
               </a:rPr>
-              <a:t>18-Month Outlook · Resource Strategy</a:t>
-            </a:r>
-            <a:endParaRPr lang="en-US" sz="1050" dirty="0"/>
+              <a:t>CENTRAL BANK AI STRATEGY</a:t>
+            </a:r>
+            <a:endParaRPr lang="en-US" sz="900" dirty="0"/>
           </a:p>
         </p:txBody>
       </p:sp>
@@ -956,8 +1045,8 @@
         </p:nvSpPr>
         <p:spPr>
           <a:xfrm>
-            <a:off x="414315" y="542971"/>
-            <a:ext cx="5987034" cy="314371"/>
+            <a:off x="514350" y="614385"/>
+            <a:ext cx="5843016" cy="285750"/>
           </a:xfrm>
           <a:prstGeom prst="rect">
             <a:avLst/>
@@ -973,7 +1062,7 @@
               <a:buNone/>
             </a:pPr>
             <a:r>
-              <a:rPr lang="en-US" sz="2400" b="1" dirty="0">
+              <a:rPr lang="en-US" sz="2550" b="1" dirty="0">
                 <a:solidFill>
                   <a:srgbClr val="0F2439"/>
                 </a:solidFill>
@@ -981,9 +1070,9 @@
                 <a:ea typeface="Segoe UI" pitchFamily="34" charset="-122"/>
                 <a:cs typeface="Segoe UI" pitchFamily="34" charset="-120"/>
               </a:rPr>
-              <a:t>Baseline vs. Accelerated Delivery</a:t>
-            </a:r>
-            <a:endParaRPr lang="en-US" sz="2400" dirty="0"/>
+              <a:t>From Pilot to Production</a:t>
+            </a:r>
+            <a:endParaRPr lang="en-US" sz="2550" dirty="0"/>
           </a:p>
         </p:txBody>
       </p:sp>
@@ -995,8 +1084,8 @@
         </p:nvSpPr>
         <p:spPr>
           <a:xfrm>
-            <a:off x="414315" y="857250"/>
-            <a:ext cx="5820705" cy="200071"/>
+            <a:off x="514350" y="928665"/>
+            <a:ext cx="5843016" cy="171450"/>
           </a:xfrm>
           <a:prstGeom prst="rect">
             <a:avLst/>
@@ -1012,7 +1101,7 @@
               <a:buNone/>
             </a:pPr>
             <a:r>
-              <a:rPr lang="en-US" sz="1200" dirty="0">
+              <a:rPr lang="en-US" sz="1275" dirty="0">
                 <a:solidFill>
                   <a:srgbClr val="4A5C70"/>
                 </a:solidFill>
@@ -1020,9 +1109,9 @@
                 <a:ea typeface="Segoe UI" pitchFamily="34" charset="-122"/>
                 <a:cs typeface="Segoe UI" pitchFamily="34" charset="-120"/>
               </a:rPr>
-              <a:t>How resourcing choices shape delivery outcomes and policy readiness.</a:t>
-            </a:r>
-            <a:endParaRPr lang="en-US" sz="1200" dirty="0"/>
+              <a:t>Trusted, resilient AI for policy, supervision, and market operations.</a:t>
+            </a:r>
+            <a:endParaRPr lang="en-US" sz="1275" dirty="0"/>
           </a:p>
         </p:txBody>
       </p:sp>
@@ -1034,12 +1123,12 @@
         </p:nvSpPr>
         <p:spPr>
           <a:xfrm>
-            <a:off x="7158015" y="400050"/>
-            <a:ext cx="1571671" cy="371521"/>
+            <a:off x="6772321" y="500085"/>
+            <a:ext cx="1785915" cy="342900"/>
           </a:xfrm>
           <a:prstGeom prst="roundRect">
             <a:avLst>
-              <a:gd name="adj" fmla="val 2953480"/>
+              <a:gd name="adj" fmla="val 29173"/>
             </a:avLst>
           </a:prstGeom>
           <a:solidFill>
@@ -1052,9 +1141,9 @@
             <a:prstDash val="solid"/>
           </a:ln>
           <a:effectLst>
-            <a:outerShdw sx="100000" sy="100000" kx="0" ky="0" algn="bl" rotWithShape="0" blurRad="88900" dist="2286" dir="5400000">
+            <a:outerShdw sx="100000" sy="100000" kx="0" ky="0" algn="bl" rotWithShape="0" blurRad="88900" dist="1905" dir="5400000">
               <a:srgbClr val="000000">
-                <a:alpha val="3200000"/>
+                <a:alpha val="25000"/>
               </a:srgbClr>
             </a:outerShdw>
           </a:effectLst>
@@ -1068,7 +1157,7 @@
         </p:nvSpPr>
         <p:spPr>
           <a:xfrm>
-            <a:off x="7243785" y="507218"/>
+            <a:off x="6872356" y="628650"/>
             <a:ext cx="85771" cy="85771"/>
           </a:xfrm>
           <a:prstGeom prst="ellipse">
@@ -1084,9 +1173,9 @@
             <a:prstDash val="solid"/>
           </a:ln>
           <a:effectLst>
-            <a:outerShdw sx="100000" sy="100000" kx="0" ky="0" algn="bl" rotWithShape="0" blurRad="76200" dist="635" dir="5400000">
+            <a:outerShdw sx="100000" sy="100000" kx="0" ky="0" algn="bl" rotWithShape="0" blurRad="50800" dist="254" dir="5400000">
               <a:srgbClr val="000000">
-                <a:alpha val="3000000"/>
+                <a:alpha val="18000"/>
               </a:srgbClr>
             </a:outerShdw>
           </a:effectLst>
@@ -1100,8 +1189,8 @@
         </p:nvSpPr>
         <p:spPr>
           <a:xfrm>
-            <a:off x="7372350" y="500085"/>
-            <a:ext cx="1285921" cy="185715"/>
+            <a:off x="7015185" y="585856"/>
+            <a:ext cx="1471544" cy="171450"/>
           </a:xfrm>
           <a:prstGeom prst="rect">
             <a:avLst/>
@@ -1125,7 +1214,7 @@
                 <a:ea typeface="Segoe UI" pitchFamily="34" charset="-122"/>
                 <a:cs typeface="Segoe UI" pitchFamily="34" charset="-120"/>
               </a:rPr>
-              <a:t>Q4 FY24 → Q1 FY26</a:t>
+              <a:t>Strategic Priorities 2024–2026</a:t>
             </a:r>
             <a:endParaRPr lang="en-US" sz="1050" dirty="0"/>
           </a:p>
@@ -1139,12 +1228,12 @@
         </p:nvSpPr>
         <p:spPr>
           <a:xfrm>
-            <a:off x="414315" y="1328715"/>
-            <a:ext cx="4502688" cy="2643165"/>
+            <a:off x="514350" y="1357335"/>
+            <a:ext cx="4384822" cy="2600371"/>
           </a:xfrm>
           <a:prstGeom prst="roundRect">
             <a:avLst>
-              <a:gd name="adj" fmla="val 484328"/>
+              <a:gd name="adj" fmla="val 4944"/>
             </a:avLst>
           </a:prstGeom>
           <a:solidFill>
@@ -1157,9 +1246,9 @@
             <a:prstDash val="solid"/>
           </a:ln>
           <a:effectLst>
-            <a:outerShdw sx="100000" sy="100000" kx="0" ky="0" algn="bl" rotWithShape="0" blurRad="88900" dist="1778" dir="5400000">
+            <a:outerShdw sx="100000" sy="100000" kx="0" ky="0" algn="bl" rotWithShape="0" blurRad="101600" dist="1905" dir="5400000">
               <a:srgbClr val="000000">
-                <a:alpha val="1600000"/>
+                <a:alpha val="16000"/>
               </a:srgbClr>
             </a:outerShdw>
           </a:effectLst>
@@ -1173,8 +1262,8 @@
         </p:nvSpPr>
         <p:spPr>
           <a:xfrm>
-            <a:off x="571500" y="1485900"/>
-            <a:ext cx="4188409" cy="185715"/>
+            <a:off x="685800" y="1528785"/>
+            <a:ext cx="4041922" cy="157185"/>
           </a:xfrm>
           <a:prstGeom prst="rect">
             <a:avLst/>
@@ -1190,7 +1279,7 @@
               <a:buNone/>
             </a:pPr>
             <a:r>
-              <a:rPr lang="en-US" sz="1350" b="1" dirty="0">
+              <a:rPr lang="en-US" sz="1350" b="1" spc="30" kern="0" dirty="0">
                 <a:solidFill>
                   <a:srgbClr val="0F2439"/>
                 </a:solidFill>
@@ -1198,7 +1287,7 @@
                 <a:ea typeface="Segoe UI" pitchFamily="34" charset="-122"/>
                 <a:cs typeface="Segoe UI" pitchFamily="34" charset="-120"/>
               </a:rPr>
-              <a:t>Baseline Resourcing</a:t>
+              <a:t>PRIORITY USE CASES</a:t>
             </a:r>
             <a:endParaRPr lang="en-US" sz="1350" dirty="0"/>
           </a:p>
@@ -1212,23 +1301,30 @@
         </p:nvSpPr>
         <p:spPr>
           <a:xfrm>
-            <a:off x="571500" y="1700235"/>
-            <a:ext cx="1571671" cy="242865"/>
+            <a:off x="685800" y="1728765"/>
+            <a:ext cx="385785" cy="385785"/>
           </a:xfrm>
           <a:prstGeom prst="roundRect">
             <a:avLst>
-              <a:gd name="adj" fmla="val 7530109"/>
+              <a:gd name="adj" fmla="val 29628"/>
             </a:avLst>
           </a:prstGeom>
           <a:solidFill>
-            <a:srgbClr val="F2F6FB"/>
+            <a:srgbClr val="17395C"/>
           </a:solidFill>
           <a:ln w="12700">
             <a:solidFill>
-              <a:srgbClr val="F2F6FB"/>
+              <a:srgbClr val="17395C"/>
             </a:solidFill>
             <a:prstDash val="solid"/>
           </a:ln>
+          <a:effectLst>
+            <a:outerShdw sx="100000" sy="100000" kx="0" ky="0" algn="bl" rotWithShape="0" blurRad="76200" dist="1270" dir="5400000">
+              <a:srgbClr val="000000">
+                <a:alpha val="30000"/>
+              </a:srgbClr>
+            </a:outerShdw>
+          </a:effectLst>
         </p:spPr>
       </p:sp>
       <p:sp>
@@ -1239,8 +1335,47 @@
         </p:nvSpPr>
         <p:spPr>
           <a:xfrm>
-            <a:off x="657271" y="1728765"/>
-            <a:ext cx="1428750" cy="171450"/>
+            <a:off x="685800" y="1814535"/>
+            <a:ext cx="385785" cy="214335"/>
+          </a:xfrm>
+          <a:prstGeom prst="rect">
+            <a:avLst/>
+          </a:prstGeom>
+          <a:noFill/>
+          <a:ln/>
+        </p:spPr>
+        <p:txBody>
+          <a:bodyPr wrap="square" rtlCol="0" anchor="ctr"/>
+          <a:lstStyle/>
+          <a:p>
+            <a:pPr algn="ctr" indent="0" marL="0">
+              <a:buNone/>
+            </a:pPr>
+            <a:r>
+              <a:rPr lang="en-US" sz="1650" dirty="0">
+                <a:solidFill>
+                  <a:srgbClr val="FFFFFF"/>
+                </a:solidFill>
+                <a:latin typeface="Segoe UI" pitchFamily="34" charset="0"/>
+                <a:ea typeface="Segoe UI" pitchFamily="34" charset="-122"/>
+                <a:cs typeface="Segoe UI" pitchFamily="34" charset="-120"/>
+              </a:rPr>
+              <a:t>◎</a:t>
+            </a:r>
+            <a:endParaRPr lang="en-US" sz="1650" dirty="0"/>
+          </a:p>
+        </p:txBody>
+      </p:sp>
+      <p:sp>
+        <p:nvSpPr>
+          <p:cNvPr id="13" name="Text 11"/>
+          <p:cNvSpPr/>
+          <p:nvPr/>
+        </p:nvSpPr>
+        <p:spPr>
+          <a:xfrm>
+            <a:off x="1171621" y="1757385"/>
+            <a:ext cx="3556193" cy="157185"/>
           </a:xfrm>
           <a:prstGeom prst="rect">
             <a:avLst/>
@@ -1256,34 +1391,375 @@
               <a:buNone/>
             </a:pPr>
             <a:r>
-              <a:rPr lang="en-US" sz="900" b="1" dirty="0">
-                <a:solidFill>
-                  <a:srgbClr val="17395C"/>
-                </a:solidFill>
-                <a:latin typeface="Segoe UI" pitchFamily="34" charset="0"/>
-                <a:ea typeface="Segoe UI" pitchFamily="34" charset="-122"/>
-                <a:cs typeface="Segoe UI" pitchFamily="34" charset="-120"/>
-              </a:rPr>
-              <a:t>4 FTE · BAU + Incremental Change</a:t>
-            </a:r>
-            <a:endParaRPr lang="en-US" sz="900" dirty="0"/>
-          </a:p>
-        </p:txBody>
-      </p:sp>
-      <p:sp>
-        <p:nvSpPr>
-          <p:cNvPr id="13" name="Shape 11"/>
-          <p:cNvSpPr/>
-          <p:nvPr/>
-        </p:nvSpPr>
-        <p:spPr>
-          <a:xfrm>
-            <a:off x="571500" y="1971721"/>
-            <a:ext cx="1348466" cy="685800"/>
+              <a:rPr lang="en-US" sz="1200" b="1" dirty="0">
+                <a:solidFill>
+                  <a:srgbClr val="0F2439"/>
+                </a:solidFill>
+                <a:latin typeface="Segoe UI" pitchFamily="34" charset="0"/>
+                <a:ea typeface="Segoe UI" pitchFamily="34" charset="-122"/>
+                <a:cs typeface="Segoe UI" pitchFamily="34" charset="-120"/>
+              </a:rPr>
+              <a:t>Macro-financial intelligence</a:t>
+            </a:r>
+            <a:endParaRPr lang="en-US" sz="1200" dirty="0"/>
+          </a:p>
+        </p:txBody>
+      </p:sp>
+      <p:sp>
+        <p:nvSpPr>
+          <p:cNvPr id="14" name="Text 12"/>
+          <p:cNvSpPr/>
+          <p:nvPr/>
+        </p:nvSpPr>
+        <p:spPr>
+          <a:xfrm>
+            <a:off x="1171621" y="1914571"/>
+            <a:ext cx="3556193" cy="271485"/>
+          </a:xfrm>
+          <a:prstGeom prst="rect">
+            <a:avLst/>
+          </a:prstGeom>
+          <a:noFill/>
+          <a:ln/>
+        </p:spPr>
+        <p:txBody>
+          <a:bodyPr wrap="square" rtlCol="0" anchor="ctr"/>
+          <a:lstStyle/>
+          <a:p>
+            <a:pPr indent="0" marL="0">
+              <a:buNone/>
+            </a:pPr>
+            <a:r>
+              <a:rPr lang="en-US" sz="975" dirty="0">
+                <a:solidFill>
+                  <a:srgbClr val="4A5C70"/>
+                </a:solidFill>
+                <a:latin typeface="Segoe UI" pitchFamily="34" charset="0"/>
+                <a:ea typeface="Segoe UI" pitchFamily="34" charset="-122"/>
+                <a:cs typeface="Segoe UI" pitchFamily="34" charset="-120"/>
+              </a:rPr>
+              <a:t>Stress testing · systemic risk · liquidity signals</a:t>
+            </a:r>
+            <a:endParaRPr lang="en-US" sz="975" dirty="0"/>
+          </a:p>
+        </p:txBody>
+      </p:sp>
+      <p:sp>
+        <p:nvSpPr>
+          <p:cNvPr id="15" name="Shape 13"/>
+          <p:cNvSpPr/>
+          <p:nvPr/>
+        </p:nvSpPr>
+        <p:spPr>
+          <a:xfrm>
+            <a:off x="685800" y="2214585"/>
+            <a:ext cx="385785" cy="385785"/>
           </a:xfrm>
           <a:prstGeom prst="roundRect">
             <a:avLst>
-              <a:gd name="adj" fmla="val 1600000"/>
+              <a:gd name="adj" fmla="val 29628"/>
+            </a:avLst>
+          </a:prstGeom>
+          <a:solidFill>
+            <a:srgbClr val="17395C"/>
+          </a:solidFill>
+          <a:ln w="12700">
+            <a:solidFill>
+              <a:srgbClr val="17395C"/>
+            </a:solidFill>
+            <a:prstDash val="solid"/>
+          </a:ln>
+          <a:effectLst>
+            <a:outerShdw sx="100000" sy="100000" kx="0" ky="0" algn="bl" rotWithShape="0" blurRad="76200" dist="1270" dir="5400000">
+              <a:srgbClr val="000000">
+                <a:alpha val="30000"/>
+              </a:srgbClr>
+            </a:outerShdw>
+          </a:effectLst>
+        </p:spPr>
+      </p:sp>
+      <p:sp>
+        <p:nvSpPr>
+          <p:cNvPr id="16" name="Text 14"/>
+          <p:cNvSpPr/>
+          <p:nvPr/>
+        </p:nvSpPr>
+        <p:spPr>
+          <a:xfrm>
+            <a:off x="685800" y="2300265"/>
+            <a:ext cx="385785" cy="214335"/>
+          </a:xfrm>
+          <a:prstGeom prst="rect">
+            <a:avLst/>
+          </a:prstGeom>
+          <a:noFill/>
+          <a:ln/>
+        </p:spPr>
+        <p:txBody>
+          <a:bodyPr wrap="square" rtlCol="0" anchor="ctr"/>
+          <a:lstStyle/>
+          <a:p>
+            <a:pPr algn="ctr" indent="0" marL="0">
+              <a:buNone/>
+            </a:pPr>
+            <a:r>
+              <a:rPr lang="en-US" sz="1650" dirty="0">
+                <a:solidFill>
+                  <a:srgbClr val="FFFFFF"/>
+                </a:solidFill>
+                <a:latin typeface="Segoe UI" pitchFamily="34" charset="0"/>
+                <a:ea typeface="Segoe UI" pitchFamily="34" charset="-122"/>
+                <a:cs typeface="Segoe UI" pitchFamily="34" charset="-120"/>
+              </a:rPr>
+              <a:t>◆</a:t>
+            </a:r>
+            <a:endParaRPr lang="en-US" sz="1650" dirty="0"/>
+          </a:p>
+        </p:txBody>
+      </p:sp>
+      <p:sp>
+        <p:nvSpPr>
+          <p:cNvPr id="17" name="Text 15"/>
+          <p:cNvSpPr/>
+          <p:nvPr/>
+        </p:nvSpPr>
+        <p:spPr>
+          <a:xfrm>
+            <a:off x="1171621" y="2243115"/>
+            <a:ext cx="3556193" cy="157185"/>
+          </a:xfrm>
+          <a:prstGeom prst="rect">
+            <a:avLst/>
+          </a:prstGeom>
+          <a:noFill/>
+          <a:ln/>
+        </p:spPr>
+        <p:txBody>
+          <a:bodyPr wrap="square" rtlCol="0" anchor="ctr"/>
+          <a:lstStyle/>
+          <a:p>
+            <a:pPr indent="0" marL="0">
+              <a:buNone/>
+            </a:pPr>
+            <a:r>
+              <a:rPr lang="en-US" sz="1200" b="1" dirty="0">
+                <a:solidFill>
+                  <a:srgbClr val="0F2439"/>
+                </a:solidFill>
+                <a:latin typeface="Segoe UI" pitchFamily="34" charset="0"/>
+                <a:ea typeface="Segoe UI" pitchFamily="34" charset="-122"/>
+                <a:cs typeface="Segoe UI" pitchFamily="34" charset="-120"/>
+              </a:rPr>
+              <a:t>Supervisory early warning</a:t>
+            </a:r>
+            <a:endParaRPr lang="en-US" sz="1200" dirty="0"/>
+          </a:p>
+        </p:txBody>
+      </p:sp>
+      <p:sp>
+        <p:nvSpPr>
+          <p:cNvPr id="18" name="Text 16"/>
+          <p:cNvSpPr/>
+          <p:nvPr/>
+        </p:nvSpPr>
+        <p:spPr>
+          <a:xfrm>
+            <a:off x="1171621" y="2400300"/>
+            <a:ext cx="3556193" cy="271485"/>
+          </a:xfrm>
+          <a:prstGeom prst="rect">
+            <a:avLst/>
+          </a:prstGeom>
+          <a:noFill/>
+          <a:ln/>
+        </p:spPr>
+        <p:txBody>
+          <a:bodyPr wrap="square" rtlCol="0" anchor="ctr"/>
+          <a:lstStyle/>
+          <a:p>
+            <a:pPr indent="0" marL="0">
+              <a:buNone/>
+            </a:pPr>
+            <a:r>
+              <a:rPr lang="en-US" sz="975" dirty="0">
+                <a:solidFill>
+                  <a:srgbClr val="4A5C70"/>
+                </a:solidFill>
+                <a:latin typeface="Segoe UI" pitchFamily="34" charset="0"/>
+                <a:ea typeface="Segoe UI" pitchFamily="34" charset="-122"/>
+                <a:cs typeface="Segoe UI" pitchFamily="34" charset="-120"/>
+              </a:rPr>
+              <a:t>Outlier detection · conduct monitoring · alerts</a:t>
+            </a:r>
+            <a:endParaRPr lang="en-US" sz="975" dirty="0"/>
+          </a:p>
+        </p:txBody>
+      </p:sp>
+      <p:sp>
+        <p:nvSpPr>
+          <p:cNvPr id="19" name="Shape 17"/>
+          <p:cNvSpPr/>
+          <p:nvPr/>
+        </p:nvSpPr>
+        <p:spPr>
+          <a:xfrm>
+            <a:off x="685800" y="2700315"/>
+            <a:ext cx="385785" cy="385785"/>
+          </a:xfrm>
+          <a:prstGeom prst="roundRect">
+            <a:avLst>
+              <a:gd name="adj" fmla="val 29628"/>
+            </a:avLst>
+          </a:prstGeom>
+          <a:solidFill>
+            <a:srgbClr val="17395C"/>
+          </a:solidFill>
+          <a:ln w="12700">
+            <a:solidFill>
+              <a:srgbClr val="17395C"/>
+            </a:solidFill>
+            <a:prstDash val="solid"/>
+          </a:ln>
+          <a:effectLst>
+            <a:outerShdw sx="100000" sy="100000" kx="0" ky="0" algn="bl" rotWithShape="0" blurRad="76200" dist="1270" dir="5400000">
+              <a:srgbClr val="000000">
+                <a:alpha val="30000"/>
+              </a:srgbClr>
+            </a:outerShdw>
+          </a:effectLst>
+        </p:spPr>
+      </p:sp>
+      <p:sp>
+        <p:nvSpPr>
+          <p:cNvPr id="20" name="Text 18"/>
+          <p:cNvSpPr/>
+          <p:nvPr/>
+        </p:nvSpPr>
+        <p:spPr>
+          <a:xfrm>
+            <a:off x="685800" y="2786085"/>
+            <a:ext cx="385785" cy="214335"/>
+          </a:xfrm>
+          <a:prstGeom prst="rect">
+            <a:avLst/>
+          </a:prstGeom>
+          <a:noFill/>
+          <a:ln/>
+        </p:spPr>
+        <p:txBody>
+          <a:bodyPr wrap="square" rtlCol="0" anchor="ctr"/>
+          <a:lstStyle/>
+          <a:p>
+            <a:pPr algn="ctr" indent="0" marL="0">
+              <a:buNone/>
+            </a:pPr>
+            <a:r>
+              <a:rPr lang="en-US" sz="1650" dirty="0">
+                <a:solidFill>
+                  <a:srgbClr val="FFFFFF"/>
+                </a:solidFill>
+                <a:latin typeface="Segoe UI" pitchFamily="34" charset="0"/>
+                <a:ea typeface="Segoe UI" pitchFamily="34" charset="-122"/>
+                <a:cs typeface="Segoe UI" pitchFamily="34" charset="-120"/>
+              </a:rPr>
+              <a:t>◈</a:t>
+            </a:r>
+            <a:endParaRPr lang="en-US" sz="1650" dirty="0"/>
+          </a:p>
+        </p:txBody>
+      </p:sp>
+      <p:sp>
+        <p:nvSpPr>
+          <p:cNvPr id="21" name="Text 19"/>
+          <p:cNvSpPr/>
+          <p:nvPr/>
+        </p:nvSpPr>
+        <p:spPr>
+          <a:xfrm>
+            <a:off x="1171621" y="2728935"/>
+            <a:ext cx="3556193" cy="157185"/>
+          </a:xfrm>
+          <a:prstGeom prst="rect">
+            <a:avLst/>
+          </a:prstGeom>
+          <a:noFill/>
+          <a:ln/>
+        </p:spPr>
+        <p:txBody>
+          <a:bodyPr wrap="square" rtlCol="0" anchor="ctr"/>
+          <a:lstStyle/>
+          <a:p>
+            <a:pPr indent="0" marL="0">
+              <a:buNone/>
+            </a:pPr>
+            <a:r>
+              <a:rPr lang="en-US" sz="1200" b="1" dirty="0">
+                <a:solidFill>
+                  <a:srgbClr val="0F2439"/>
+                </a:solidFill>
+                <a:latin typeface="Segoe UI" pitchFamily="34" charset="0"/>
+                <a:ea typeface="Segoe UI" pitchFamily="34" charset="-122"/>
+                <a:cs typeface="Segoe UI" pitchFamily="34" charset="-120"/>
+              </a:rPr>
+              <a:t>Operational excellence</a:t>
+            </a:r>
+            <a:endParaRPr lang="en-US" sz="1200" dirty="0"/>
+          </a:p>
+        </p:txBody>
+      </p:sp>
+      <p:sp>
+        <p:nvSpPr>
+          <p:cNvPr id="22" name="Text 20"/>
+          <p:cNvSpPr/>
+          <p:nvPr/>
+        </p:nvSpPr>
+        <p:spPr>
+          <a:xfrm>
+            <a:off x="1171621" y="2886121"/>
+            <a:ext cx="3556193" cy="271485"/>
+          </a:xfrm>
+          <a:prstGeom prst="rect">
+            <a:avLst/>
+          </a:prstGeom>
+          <a:noFill/>
+          <a:ln/>
+        </p:spPr>
+        <p:txBody>
+          <a:bodyPr wrap="square" rtlCol="0" anchor="ctr"/>
+          <a:lstStyle/>
+          <a:p>
+            <a:pPr indent="0" marL="0">
+              <a:buNone/>
+            </a:pPr>
+            <a:r>
+              <a:rPr lang="en-US" sz="975" dirty="0">
+                <a:solidFill>
+                  <a:srgbClr val="4A5C70"/>
+                </a:solidFill>
+                <a:latin typeface="Segoe UI" pitchFamily="34" charset="0"/>
+                <a:ea typeface="Segoe UI" pitchFamily="34" charset="-122"/>
+                <a:cs typeface="Segoe UI" pitchFamily="34" charset="-120"/>
+              </a:rPr>
+              <a:t>Secure copilots · reporting · translation</a:t>
+            </a:r>
+            <a:endParaRPr lang="en-US" sz="975" dirty="0"/>
+          </a:p>
+        </p:txBody>
+      </p:sp>
+      <p:sp>
+        <p:nvSpPr>
+          <p:cNvPr id="23" name="Shape 21"/>
+          <p:cNvSpPr/>
+          <p:nvPr/>
+        </p:nvSpPr>
+        <p:spPr>
+          <a:xfrm>
+            <a:off x="685800" y="3314700"/>
+            <a:ext cx="1290127" cy="414315"/>
+          </a:xfrm>
+          <a:prstGeom prst="roundRect">
+            <a:avLst>
+              <a:gd name="adj" fmla="val 27588"/>
             </a:avLst>
           </a:prstGeom>
           <a:solidFill>
@@ -1299,30 +1775,69 @@
       </p:sp>
       <p:sp>
         <p:nvSpPr>
-          <p:cNvPr id="14" name="Text 12"/>
-          <p:cNvSpPr/>
-          <p:nvPr/>
-        </p:nvSpPr>
-        <p:spPr>
-          <a:xfrm>
-            <a:off x="657271" y="2057400"/>
-            <a:ext cx="1177016" cy="128565"/>
-          </a:xfrm>
-          <a:prstGeom prst="rect">
-            <a:avLst/>
-          </a:prstGeom>
-          <a:noFill/>
-          <a:ln/>
-        </p:spPr>
-        <p:txBody>
-          <a:bodyPr wrap="square" rtlCol="0" anchor="ctr"/>
-          <a:lstStyle/>
-          <a:p>
-            <a:pPr indent="0" marL="0">
-              <a:buNone/>
-            </a:pPr>
-            <a:r>
-              <a:rPr lang="en-US" sz="900" b="1" spc="4000" kern="0" dirty="0">
+          <p:cNvPr id="24" name="Text 22"/>
+          <p:cNvSpPr/>
+          <p:nvPr/>
+        </p:nvSpPr>
+        <p:spPr>
+          <a:xfrm>
+            <a:off x="742950" y="3371850"/>
+            <a:ext cx="1175827" cy="171450"/>
+          </a:xfrm>
+          <a:prstGeom prst="rect">
+            <a:avLst/>
+          </a:prstGeom>
+          <a:noFill/>
+          <a:ln/>
+        </p:spPr>
+        <p:txBody>
+          <a:bodyPr wrap="square" rtlCol="0" anchor="ctr"/>
+          <a:lstStyle/>
+          <a:p>
+            <a:pPr algn="ctr" indent="0" marL="0">
+              <a:buNone/>
+            </a:pPr>
+            <a:r>
+              <a:rPr lang="en-US" sz="1500" b="1" dirty="0">
+                <a:solidFill>
+                  <a:srgbClr val="0F2439"/>
+                </a:solidFill>
+                <a:latin typeface="Segoe UI" pitchFamily="34" charset="0"/>
+                <a:ea typeface="Segoe UI" pitchFamily="34" charset="-122"/>
+                <a:cs typeface="Segoe UI" pitchFamily="34" charset="-120"/>
+              </a:rPr>
+              <a:t>Policy</a:t>
+            </a:r>
+            <a:endParaRPr lang="en-US" sz="1500" dirty="0"/>
+          </a:p>
+        </p:txBody>
+      </p:sp>
+      <p:sp>
+        <p:nvSpPr>
+          <p:cNvPr id="25" name="Text 23"/>
+          <p:cNvSpPr/>
+          <p:nvPr/>
+        </p:nvSpPr>
+        <p:spPr>
+          <a:xfrm>
+            <a:off x="742950" y="3557565"/>
+            <a:ext cx="1175827" cy="128565"/>
+          </a:xfrm>
+          <a:prstGeom prst="rect">
+            <a:avLst/>
+          </a:prstGeom>
+          <a:noFill/>
+          <a:ln/>
+        </p:spPr>
+        <p:txBody>
+          <a:bodyPr wrap="square" rtlCol="0" anchor="ctr"/>
+          <a:lstStyle/>
+          <a:p>
+            <a:pPr algn="ctr" indent="0" marL="0">
+              <a:buNone/>
+            </a:pPr>
+            <a:r>
+              <a:rPr lang="en-US" sz="900" spc="60" kern="0" dirty="0">
                 <a:solidFill>
                   <a:srgbClr val="4A5C70"/>
                 </a:solidFill>
@@ -1330,7 +1845,7 @@
                 <a:ea typeface="Segoe UI" pitchFamily="34" charset="-122"/>
                 <a:cs typeface="Segoe UI" pitchFamily="34" charset="-120"/>
               </a:rPr>
-              <a:t>CAPACITY</a:t>
+              <a:t>FORESIGHT</a:t>
             </a:r>
             <a:endParaRPr lang="en-US" sz="900" dirty="0"/>
           </a:p>
@@ -1338,57 +1853,18 @@
       </p:sp>
       <p:sp>
         <p:nvSpPr>
-          <p:cNvPr id="15" name="Text 13"/>
-          <p:cNvSpPr/>
-          <p:nvPr/>
-        </p:nvSpPr>
-        <p:spPr>
-          <a:xfrm>
-            <a:off x="657271" y="2243115"/>
-            <a:ext cx="1177016" cy="257221"/>
-          </a:xfrm>
-          <a:prstGeom prst="rect">
-            <a:avLst/>
-          </a:prstGeom>
-          <a:noFill/>
-          <a:ln/>
-        </p:spPr>
-        <p:txBody>
-          <a:bodyPr wrap="square" rtlCol="0" anchor="ctr"/>
-          <a:lstStyle/>
-          <a:p>
-            <a:pPr indent="0" marL="0">
-              <a:buNone/>
-            </a:pPr>
-            <a:r>
-              <a:rPr lang="en-US" sz="1500" b="1" dirty="0">
-                <a:solidFill>
-                  <a:srgbClr val="0F2439"/>
-                </a:solidFill>
-                <a:latin typeface="Segoe UI" pitchFamily="34" charset="0"/>
-                <a:ea typeface="Segoe UI" pitchFamily="34" charset="-122"/>
-                <a:cs typeface="Segoe UI" pitchFamily="34" charset="-120"/>
-              </a:rPr>
-              <a:t>~60%</a:t>
-            </a:r>
-            <a:endParaRPr lang="en-US" sz="1500" dirty="0"/>
-          </a:p>
-        </p:txBody>
-      </p:sp>
-      <p:sp>
-        <p:nvSpPr>
-          <p:cNvPr id="16" name="Shape 14"/>
-          <p:cNvSpPr/>
-          <p:nvPr/>
-        </p:nvSpPr>
-        <p:spPr>
-          <a:xfrm>
-            <a:off x="1991472" y="1971721"/>
-            <a:ext cx="1348466" cy="685800"/>
+          <p:cNvPr id="26" name="Shape 24"/>
+          <p:cNvSpPr/>
+          <p:nvPr/>
+        </p:nvSpPr>
+        <p:spPr>
+          <a:xfrm>
+            <a:off x="2061698" y="3314700"/>
+            <a:ext cx="1290127" cy="414315"/>
           </a:xfrm>
           <a:prstGeom prst="roundRect">
             <a:avLst>
-              <a:gd name="adj" fmla="val 1600000"/>
+              <a:gd name="adj" fmla="val 27588"/>
             </a:avLst>
           </a:prstGeom>
           <a:solidFill>
@@ -1404,30 +1880,69 @@
       </p:sp>
       <p:sp>
         <p:nvSpPr>
-          <p:cNvPr id="17" name="Text 15"/>
-          <p:cNvSpPr/>
-          <p:nvPr/>
-        </p:nvSpPr>
-        <p:spPr>
-          <a:xfrm>
-            <a:off x="2077151" y="2057400"/>
-            <a:ext cx="1177016" cy="128565"/>
-          </a:xfrm>
-          <a:prstGeom prst="rect">
-            <a:avLst/>
-          </a:prstGeom>
-          <a:noFill/>
-          <a:ln/>
-        </p:spPr>
-        <p:txBody>
-          <a:bodyPr wrap="square" rtlCol="0" anchor="ctr"/>
-          <a:lstStyle/>
-          <a:p>
-            <a:pPr indent="0" marL="0">
-              <a:buNone/>
-            </a:pPr>
-            <a:r>
-              <a:rPr lang="en-US" sz="900" b="1" spc="4000" kern="0" dirty="0">
+          <p:cNvPr id="27" name="Text 25"/>
+          <p:cNvSpPr/>
+          <p:nvPr/>
+        </p:nvSpPr>
+        <p:spPr>
+          <a:xfrm>
+            <a:off x="2118848" y="3371850"/>
+            <a:ext cx="1175827" cy="171450"/>
+          </a:xfrm>
+          <a:prstGeom prst="rect">
+            <a:avLst/>
+          </a:prstGeom>
+          <a:noFill/>
+          <a:ln/>
+        </p:spPr>
+        <p:txBody>
+          <a:bodyPr wrap="square" rtlCol="0" anchor="ctr"/>
+          <a:lstStyle/>
+          <a:p>
+            <a:pPr algn="ctr" indent="0" marL="0">
+              <a:buNone/>
+            </a:pPr>
+            <a:r>
+              <a:rPr lang="en-US" sz="1500" b="1" dirty="0">
+                <a:solidFill>
+                  <a:srgbClr val="0F2439"/>
+                </a:solidFill>
+                <a:latin typeface="Segoe UI" pitchFamily="34" charset="0"/>
+                <a:ea typeface="Segoe UI" pitchFamily="34" charset="-122"/>
+                <a:cs typeface="Segoe UI" pitchFamily="34" charset="-120"/>
+              </a:rPr>
+              <a:t>Supervision</a:t>
+            </a:r>
+            <a:endParaRPr lang="en-US" sz="1500" dirty="0"/>
+          </a:p>
+        </p:txBody>
+      </p:sp>
+      <p:sp>
+        <p:nvSpPr>
+          <p:cNvPr id="28" name="Text 26"/>
+          <p:cNvSpPr/>
+          <p:nvPr/>
+        </p:nvSpPr>
+        <p:spPr>
+          <a:xfrm>
+            <a:off x="2118848" y="3557565"/>
+            <a:ext cx="1175827" cy="128565"/>
+          </a:xfrm>
+          <a:prstGeom prst="rect">
+            <a:avLst/>
+          </a:prstGeom>
+          <a:noFill/>
+          <a:ln/>
+        </p:spPr>
+        <p:txBody>
+          <a:bodyPr wrap="square" rtlCol="0" anchor="ctr"/>
+          <a:lstStyle/>
+          <a:p>
+            <a:pPr algn="ctr" indent="0" marL="0">
+              <a:buNone/>
+            </a:pPr>
+            <a:r>
+              <a:rPr lang="en-US" sz="900" spc="60" kern="0" dirty="0">
                 <a:solidFill>
                   <a:srgbClr val="4A5C70"/>
                 </a:solidFill>
@@ -1435,7 +1950,7 @@
                 <a:ea typeface="Segoe UI" pitchFamily="34" charset="-122"/>
                 <a:cs typeface="Segoe UI" pitchFamily="34" charset="-120"/>
               </a:rPr>
-              <a:t>CHANGE BANDWIDTH</a:t>
+              <a:t>PRECISION</a:t>
             </a:r>
             <a:endParaRPr lang="en-US" sz="900" dirty="0"/>
           </a:p>
@@ -1443,57 +1958,18 @@
       </p:sp>
       <p:sp>
         <p:nvSpPr>
-          <p:cNvPr id="18" name="Text 16"/>
-          <p:cNvSpPr/>
-          <p:nvPr/>
-        </p:nvSpPr>
-        <p:spPr>
-          <a:xfrm>
-            <a:off x="2077151" y="2243115"/>
-            <a:ext cx="1177016" cy="257221"/>
-          </a:xfrm>
-          <a:prstGeom prst="rect">
-            <a:avLst/>
-          </a:prstGeom>
-          <a:noFill/>
-          <a:ln/>
-        </p:spPr>
-        <p:txBody>
-          <a:bodyPr wrap="square" rtlCol="0" anchor="ctr"/>
-          <a:lstStyle/>
-          <a:p>
-            <a:pPr indent="0" marL="0">
-              <a:buNone/>
-            </a:pPr>
-            <a:r>
-              <a:rPr lang="en-US" sz="1500" b="1" dirty="0">
-                <a:solidFill>
-                  <a:srgbClr val="0F2439"/>
-                </a:solidFill>
-                <a:latin typeface="Segoe UI" pitchFamily="34" charset="0"/>
-                <a:ea typeface="Segoe UI" pitchFamily="34" charset="-122"/>
-                <a:cs typeface="Segoe UI" pitchFamily="34" charset="-120"/>
-              </a:rPr>
-              <a:t>2 tracks</a:t>
-            </a:r>
-            <a:endParaRPr lang="en-US" sz="1500" dirty="0"/>
-          </a:p>
-        </p:txBody>
-      </p:sp>
-      <p:sp>
-        <p:nvSpPr>
-          <p:cNvPr id="19" name="Shape 17"/>
-          <p:cNvSpPr/>
-          <p:nvPr/>
-        </p:nvSpPr>
-        <p:spPr>
-          <a:xfrm>
-            <a:off x="3411352" y="1971721"/>
-            <a:ext cx="1348466" cy="685800"/>
+          <p:cNvPr id="29" name="Shape 27"/>
+          <p:cNvSpPr/>
+          <p:nvPr/>
+        </p:nvSpPr>
+        <p:spPr>
+          <a:xfrm>
+            <a:off x="3437595" y="3314700"/>
+            <a:ext cx="1290127" cy="414315"/>
           </a:xfrm>
           <a:prstGeom prst="roundRect">
             <a:avLst>
-              <a:gd name="adj" fmla="val 1600000"/>
+              <a:gd name="adj" fmla="val 27588"/>
             </a:avLst>
           </a:prstGeom>
           <a:solidFill>
@@ -1509,14 +1985,126 @@
       </p:sp>
       <p:sp>
         <p:nvSpPr>
-          <p:cNvPr id="20" name="Text 18"/>
-          <p:cNvSpPr/>
-          <p:nvPr/>
-        </p:nvSpPr>
-        <p:spPr>
-          <a:xfrm>
-            <a:off x="3497123" y="2057400"/>
-            <a:ext cx="1177016" cy="128565"/>
+          <p:cNvPr id="30" name="Text 28"/>
+          <p:cNvSpPr/>
+          <p:nvPr/>
+        </p:nvSpPr>
+        <p:spPr>
+          <a:xfrm>
+            <a:off x="3494745" y="3371850"/>
+            <a:ext cx="1175827" cy="171450"/>
+          </a:xfrm>
+          <a:prstGeom prst="rect">
+            <a:avLst/>
+          </a:prstGeom>
+          <a:noFill/>
+          <a:ln/>
+        </p:spPr>
+        <p:txBody>
+          <a:bodyPr wrap="square" rtlCol="0" anchor="ctr"/>
+          <a:lstStyle/>
+          <a:p>
+            <a:pPr algn="ctr" indent="0" marL="0">
+              <a:buNone/>
+            </a:pPr>
+            <a:r>
+              <a:rPr lang="en-US" sz="1500" b="1" dirty="0">
+                <a:solidFill>
+                  <a:srgbClr val="0F2439"/>
+                </a:solidFill>
+                <a:latin typeface="Segoe UI" pitchFamily="34" charset="0"/>
+                <a:ea typeface="Segoe UI" pitchFamily="34" charset="-122"/>
+                <a:cs typeface="Segoe UI" pitchFamily="34" charset="-120"/>
+              </a:rPr>
+              <a:t>Operations</a:t>
+            </a:r>
+            <a:endParaRPr lang="en-US" sz="1500" dirty="0"/>
+          </a:p>
+        </p:txBody>
+      </p:sp>
+      <p:sp>
+        <p:nvSpPr>
+          <p:cNvPr id="31" name="Text 29"/>
+          <p:cNvSpPr/>
+          <p:nvPr/>
+        </p:nvSpPr>
+        <p:spPr>
+          <a:xfrm>
+            <a:off x="3494745" y="3557565"/>
+            <a:ext cx="1175827" cy="128565"/>
+          </a:xfrm>
+          <a:prstGeom prst="rect">
+            <a:avLst/>
+          </a:prstGeom>
+          <a:noFill/>
+          <a:ln/>
+        </p:spPr>
+        <p:txBody>
+          <a:bodyPr wrap="square" rtlCol="0" anchor="ctr"/>
+          <a:lstStyle/>
+          <a:p>
+            <a:pPr algn="ctr" indent="0" marL="0">
+              <a:buNone/>
+            </a:pPr>
+            <a:r>
+              <a:rPr lang="en-US" sz="900" spc="60" kern="0" dirty="0">
+                <a:solidFill>
+                  <a:srgbClr val="4A5C70"/>
+                </a:solidFill>
+                <a:latin typeface="Segoe UI" pitchFamily="34" charset="0"/>
+                <a:ea typeface="Segoe UI" pitchFamily="34" charset="-122"/>
+                <a:cs typeface="Segoe UI" pitchFamily="34" charset="-120"/>
+              </a:rPr>
+              <a:t>RESILIENCE</a:t>
+            </a:r>
+            <a:endParaRPr lang="en-US" sz="900" dirty="0"/>
+          </a:p>
+        </p:txBody>
+      </p:sp>
+      <p:sp>
+        <p:nvSpPr>
+          <p:cNvPr id="32" name="Shape 30"/>
+          <p:cNvSpPr/>
+          <p:nvPr/>
+        </p:nvSpPr>
+        <p:spPr>
+          <a:xfrm>
+            <a:off x="5042093" y="1357335"/>
+            <a:ext cx="3587557" cy="2600371"/>
+          </a:xfrm>
+          <a:prstGeom prst="roundRect">
+            <a:avLst>
+              <a:gd name="adj" fmla="val 4944"/>
+            </a:avLst>
+          </a:prstGeom>
+          <a:solidFill>
+            <a:srgbClr val="FFFFFF"/>
+          </a:solidFill>
+          <a:ln w="12700">
+            <a:solidFill>
+              <a:srgbClr val="DDE5EF"/>
+            </a:solidFill>
+            <a:prstDash val="solid"/>
+          </a:ln>
+          <a:effectLst>
+            <a:outerShdw sx="100000" sy="100000" kx="0" ky="0" algn="bl" rotWithShape="0" blurRad="101600" dist="1905" dir="5400000">
+              <a:srgbClr val="000000">
+                <a:alpha val="16000"/>
+              </a:srgbClr>
+            </a:outerShdw>
+          </a:effectLst>
+        </p:spPr>
+      </p:sp>
+      <p:sp>
+        <p:nvSpPr>
+          <p:cNvPr id="33" name="Text 31"/>
+          <p:cNvSpPr/>
+          <p:nvPr/>
+        </p:nvSpPr>
+        <p:spPr>
+          <a:xfrm>
+            <a:off x="5213543" y="1528785"/>
+            <a:ext cx="3244657" cy="157185"/>
           </a:xfrm>
           <a:prstGeom prst="rect">
             <a:avLst/>
@@ -1532,7 +2120,356 @@
               <a:buNone/>
             </a:pPr>
             <a:r>
-              <a:rPr lang="en-US" sz="900" b="1" spc="4000" kern="0" dirty="0">
+              <a:rPr lang="en-US" sz="1350" b="1" spc="30" kern="0" dirty="0">
+                <a:solidFill>
+                  <a:srgbClr val="0F2439"/>
+                </a:solidFill>
+                <a:latin typeface="Segoe UI" pitchFamily="34" charset="0"/>
+                <a:ea typeface="Segoe UI" pitchFamily="34" charset="-122"/>
+                <a:cs typeface="Segoe UI" pitchFamily="34" charset="-120"/>
+              </a:rPr>
+              <a:t>WHAT ENABLES SCALE</a:t>
+            </a:r>
+            <a:endParaRPr lang="en-US" sz="1350" dirty="0"/>
+          </a:p>
+        </p:txBody>
+      </p:sp>
+      <p:sp>
+        <p:nvSpPr>
+          <p:cNvPr id="34" name="Shape 32"/>
+          <p:cNvSpPr/>
+          <p:nvPr/>
+        </p:nvSpPr>
+        <p:spPr>
+          <a:xfrm>
+            <a:off x="5213543" y="1728765"/>
+            <a:ext cx="1024402" cy="228600"/>
+          </a:xfrm>
+          <a:prstGeom prst="roundRect">
+            <a:avLst>
+              <a:gd name="adj" fmla="val 625000"/>
+            </a:avLst>
+          </a:prstGeom>
+          <a:solidFill>
+            <a:srgbClr val="FDF6E8"/>
+          </a:solidFill>
+          <a:ln w="12700">
+            <a:solidFill>
+              <a:srgbClr val="FDF6E8"/>
+            </a:solidFill>
+            <a:prstDash val="solid"/>
+          </a:ln>
+        </p:spPr>
+      </p:sp>
+      <p:sp>
+        <p:nvSpPr>
+          <p:cNvPr id="35" name="Text 33"/>
+          <p:cNvSpPr/>
+          <p:nvPr/>
+        </p:nvSpPr>
+        <p:spPr>
+          <a:xfrm>
+            <a:off x="5270693" y="1771650"/>
+            <a:ext cx="910102" cy="142921"/>
+          </a:xfrm>
+          <a:prstGeom prst="rect">
+            <a:avLst/>
+          </a:prstGeom>
+          <a:noFill/>
+          <a:ln/>
+        </p:spPr>
+        <p:txBody>
+          <a:bodyPr wrap="square" rtlCol="0" anchor="ctr"/>
+          <a:lstStyle/>
+          <a:p>
+            <a:pPr algn="ctr" indent="0" marL="0">
+              <a:buNone/>
+            </a:pPr>
+            <a:r>
+              <a:rPr lang="en-US" sz="900" b="1" spc="40" kern="0" dirty="0">
+                <a:solidFill>
+                  <a:srgbClr val="6F5316"/>
+                </a:solidFill>
+                <a:latin typeface="Segoe UI" pitchFamily="34" charset="0"/>
+                <a:ea typeface="Segoe UI" pitchFamily="34" charset="-122"/>
+                <a:cs typeface="Segoe UI" pitchFamily="34" charset="-120"/>
+              </a:rPr>
+              <a:t>TRUSTED DATA</a:t>
+            </a:r>
+            <a:endParaRPr lang="en-US" sz="900" dirty="0"/>
+          </a:p>
+        </p:txBody>
+      </p:sp>
+      <p:sp>
+        <p:nvSpPr>
+          <p:cNvPr id="36" name="Shape 34"/>
+          <p:cNvSpPr/>
+          <p:nvPr/>
+        </p:nvSpPr>
+        <p:spPr>
+          <a:xfrm>
+            <a:off x="6323625" y="1728765"/>
+            <a:ext cx="1024402" cy="228600"/>
+          </a:xfrm>
+          <a:prstGeom prst="roundRect">
+            <a:avLst>
+              <a:gd name="adj" fmla="val 625000"/>
+            </a:avLst>
+          </a:prstGeom>
+          <a:solidFill>
+            <a:srgbClr val="FDF6E8"/>
+          </a:solidFill>
+          <a:ln w="12700">
+            <a:solidFill>
+              <a:srgbClr val="FDF6E8"/>
+            </a:solidFill>
+            <a:prstDash val="solid"/>
+          </a:ln>
+        </p:spPr>
+      </p:sp>
+      <p:sp>
+        <p:nvSpPr>
+          <p:cNvPr id="37" name="Text 35"/>
+          <p:cNvSpPr/>
+          <p:nvPr/>
+        </p:nvSpPr>
+        <p:spPr>
+          <a:xfrm>
+            <a:off x="6380775" y="1771650"/>
+            <a:ext cx="910102" cy="142921"/>
+          </a:xfrm>
+          <a:prstGeom prst="rect">
+            <a:avLst/>
+          </a:prstGeom>
+          <a:noFill/>
+          <a:ln/>
+        </p:spPr>
+        <p:txBody>
+          <a:bodyPr wrap="square" rtlCol="0" anchor="ctr"/>
+          <a:lstStyle/>
+          <a:p>
+            <a:pPr algn="ctr" indent="0" marL="0">
+              <a:buNone/>
+            </a:pPr>
+            <a:r>
+              <a:rPr lang="en-US" sz="900" b="1" spc="40" kern="0" dirty="0">
+                <a:solidFill>
+                  <a:srgbClr val="6F5316"/>
+                </a:solidFill>
+                <a:latin typeface="Segoe UI" pitchFamily="34" charset="0"/>
+                <a:ea typeface="Segoe UI" pitchFamily="34" charset="-122"/>
+                <a:cs typeface="Segoe UI" pitchFamily="34" charset="-120"/>
+              </a:rPr>
+              <a:t>MODEL RISK</a:t>
+            </a:r>
+            <a:endParaRPr lang="en-US" sz="900" dirty="0"/>
+          </a:p>
+        </p:txBody>
+      </p:sp>
+      <p:sp>
+        <p:nvSpPr>
+          <p:cNvPr id="38" name="Shape 36"/>
+          <p:cNvSpPr/>
+          <p:nvPr/>
+        </p:nvSpPr>
+        <p:spPr>
+          <a:xfrm>
+            <a:off x="7433798" y="1728765"/>
+            <a:ext cx="1024402" cy="228600"/>
+          </a:xfrm>
+          <a:prstGeom prst="roundRect">
+            <a:avLst>
+              <a:gd name="adj" fmla="val 625000"/>
+            </a:avLst>
+          </a:prstGeom>
+          <a:solidFill>
+            <a:srgbClr val="FDF6E8"/>
+          </a:solidFill>
+          <a:ln w="12700">
+            <a:solidFill>
+              <a:srgbClr val="FDF6E8"/>
+            </a:solidFill>
+            <a:prstDash val="solid"/>
+          </a:ln>
+        </p:spPr>
+      </p:sp>
+      <p:sp>
+        <p:nvSpPr>
+          <p:cNvPr id="39" name="Text 37"/>
+          <p:cNvSpPr/>
+          <p:nvPr/>
+        </p:nvSpPr>
+        <p:spPr>
+          <a:xfrm>
+            <a:off x="7490948" y="1771650"/>
+            <a:ext cx="910102" cy="142921"/>
+          </a:xfrm>
+          <a:prstGeom prst="rect">
+            <a:avLst/>
+          </a:prstGeom>
+          <a:noFill/>
+          <a:ln/>
+        </p:spPr>
+        <p:txBody>
+          <a:bodyPr wrap="square" rtlCol="0" anchor="ctr"/>
+          <a:lstStyle/>
+          <a:p>
+            <a:pPr algn="ctr" indent="0" marL="0">
+              <a:buNone/>
+            </a:pPr>
+            <a:r>
+              <a:rPr lang="en-US" sz="900" b="1" spc="40" kern="0" dirty="0">
+                <a:solidFill>
+                  <a:srgbClr val="6F5316"/>
+                </a:solidFill>
+                <a:latin typeface="Segoe UI" pitchFamily="34" charset="0"/>
+                <a:ea typeface="Segoe UI" pitchFamily="34" charset="-122"/>
+                <a:cs typeface="Segoe UI" pitchFamily="34" charset="-120"/>
+              </a:rPr>
+              <a:t>SECURE MLOPS</a:t>
+            </a:r>
+            <a:endParaRPr lang="en-US" sz="900" dirty="0"/>
+          </a:p>
+        </p:txBody>
+      </p:sp>
+      <p:sp>
+        <p:nvSpPr>
+          <p:cNvPr id="40" name="Shape 38"/>
+          <p:cNvSpPr/>
+          <p:nvPr/>
+        </p:nvSpPr>
+        <p:spPr>
+          <a:xfrm>
+            <a:off x="5213543" y="2057400"/>
+            <a:ext cx="385785" cy="385785"/>
+          </a:xfrm>
+          <a:prstGeom prst="roundRect">
+            <a:avLst>
+              <a:gd name="adj" fmla="val 29628"/>
+            </a:avLst>
+          </a:prstGeom>
+          <a:solidFill>
+            <a:srgbClr val="17395C"/>
+          </a:solidFill>
+          <a:ln w="12700">
+            <a:solidFill>
+              <a:srgbClr val="17395C"/>
+            </a:solidFill>
+            <a:prstDash val="solid"/>
+          </a:ln>
+          <a:effectLst>
+            <a:outerShdw sx="100000" sy="100000" kx="0" ky="0" algn="bl" rotWithShape="0" blurRad="76200" dist="1270" dir="5400000">
+              <a:srgbClr val="000000">
+                <a:alpha val="30000"/>
+              </a:srgbClr>
+            </a:outerShdw>
+          </a:effectLst>
+        </p:spPr>
+      </p:sp>
+      <p:sp>
+        <p:nvSpPr>
+          <p:cNvPr id="41" name="Text 39"/>
+          <p:cNvSpPr/>
+          <p:nvPr/>
+        </p:nvSpPr>
+        <p:spPr>
+          <a:xfrm>
+            <a:off x="5213543" y="2143171"/>
+            <a:ext cx="385785" cy="214335"/>
+          </a:xfrm>
+          <a:prstGeom prst="rect">
+            <a:avLst/>
+          </a:prstGeom>
+          <a:noFill/>
+          <a:ln/>
+        </p:spPr>
+        <p:txBody>
+          <a:bodyPr wrap="square" rtlCol="0" anchor="ctr"/>
+          <a:lstStyle/>
+          <a:p>
+            <a:pPr algn="ctr" indent="0" marL="0">
+              <a:buNone/>
+            </a:pPr>
+            <a:r>
+              <a:rPr lang="en-US" sz="1650" dirty="0">
+                <a:solidFill>
+                  <a:srgbClr val="FFFFFF"/>
+                </a:solidFill>
+                <a:latin typeface="Segoe UI" pitchFamily="34" charset="0"/>
+                <a:ea typeface="Segoe UI" pitchFamily="34" charset="-122"/>
+                <a:cs typeface="Segoe UI" pitchFamily="34" charset="-120"/>
+              </a:rPr>
+              <a:t>◍</a:t>
+            </a:r>
+            <a:endParaRPr lang="en-US" sz="1650" dirty="0"/>
+          </a:p>
+        </p:txBody>
+      </p:sp>
+      <p:sp>
+        <p:nvSpPr>
+          <p:cNvPr id="42" name="Text 40"/>
+          <p:cNvSpPr/>
+          <p:nvPr/>
+        </p:nvSpPr>
+        <p:spPr>
+          <a:xfrm>
+            <a:off x="5699272" y="2086021"/>
+            <a:ext cx="2758928" cy="157185"/>
+          </a:xfrm>
+          <a:prstGeom prst="rect">
+            <a:avLst/>
+          </a:prstGeom>
+          <a:noFill/>
+          <a:ln/>
+        </p:spPr>
+        <p:txBody>
+          <a:bodyPr wrap="square" rtlCol="0" anchor="ctr"/>
+          <a:lstStyle/>
+          <a:p>
+            <a:pPr indent="0" marL="0">
+              <a:buNone/>
+            </a:pPr>
+            <a:r>
+              <a:rPr lang="en-US" sz="1200" b="1" dirty="0">
+                <a:solidFill>
+                  <a:srgbClr val="0F2439"/>
+                </a:solidFill>
+                <a:latin typeface="Segoe UI" pitchFamily="34" charset="0"/>
+                <a:ea typeface="Segoe UI" pitchFamily="34" charset="-122"/>
+                <a:cs typeface="Segoe UI" pitchFamily="34" charset="-120"/>
+              </a:rPr>
+              <a:t>Golden sources</a:t>
+            </a:r>
+            <a:endParaRPr lang="en-US" sz="1200" dirty="0"/>
+          </a:p>
+        </p:txBody>
+      </p:sp>
+      <p:sp>
+        <p:nvSpPr>
+          <p:cNvPr id="43" name="Text 41"/>
+          <p:cNvSpPr/>
+          <p:nvPr/>
+        </p:nvSpPr>
+        <p:spPr>
+          <a:xfrm>
+            <a:off x="5699272" y="2243115"/>
+            <a:ext cx="2758928" cy="271485"/>
+          </a:xfrm>
+          <a:prstGeom prst="rect">
+            <a:avLst/>
+          </a:prstGeom>
+          <a:noFill/>
+          <a:ln/>
+        </p:spPr>
+        <p:txBody>
+          <a:bodyPr wrap="square" rtlCol="0" anchor="ctr"/>
+          <a:lstStyle/>
+          <a:p>
+            <a:pPr indent="0" marL="0">
+              <a:buNone/>
+            </a:pPr>
+            <a:r>
+              <a:rPr lang="en-US" sz="975" dirty="0">
                 <a:solidFill>
                   <a:srgbClr val="4A5C70"/>
                 </a:solidFill>
@@ -1540,22 +2477,95 @@
                 <a:ea typeface="Segoe UI" pitchFamily="34" charset="-122"/>
                 <a:cs typeface="Segoe UI" pitchFamily="34" charset="-120"/>
               </a:rPr>
-              <a:t>RISK POSTURE</a:t>
-            </a:r>
-            <a:endParaRPr lang="en-US" sz="900" dirty="0"/>
-          </a:p>
-        </p:txBody>
-      </p:sp>
-      <p:sp>
-        <p:nvSpPr>
-          <p:cNvPr id="21" name="Text 19"/>
-          <p:cNvSpPr/>
-          <p:nvPr/>
-        </p:nvSpPr>
-        <p:spPr>
-          <a:xfrm>
-            <a:off x="3497123" y="2243115"/>
-            <a:ext cx="1177016" cy="257221"/>
+              <a:t>Lineage and access aligned with confidentiality.</a:t>
+            </a:r>
+            <a:endParaRPr lang="en-US" sz="975" dirty="0"/>
+          </a:p>
+        </p:txBody>
+      </p:sp>
+      <p:sp>
+        <p:nvSpPr>
+          <p:cNvPr id="44" name="Shape 42"/>
+          <p:cNvSpPr/>
+          <p:nvPr/>
+        </p:nvSpPr>
+        <p:spPr>
+          <a:xfrm>
+            <a:off x="5213543" y="2543221"/>
+            <a:ext cx="385785" cy="385785"/>
+          </a:xfrm>
+          <a:prstGeom prst="roundRect">
+            <a:avLst>
+              <a:gd name="adj" fmla="val 29628"/>
+            </a:avLst>
+          </a:prstGeom>
+          <a:solidFill>
+            <a:srgbClr val="17395C"/>
+          </a:solidFill>
+          <a:ln w="12700">
+            <a:solidFill>
+              <a:srgbClr val="17395C"/>
+            </a:solidFill>
+            <a:prstDash val="solid"/>
+          </a:ln>
+          <a:effectLst>
+            <a:outerShdw sx="100000" sy="100000" kx="0" ky="0" algn="bl" rotWithShape="0" blurRad="76200" dist="1270" dir="5400000">
+              <a:srgbClr val="000000">
+                <a:alpha val="30000"/>
+              </a:srgbClr>
+            </a:outerShdw>
+          </a:effectLst>
+        </p:spPr>
+      </p:sp>
+      <p:sp>
+        <p:nvSpPr>
+          <p:cNvPr id="45" name="Text 43"/>
+          <p:cNvSpPr/>
+          <p:nvPr/>
+        </p:nvSpPr>
+        <p:spPr>
+          <a:xfrm>
+            <a:off x="5213543" y="2628900"/>
+            <a:ext cx="385785" cy="214335"/>
+          </a:xfrm>
+          <a:prstGeom prst="rect">
+            <a:avLst/>
+          </a:prstGeom>
+          <a:noFill/>
+          <a:ln/>
+        </p:spPr>
+        <p:txBody>
+          <a:bodyPr wrap="square" rtlCol="0" anchor="ctr"/>
+          <a:lstStyle/>
+          <a:p>
+            <a:pPr algn="ctr" indent="0" marL="0">
+              <a:buNone/>
+            </a:pPr>
+            <a:r>
+              <a:rPr lang="en-US" sz="1650" dirty="0">
+                <a:solidFill>
+                  <a:srgbClr val="FFFFFF"/>
+                </a:solidFill>
+                <a:latin typeface="Segoe UI" pitchFamily="34" charset="0"/>
+                <a:ea typeface="Segoe UI" pitchFamily="34" charset="-122"/>
+                <a:cs typeface="Segoe UI" pitchFamily="34" charset="-120"/>
+              </a:rPr>
+              <a:t>✓</a:t>
+            </a:r>
+            <a:endParaRPr lang="en-US" sz="1650" dirty="0"/>
+          </a:p>
+        </p:txBody>
+      </p:sp>
+      <p:sp>
+        <p:nvSpPr>
+          <p:cNvPr id="46" name="Text 44"/>
+          <p:cNvSpPr/>
+          <p:nvPr/>
+        </p:nvSpPr>
+        <p:spPr>
+          <a:xfrm>
+            <a:off x="5699272" y="2571750"/>
+            <a:ext cx="2758928" cy="157185"/>
           </a:xfrm>
           <a:prstGeom prst="rect">
             <a:avLst/>
@@ -1571,7 +2581,7 @@
               <a:buNone/>
             </a:pPr>
             <a:r>
-              <a:rPr lang="en-US" sz="1500" b="1" dirty="0">
+              <a:rPr lang="en-US" sz="1200" b="1" dirty="0">
                 <a:solidFill>
                   <a:srgbClr val="0F2439"/>
                 </a:solidFill>
@@ -1579,25 +2589,399 @@
                 <a:ea typeface="Segoe UI" pitchFamily="34" charset="-122"/>
                 <a:cs typeface="Segoe UI" pitchFamily="34" charset="-120"/>
               </a:rPr>
-              <a:t>Moderate</a:t>
-            </a:r>
-            <a:endParaRPr lang="en-US" sz="1500" dirty="0"/>
-          </a:p>
-        </p:txBody>
-      </p:sp>
-      <p:sp>
-        <p:nvSpPr>
-          <p:cNvPr id="22" name="Shape 20"/>
-          <p:cNvSpPr/>
-          <p:nvPr/>
-        </p:nvSpPr>
-        <p:spPr>
-          <a:xfrm>
-            <a:off x="571500" y="2814615"/>
-            <a:ext cx="71415" cy="71415"/>
-          </a:xfrm>
-          <a:prstGeom prst="ellipse">
-            <a:avLst/>
+              <a:t>Governance by design</a:t>
+            </a:r>
+            <a:endParaRPr lang="en-US" sz="1200" dirty="0"/>
+          </a:p>
+        </p:txBody>
+      </p:sp>
+      <p:sp>
+        <p:nvSpPr>
+          <p:cNvPr id="47" name="Text 45"/>
+          <p:cNvSpPr/>
+          <p:nvPr/>
+        </p:nvSpPr>
+        <p:spPr>
+          <a:xfrm>
+            <a:off x="5699272" y="2728935"/>
+            <a:ext cx="2758928" cy="271485"/>
+          </a:xfrm>
+          <a:prstGeom prst="rect">
+            <a:avLst/>
+          </a:prstGeom>
+          <a:noFill/>
+          <a:ln/>
+        </p:spPr>
+        <p:txBody>
+          <a:bodyPr wrap="square" rtlCol="0" anchor="ctr"/>
+          <a:lstStyle/>
+          <a:p>
+            <a:pPr indent="0" marL="0">
+              <a:buNone/>
+            </a:pPr>
+            <a:r>
+              <a:rPr lang="en-US" sz="975" dirty="0">
+                <a:solidFill>
+                  <a:srgbClr val="4A5C70"/>
+                </a:solidFill>
+                <a:latin typeface="Segoe UI" pitchFamily="34" charset="0"/>
+                <a:ea typeface="Segoe UI" pitchFamily="34" charset="-122"/>
+                <a:cs typeface="Segoe UI" pitchFamily="34" charset="-120"/>
+              </a:rPr>
+              <a:t>Validation, explainability, and human oversight.</a:t>
+            </a:r>
+            <a:endParaRPr lang="en-US" sz="975" dirty="0"/>
+          </a:p>
+        </p:txBody>
+      </p:sp>
+      <p:sp>
+        <p:nvSpPr>
+          <p:cNvPr id="48" name="Shape 46"/>
+          <p:cNvSpPr/>
+          <p:nvPr/>
+        </p:nvSpPr>
+        <p:spPr>
+          <a:xfrm>
+            <a:off x="5213543" y="3028950"/>
+            <a:ext cx="385785" cy="385785"/>
+          </a:xfrm>
+          <a:prstGeom prst="roundRect">
+            <a:avLst>
+              <a:gd name="adj" fmla="val 29628"/>
+            </a:avLst>
+          </a:prstGeom>
+          <a:solidFill>
+            <a:srgbClr val="17395C"/>
+          </a:solidFill>
+          <a:ln w="12700">
+            <a:solidFill>
+              <a:srgbClr val="17395C"/>
+            </a:solidFill>
+            <a:prstDash val="solid"/>
+          </a:ln>
+          <a:effectLst>
+            <a:outerShdw sx="100000" sy="100000" kx="0" ky="0" algn="bl" rotWithShape="0" blurRad="76200" dist="1270" dir="5400000">
+              <a:srgbClr val="000000">
+                <a:alpha val="30000"/>
+              </a:srgbClr>
+            </a:outerShdw>
+          </a:effectLst>
+        </p:spPr>
+      </p:sp>
+      <p:sp>
+        <p:nvSpPr>
+          <p:cNvPr id="49" name="Text 47"/>
+          <p:cNvSpPr/>
+          <p:nvPr/>
+        </p:nvSpPr>
+        <p:spPr>
+          <a:xfrm>
+            <a:off x="5213543" y="3114721"/>
+            <a:ext cx="385785" cy="214335"/>
+          </a:xfrm>
+          <a:prstGeom prst="rect">
+            <a:avLst/>
+          </a:prstGeom>
+          <a:noFill/>
+          <a:ln/>
+        </p:spPr>
+        <p:txBody>
+          <a:bodyPr wrap="square" rtlCol="0" anchor="ctr"/>
+          <a:lstStyle/>
+          <a:p>
+            <a:pPr algn="ctr" indent="0" marL="0">
+              <a:buNone/>
+            </a:pPr>
+            <a:r>
+              <a:rPr lang="en-US" sz="1650" dirty="0">
+                <a:solidFill>
+                  <a:srgbClr val="FFFFFF"/>
+                </a:solidFill>
+                <a:latin typeface="Segoe UI" pitchFamily="34" charset="0"/>
+                <a:ea typeface="Segoe UI" pitchFamily="34" charset="-122"/>
+                <a:cs typeface="Segoe UI" pitchFamily="34" charset="-120"/>
+              </a:rPr>
+              <a:t>⬡</a:t>
+            </a:r>
+            <a:endParaRPr lang="en-US" sz="1650" dirty="0"/>
+          </a:p>
+        </p:txBody>
+      </p:sp>
+      <p:sp>
+        <p:nvSpPr>
+          <p:cNvPr id="50" name="Text 48"/>
+          <p:cNvSpPr/>
+          <p:nvPr/>
+        </p:nvSpPr>
+        <p:spPr>
+          <a:xfrm>
+            <a:off x="5699272" y="3057571"/>
+            <a:ext cx="2758928" cy="157185"/>
+          </a:xfrm>
+          <a:prstGeom prst="rect">
+            <a:avLst/>
+          </a:prstGeom>
+          <a:noFill/>
+          <a:ln/>
+        </p:spPr>
+        <p:txBody>
+          <a:bodyPr wrap="square" rtlCol="0" anchor="ctr"/>
+          <a:lstStyle/>
+          <a:p>
+            <a:pPr indent="0" marL="0">
+              <a:buNone/>
+            </a:pPr>
+            <a:r>
+              <a:rPr lang="en-US" sz="1200" b="1" dirty="0">
+                <a:solidFill>
+                  <a:srgbClr val="0F2439"/>
+                </a:solidFill>
+                <a:latin typeface="Segoe UI" pitchFamily="34" charset="0"/>
+                <a:ea typeface="Segoe UI" pitchFamily="34" charset="-122"/>
+                <a:cs typeface="Segoe UI" pitchFamily="34" charset="-120"/>
+              </a:rPr>
+              <a:t>Production resilience</a:t>
+            </a:r>
+            <a:endParaRPr lang="en-US" sz="1200" dirty="0"/>
+          </a:p>
+        </p:txBody>
+      </p:sp>
+      <p:sp>
+        <p:nvSpPr>
+          <p:cNvPr id="51" name="Text 49"/>
+          <p:cNvSpPr/>
+          <p:nvPr/>
+        </p:nvSpPr>
+        <p:spPr>
+          <a:xfrm>
+            <a:off x="5699272" y="3214665"/>
+            <a:ext cx="2758928" cy="271485"/>
+          </a:xfrm>
+          <a:prstGeom prst="rect">
+            <a:avLst/>
+          </a:prstGeom>
+          <a:noFill/>
+          <a:ln/>
+        </p:spPr>
+        <p:txBody>
+          <a:bodyPr wrap="square" rtlCol="0" anchor="ctr"/>
+          <a:lstStyle/>
+          <a:p>
+            <a:pPr indent="0" marL="0">
+              <a:buNone/>
+            </a:pPr>
+            <a:r>
+              <a:rPr lang="en-US" sz="975" dirty="0">
+                <a:solidFill>
+                  <a:srgbClr val="4A5C70"/>
+                </a:solidFill>
+                <a:latin typeface="Segoe UI" pitchFamily="34" charset="0"/>
+                <a:ea typeface="Segoe UI" pitchFamily="34" charset="-122"/>
+                <a:cs typeface="Segoe UI" pitchFamily="34" charset="-120"/>
+              </a:rPr>
+              <a:t>Monitoring, drift response, and auditability.</a:t>
+            </a:r>
+            <a:endParaRPr lang="en-US" sz="975" dirty="0"/>
+          </a:p>
+        </p:txBody>
+      </p:sp>
+      <p:sp>
+        <p:nvSpPr>
+          <p:cNvPr id="52" name="Shape 50"/>
+          <p:cNvSpPr/>
+          <p:nvPr/>
+        </p:nvSpPr>
+        <p:spPr>
+          <a:xfrm>
+            <a:off x="514350" y="4143421"/>
+            <a:ext cx="8115300" cy="542971"/>
+          </a:xfrm>
+          <a:prstGeom prst="roundRect">
+            <a:avLst>
+              <a:gd name="adj" fmla="val 23678"/>
+            </a:avLst>
+          </a:prstGeom>
+          <a:solidFill>
+            <a:srgbClr val="0F2439"/>
+          </a:solidFill>
+          <a:ln w="12700">
+            <a:solidFill>
+              <a:srgbClr val="0F2439"/>
+            </a:solidFill>
+            <a:prstDash val="solid"/>
+          </a:ln>
+          <a:effectLst>
+            <a:outerShdw sx="100000" sy="100000" kx="0" ky="0" algn="bl" rotWithShape="0" blurRad="101600" dist="1905" dir="5400000">
+              <a:srgbClr val="000000">
+                <a:alpha val="22000"/>
+              </a:srgbClr>
+            </a:outerShdw>
+          </a:effectLst>
+        </p:spPr>
+      </p:sp>
+      <p:sp>
+        <p:nvSpPr>
+          <p:cNvPr id="53" name="Shape 51"/>
+          <p:cNvSpPr/>
+          <p:nvPr/>
+        </p:nvSpPr>
+        <p:spPr>
+          <a:xfrm>
+            <a:off x="642915" y="4243365"/>
+            <a:ext cx="342900" cy="342900"/>
+          </a:xfrm>
+          <a:prstGeom prst="roundRect">
+            <a:avLst>
+              <a:gd name="adj" fmla="val 29173"/>
+            </a:avLst>
+          </a:prstGeom>
+          <a:solidFill>
+            <a:srgbClr val="FFFFFF">
+              <a:alpha val="12000"/>
+            </a:srgbClr>
+          </a:solidFill>
+          <a:ln w="12700">
+            <a:solidFill>
+              <a:srgbClr val="FFFFFF">
+                <a:alpha val="12000"/>
+              </a:srgbClr>
+            </a:solidFill>
+            <a:prstDash val="solid"/>
+          </a:ln>
+        </p:spPr>
+      </p:sp>
+      <p:sp>
+        <p:nvSpPr>
+          <p:cNvPr id="54" name="Text 52"/>
+          <p:cNvSpPr/>
+          <p:nvPr/>
+        </p:nvSpPr>
+        <p:spPr>
+          <a:xfrm>
+            <a:off x="642915" y="4286250"/>
+            <a:ext cx="342900" cy="257221"/>
+          </a:xfrm>
+          <a:prstGeom prst="rect">
+            <a:avLst/>
+          </a:prstGeom>
+          <a:noFill/>
+          <a:ln/>
+        </p:spPr>
+        <p:txBody>
+          <a:bodyPr wrap="square" rtlCol="0" anchor="ctr"/>
+          <a:lstStyle/>
+          <a:p>
+            <a:pPr algn="ctr" indent="0" marL="0">
+              <a:buNone/>
+            </a:pPr>
+            <a:r>
+              <a:rPr lang="en-US" sz="1650" dirty="0">
+                <a:solidFill>
+                  <a:srgbClr val="FFFFFF"/>
+                </a:solidFill>
+                <a:latin typeface="Segoe UI" pitchFamily="34" charset="0"/>
+                <a:ea typeface="Segoe UI" pitchFamily="34" charset="-122"/>
+                <a:cs typeface="Segoe UI" pitchFamily="34" charset="-120"/>
+              </a:rPr>
+              <a:t>✦</a:t>
+            </a:r>
+            <a:endParaRPr lang="en-US" sz="1650" dirty="0"/>
+          </a:p>
+        </p:txBody>
+      </p:sp>
+      <p:sp>
+        <p:nvSpPr>
+          <p:cNvPr id="55" name="Text 53"/>
+          <p:cNvSpPr/>
+          <p:nvPr/>
+        </p:nvSpPr>
+        <p:spPr>
+          <a:xfrm>
+            <a:off x="1085850" y="4229100"/>
+            <a:ext cx="4869180" cy="171450"/>
+          </a:xfrm>
+          <a:prstGeom prst="rect">
+            <a:avLst/>
+          </a:prstGeom>
+          <a:noFill/>
+          <a:ln/>
+        </p:spPr>
+        <p:txBody>
+          <a:bodyPr wrap="square" rtlCol="0" anchor="ctr"/>
+          <a:lstStyle/>
+          <a:p>
+            <a:pPr indent="0" marL="0">
+              <a:buNone/>
+            </a:pPr>
+            <a:r>
+              <a:rPr lang="en-US" sz="1350" b="1" dirty="0">
+                <a:solidFill>
+                  <a:srgbClr val="FFFFFF"/>
+                </a:solidFill>
+                <a:latin typeface="Segoe UI" pitchFamily="34" charset="0"/>
+                <a:ea typeface="Segoe UI" pitchFamily="34" charset="-122"/>
+                <a:cs typeface="Segoe UI" pitchFamily="34" charset="-120"/>
+              </a:rPr>
+              <a:t>Executive Priority</a:t>
+            </a:r>
+            <a:endParaRPr lang="en-US" sz="1350" dirty="0"/>
+          </a:p>
+        </p:txBody>
+      </p:sp>
+      <p:sp>
+        <p:nvSpPr>
+          <p:cNvPr id="56" name="Text 54"/>
+          <p:cNvSpPr/>
+          <p:nvPr/>
+        </p:nvSpPr>
+        <p:spPr>
+          <a:xfrm>
+            <a:off x="1085850" y="4414815"/>
+            <a:ext cx="4869180" cy="171450"/>
+          </a:xfrm>
+          <a:prstGeom prst="rect">
+            <a:avLst/>
+          </a:prstGeom>
+          <a:noFill/>
+          <a:ln/>
+        </p:spPr>
+        <p:txBody>
+          <a:bodyPr wrap="square" rtlCol="0" anchor="ctr"/>
+          <a:lstStyle/>
+          <a:p>
+            <a:pPr indent="0" marL="0">
+              <a:buNone/>
+            </a:pPr>
+            <a:r>
+              <a:rPr lang="en-US" sz="1050" dirty="0">
+                <a:solidFill>
+                  <a:srgbClr val="D5E2F2"/>
+                </a:solidFill>
+                <a:latin typeface="Segoe UI" pitchFamily="34" charset="0"/>
+                <a:ea typeface="Segoe UI" pitchFamily="34" charset="-122"/>
+                <a:cs typeface="Segoe UI" pitchFamily="34" charset="-120"/>
+              </a:rPr>
+              <a:t>Institutionalise governance and invest in the data backbone to scale AI with confidence.</a:t>
+            </a:r>
+            <a:endParaRPr lang="en-US" sz="1050" dirty="0"/>
+          </a:p>
+        </p:txBody>
+      </p:sp>
+      <p:sp>
+        <p:nvSpPr>
+          <p:cNvPr id="57" name="Shape 55"/>
+          <p:cNvSpPr/>
+          <p:nvPr/>
+        </p:nvSpPr>
+        <p:spPr>
+          <a:xfrm>
+            <a:off x="7700985" y="4271985"/>
+            <a:ext cx="785835" cy="285750"/>
+          </a:xfrm>
+          <a:prstGeom prst="roundRect">
+            <a:avLst>
+              <a:gd name="adj" fmla="val 30016"/>
+            </a:avLst>
           </a:prstGeom>
           <a:solidFill>
             <a:srgbClr val="E1B44C"/>
@@ -1609,9 +2993,9 @@
             <a:prstDash val="solid"/>
           </a:ln>
           <a:effectLst>
-            <a:outerShdw sx="100000" sy="100000" kx="0" ky="0" algn="bl" rotWithShape="0" blurRad="63500" dist="762" dir="5400000">
+            <a:outerShdw sx="100000" sy="100000" kx="0" ky="0" algn="bl" rotWithShape="0" blurRad="76200" dist="1905" dir="5400000">
               <a:srgbClr val="000000">
-                <a:alpha val="2600000"/>
+                <a:alpha val="35000"/>
               </a:srgbClr>
             </a:outerShdw>
           </a:effectLst>
@@ -1619,14 +3003,119 @@
       </p:sp>
       <p:sp>
         <p:nvSpPr>
-          <p:cNvPr id="23" name="Text 21"/>
-          <p:cNvSpPr/>
-          <p:nvPr/>
-        </p:nvSpPr>
-        <p:spPr>
-          <a:xfrm>
-            <a:off x="700065" y="2771821"/>
-            <a:ext cx="4059753" cy="157185"/>
+          <p:cNvPr id="58" name="Text 56"/>
+          <p:cNvSpPr/>
+          <p:nvPr/>
+        </p:nvSpPr>
+        <p:spPr>
+          <a:xfrm>
+            <a:off x="7736647" y="4314871"/>
+            <a:ext cx="714421" cy="200071"/>
+          </a:xfrm>
+          <a:prstGeom prst="rect">
+            <a:avLst/>
+          </a:prstGeom>
+          <a:noFill/>
+          <a:ln/>
+        </p:spPr>
+        <p:txBody>
+          <a:bodyPr wrap="square" rtlCol="0" anchor="ctr"/>
+          <a:lstStyle/>
+          <a:p>
+            <a:pPr algn="ctr" indent="0" marL="0">
+              <a:buNone/>
+            </a:pPr>
+            <a:r>
+              <a:rPr lang="en-US" sz="900" b="1" spc="40" kern="0" dirty="0">
+                <a:solidFill>
+                  <a:srgbClr val="1F1606"/>
+                </a:solidFill>
+                <a:latin typeface="Segoe UI" pitchFamily="34" charset="0"/>
+                <a:ea typeface="Segoe UI" pitchFamily="34" charset="-122"/>
+                <a:cs typeface="Segoe UI" pitchFamily="34" charset="-120"/>
+              </a:rPr>
+              <a:t>MANDATE</a:t>
+            </a:r>
+            <a:endParaRPr lang="en-US" sz="900" dirty="0"/>
+          </a:p>
+        </p:txBody>
+      </p:sp>
+    </p:spTree>
+  </p:cSld>
+  <p:clrMapOvr>
+    <a:masterClrMapping/>
+  </p:clrMapOvr>
+</p:sld>
+</file>
+
+<file path=ppt/slides/slide2.xml><?xml version="1.0" encoding="utf-8"?>
+<p:sld xmlns:a="http://schemas.openxmlformats.org/drawingml/2006/main" xmlns:r="http://schemas.openxmlformats.org/officeDocument/2006/relationships" xmlns:p="http://schemas.openxmlformats.org/presentationml/2006/main">
+  <p:cSld name="Slide 2">
+    <p:bg>
+      <p:bgPr>
+        <a:solidFill>
+          <a:srgbClr val="0F2439"/>
+        </a:solidFill>
+      </p:bgPr>
+    </p:bg>
+    <p:spTree>
+      <p:nvGrpSpPr>
+        <p:cNvPr id="1" name=""/>
+        <p:cNvGrpSpPr/>
+        <p:nvPr/>
+      </p:nvGrpSpPr>
+      <p:grpSpPr>
+        <a:xfrm>
+          <a:off x="0" y="0"/>
+          <a:ext cx="9144000" cy="5143500"/>
+          <a:chOff x="0" y="0"/>
+          <a:chExt cx="9144000" cy="5143500"/>
+        </a:xfrm>
+      </p:grpSpPr>
+      <p:sp>
+        <p:nvSpPr>
+          <p:cNvPr id="2" name="Shape 0"/>
+          <p:cNvSpPr/>
+          <p:nvPr/>
+        </p:nvSpPr>
+        <p:spPr>
+          <a:xfrm>
+            <a:off x="200071" y="171450"/>
+            <a:ext cx="8743950" cy="4800600"/>
+          </a:xfrm>
+          <a:prstGeom prst="roundRect">
+            <a:avLst>
+              <a:gd name="adj" fmla="val 3869"/>
+            </a:avLst>
+          </a:prstGeom>
+          <a:solidFill>
+            <a:srgbClr val="F9FBFF"/>
+          </a:solidFill>
+          <a:ln w="12700">
+            <a:solidFill>
+              <a:srgbClr val="DCE3ED"/>
+            </a:solidFill>
+            <a:prstDash val="solid"/>
+          </a:ln>
+          <a:effectLst>
+            <a:outerShdw sx="100000" sy="100000" kx="0" ky="0" algn="bl" rotWithShape="0" blurRad="152400" dist="3810" dir="5400000">
+              <a:srgbClr val="000000">
+                <a:alpha val="24000"/>
+              </a:srgbClr>
+            </a:outerShdw>
+          </a:effectLst>
+        </p:spPr>
+      </p:sp>
+      <p:sp>
+        <p:nvSpPr>
+          <p:cNvPr id="3" name="Text 1"/>
+          <p:cNvSpPr/>
+          <p:nvPr/>
+        </p:nvSpPr>
+        <p:spPr>
+          <a:xfrm>
+            <a:off x="514350" y="457200"/>
+            <a:ext cx="5843016" cy="142921"/>
           </a:xfrm>
           <a:prstGeom prst="rect">
             <a:avLst/>
@@ -1642,7 +3131,46 @@
               <a:buNone/>
             </a:pPr>
             <a:r>
-              <a:rPr lang="en-US" sz="1125" b="1" dirty="0">
+              <a:rPr lang="en-US" sz="900" b="1" spc="320" kern="0" dirty="0">
+                <a:solidFill>
+                  <a:srgbClr val="4A5C70"/>
+                </a:solidFill>
+                <a:latin typeface="Segoe UI" pitchFamily="34" charset="0"/>
+                <a:ea typeface="Segoe UI" pitchFamily="34" charset="-122"/>
+                <a:cs typeface="Segoe UI" pitchFamily="34" charset="-120"/>
+              </a:rPr>
+              <a:t>LIFECYCLE &amp; GOVERNANCE</a:t>
+            </a:r>
+            <a:endParaRPr lang="en-US" sz="900" dirty="0"/>
+          </a:p>
+        </p:txBody>
+      </p:sp>
+      <p:sp>
+        <p:nvSpPr>
+          <p:cNvPr id="4" name="Text 2"/>
+          <p:cNvSpPr/>
+          <p:nvPr/>
+        </p:nvSpPr>
+        <p:spPr>
+          <a:xfrm>
+            <a:off x="514350" y="614385"/>
+            <a:ext cx="5843016" cy="285750"/>
+          </a:xfrm>
+          <a:prstGeom prst="rect">
+            <a:avLst/>
+          </a:prstGeom>
+          <a:noFill/>
+          <a:ln/>
+        </p:spPr>
+        <p:txBody>
+          <a:bodyPr wrap="square" rtlCol="0" anchor="ctr"/>
+          <a:lstStyle/>
+          <a:p>
+            <a:pPr indent="0" marL="0">
+              <a:buNone/>
+            </a:pPr>
+            <a:r>
+              <a:rPr lang="en-US" sz="2550" b="1" dirty="0">
                 <a:solidFill>
                   <a:srgbClr val="0F2439"/>
                 </a:solidFill>
@@ -1650,22 +3178,22 @@
                 <a:ea typeface="Segoe UI" pitchFamily="34" charset="-122"/>
                 <a:cs typeface="Segoe UI" pitchFamily="34" charset="-120"/>
               </a:rPr>
-              <a:t>Maintain core operations</a:t>
-            </a:r>
-            <a:endParaRPr lang="en-US" sz="1125" dirty="0"/>
-          </a:p>
-        </p:txBody>
-      </p:sp>
-      <p:sp>
-        <p:nvSpPr>
-          <p:cNvPr id="24" name="Text 22"/>
-          <p:cNvSpPr/>
-          <p:nvPr/>
-        </p:nvSpPr>
-        <p:spPr>
-          <a:xfrm>
-            <a:off x="700065" y="2900385"/>
-            <a:ext cx="4059753" cy="285750"/>
+              <a:t>Lifecycle Discipline + Democratized Innovation</a:t>
+            </a:r>
+            <a:endParaRPr lang="en-US" sz="2550" dirty="0"/>
+          </a:p>
+        </p:txBody>
+      </p:sp>
+      <p:sp>
+        <p:nvSpPr>
+          <p:cNvPr id="5" name="Text 3"/>
+          <p:cNvSpPr/>
+          <p:nvPr/>
+        </p:nvSpPr>
+        <p:spPr>
+          <a:xfrm>
+            <a:off x="514350" y="928665"/>
+            <a:ext cx="5843016" cy="171450"/>
           </a:xfrm>
           <a:prstGeom prst="rect">
             <a:avLst/>
@@ -1681,7 +3209,7 @@
               <a:buNone/>
             </a:pPr>
             <a:r>
-              <a:rPr lang="en-US" sz="975" dirty="0">
+              <a:rPr lang="en-US" sz="1275" dirty="0">
                 <a:solidFill>
                   <a:srgbClr val="4A5C70"/>
                 </a:solidFill>
@@ -1689,22 +3217,56 @@
                 <a:ea typeface="Segoe UI" pitchFamily="34" charset="-122"/>
                 <a:cs typeface="Segoe UI" pitchFamily="34" charset="-120"/>
               </a:rPr>
-              <a:t>Focus on stability and regulatory reporting; limited innovation bandwidth.</a:t>
-            </a:r>
-            <a:endParaRPr lang="en-US" sz="975" dirty="0"/>
-          </a:p>
-        </p:txBody>
-      </p:sp>
-      <p:sp>
-        <p:nvSpPr>
-          <p:cNvPr id="25" name="Shape 23"/>
-          <p:cNvSpPr/>
-          <p:nvPr/>
-        </p:nvSpPr>
-        <p:spPr>
-          <a:xfrm>
-            <a:off x="571500" y="3200400"/>
-            <a:ext cx="71415" cy="71415"/>
+              <a:t>A repeatable model for trusted deployment and enterprise adoption.</a:t>
+            </a:r>
+            <a:endParaRPr lang="en-US" sz="1275" dirty="0"/>
+          </a:p>
+        </p:txBody>
+      </p:sp>
+      <p:sp>
+        <p:nvSpPr>
+          <p:cNvPr id="6" name="Shape 4"/>
+          <p:cNvSpPr/>
+          <p:nvPr/>
+        </p:nvSpPr>
+        <p:spPr>
+          <a:xfrm>
+            <a:off x="6772321" y="500085"/>
+            <a:ext cx="1785915" cy="342900"/>
+          </a:xfrm>
+          <a:prstGeom prst="roundRect">
+            <a:avLst>
+              <a:gd name="adj" fmla="val 29173"/>
+            </a:avLst>
+          </a:prstGeom>
+          <a:solidFill>
+            <a:srgbClr val="0F2439"/>
+          </a:solidFill>
+          <a:ln w="12700">
+            <a:solidFill>
+              <a:srgbClr val="0F2439"/>
+            </a:solidFill>
+            <a:prstDash val="solid"/>
+          </a:ln>
+          <a:effectLst>
+            <a:outerShdw sx="100000" sy="100000" kx="0" ky="0" algn="bl" rotWithShape="0" blurRad="88900" dist="1905" dir="5400000">
+              <a:srgbClr val="000000">
+                <a:alpha val="25000"/>
+              </a:srgbClr>
+            </a:outerShdw>
+          </a:effectLst>
+        </p:spPr>
+      </p:sp>
+      <p:sp>
+        <p:nvSpPr>
+          <p:cNvPr id="7" name="Shape 5"/>
+          <p:cNvSpPr/>
+          <p:nvPr/>
+        </p:nvSpPr>
+        <p:spPr>
+          <a:xfrm>
+            <a:off x="6872356" y="628650"/>
+            <a:ext cx="85771" cy="85771"/>
           </a:xfrm>
           <a:prstGeom prst="ellipse">
             <a:avLst/>
@@ -1719,9 +3281,9 @@
             <a:prstDash val="solid"/>
           </a:ln>
           <a:effectLst>
-            <a:outerShdw sx="100000" sy="100000" kx="0" ky="0" algn="bl" rotWithShape="0" blurRad="63500" dist="762" dir="5400000">
+            <a:outerShdw sx="100000" sy="100000" kx="0" ky="0" algn="bl" rotWithShape="0" blurRad="50800" dist="254" dir="5400000">
               <a:srgbClr val="000000">
-                <a:alpha val="2600000"/>
+                <a:alpha val="18000"/>
               </a:srgbClr>
             </a:outerShdw>
           </a:effectLst>
@@ -1729,14 +3291,14 @@
       </p:sp>
       <p:sp>
         <p:nvSpPr>
-          <p:cNvPr id="26" name="Text 24"/>
-          <p:cNvSpPr/>
-          <p:nvPr/>
-        </p:nvSpPr>
-        <p:spPr>
-          <a:xfrm>
-            <a:off x="700065" y="3157515"/>
-            <a:ext cx="4059753" cy="157185"/>
+          <p:cNvPr id="8" name="Text 6"/>
+          <p:cNvSpPr/>
+          <p:nvPr/>
+        </p:nvSpPr>
+        <p:spPr>
+          <a:xfrm>
+            <a:off x="7015185" y="585856"/>
+            <a:ext cx="1471544" cy="171450"/>
           </a:xfrm>
           <a:prstGeom prst="rect">
             <a:avLst/>
@@ -1752,7 +3314,80 @@
               <a:buNone/>
             </a:pPr>
             <a:r>
-              <a:rPr lang="en-US" sz="1125" b="1" dirty="0">
+              <a:rPr lang="en-US" sz="1050" b="1" dirty="0">
+                <a:solidFill>
+                  <a:srgbClr val="FFFFFF"/>
+                </a:solidFill>
+                <a:latin typeface="Segoe UI" pitchFamily="34" charset="0"/>
+                <a:ea typeface="Segoe UI" pitchFamily="34" charset="-122"/>
+                <a:cs typeface="Segoe UI" pitchFamily="34" charset="-120"/>
+              </a:rPr>
+              <a:t>Policy-Compliant AI</a:t>
+            </a:r>
+            <a:endParaRPr lang="en-US" sz="1050" dirty="0"/>
+          </a:p>
+        </p:txBody>
+      </p:sp>
+      <p:sp>
+        <p:nvSpPr>
+          <p:cNvPr id="9" name="Shape 7"/>
+          <p:cNvSpPr/>
+          <p:nvPr/>
+        </p:nvSpPr>
+        <p:spPr>
+          <a:xfrm>
+            <a:off x="514350" y="1357335"/>
+            <a:ext cx="3986235" cy="2600371"/>
+          </a:xfrm>
+          <a:prstGeom prst="roundRect">
+            <a:avLst>
+              <a:gd name="adj" fmla="val 4944"/>
+            </a:avLst>
+          </a:prstGeom>
+          <a:solidFill>
+            <a:srgbClr val="FFFFFF"/>
+          </a:solidFill>
+          <a:ln w="12700">
+            <a:solidFill>
+              <a:srgbClr val="DDE5EF"/>
+            </a:solidFill>
+            <a:prstDash val="solid"/>
+          </a:ln>
+          <a:effectLst>
+            <a:outerShdw sx="100000" sy="100000" kx="0" ky="0" algn="bl" rotWithShape="0" blurRad="101600" dist="1905" dir="5400000">
+              <a:srgbClr val="000000">
+                <a:alpha val="16000"/>
+              </a:srgbClr>
+            </a:outerShdw>
+          </a:effectLst>
+        </p:spPr>
+      </p:sp>
+      <p:sp>
+        <p:nvSpPr>
+          <p:cNvPr id="10" name="Text 8"/>
+          <p:cNvSpPr/>
+          <p:nvPr/>
+        </p:nvSpPr>
+        <p:spPr>
+          <a:xfrm>
+            <a:off x="685800" y="1528785"/>
+            <a:ext cx="3643335" cy="157185"/>
+          </a:xfrm>
+          <a:prstGeom prst="rect">
+            <a:avLst/>
+          </a:prstGeom>
+          <a:noFill/>
+          <a:ln/>
+        </p:spPr>
+        <p:txBody>
+          <a:bodyPr wrap="square" rtlCol="0" anchor="ctr"/>
+          <a:lstStyle/>
+          <a:p>
+            <a:pPr indent="0" marL="0">
+              <a:buNone/>
+            </a:pPr>
+            <a:r>
+              <a:rPr lang="en-US" sz="1350" b="1" spc="30" kern="0" dirty="0">
                 <a:solidFill>
                   <a:srgbClr val="0F2439"/>
                 </a:solidFill>
@@ -1760,22 +3395,1055 @@
                 <a:ea typeface="Segoe UI" pitchFamily="34" charset="-122"/>
                 <a:cs typeface="Segoe UI" pitchFamily="34" charset="-120"/>
               </a:rPr>
-              <a:t>Sequential delivery</a:t>
-            </a:r>
-            <a:endParaRPr lang="en-US" sz="1125" dirty="0"/>
-          </a:p>
-        </p:txBody>
-      </p:sp>
-      <p:sp>
-        <p:nvSpPr>
-          <p:cNvPr id="27" name="Text 25"/>
-          <p:cNvSpPr/>
-          <p:nvPr/>
-        </p:nvSpPr>
-        <p:spPr>
-          <a:xfrm>
-            <a:off x="700065" y="3286171"/>
-            <a:ext cx="4059753" cy="285750"/>
+              <a:t>END-TO-END LIFECYCLE</a:t>
+            </a:r>
+            <a:endParaRPr lang="en-US" sz="1350" dirty="0"/>
+          </a:p>
+        </p:txBody>
+      </p:sp>
+      <p:sp>
+        <p:nvSpPr>
+          <p:cNvPr id="11" name="Shape 9"/>
+          <p:cNvSpPr/>
+          <p:nvPr/>
+        </p:nvSpPr>
+        <p:spPr>
+          <a:xfrm>
+            <a:off x="685800" y="1728765"/>
+            <a:ext cx="835853" cy="642915"/>
+          </a:xfrm>
+          <a:prstGeom prst="roundRect">
+            <a:avLst>
+              <a:gd name="adj" fmla="val 17778"/>
+            </a:avLst>
+          </a:prstGeom>
+          <a:solidFill>
+            <a:srgbClr val="F7F9FC"/>
+          </a:solidFill>
+          <a:ln w="12700">
+            <a:solidFill>
+              <a:srgbClr val="E1E7EE"/>
+            </a:solidFill>
+            <a:prstDash val="solid"/>
+          </a:ln>
+        </p:spPr>
+      </p:sp>
+      <p:sp>
+        <p:nvSpPr>
+          <p:cNvPr id="12" name="Shape 10"/>
+          <p:cNvSpPr/>
+          <p:nvPr/>
+        </p:nvSpPr>
+        <p:spPr>
+          <a:xfrm>
+            <a:off x="946587" y="1800271"/>
+            <a:ext cx="314371" cy="314371"/>
+          </a:xfrm>
+          <a:prstGeom prst="roundRect">
+            <a:avLst>
+              <a:gd name="adj" fmla="val 31821"/>
+            </a:avLst>
+          </a:prstGeom>
+          <a:solidFill>
+            <a:srgbClr val="FDF6E8"/>
+          </a:solidFill>
+          <a:ln w="12700">
+            <a:solidFill>
+              <a:srgbClr val="FDF6E8"/>
+            </a:solidFill>
+            <a:prstDash val="solid"/>
+          </a:ln>
+        </p:spPr>
+      </p:sp>
+      <p:sp>
+        <p:nvSpPr>
+          <p:cNvPr id="13" name="Text 11"/>
+          <p:cNvSpPr/>
+          <p:nvPr/>
+        </p:nvSpPr>
+        <p:spPr>
+          <a:xfrm>
+            <a:off x="946587" y="1871685"/>
+            <a:ext cx="314371" cy="171450"/>
+          </a:xfrm>
+          <a:prstGeom prst="rect">
+            <a:avLst/>
+          </a:prstGeom>
+          <a:noFill/>
+          <a:ln/>
+        </p:spPr>
+        <p:txBody>
+          <a:bodyPr wrap="square" rtlCol="0" anchor="ctr"/>
+          <a:lstStyle/>
+          <a:p>
+            <a:pPr algn="ctr" indent="0" marL="0">
+              <a:buNone/>
+            </a:pPr>
+            <a:r>
+              <a:rPr lang="en-US" sz="1050" b="1" dirty="0">
+                <a:solidFill>
+                  <a:srgbClr val="6F5316"/>
+                </a:solidFill>
+                <a:latin typeface="Segoe UI" pitchFamily="34" charset="0"/>
+                <a:ea typeface="Segoe UI" pitchFamily="34" charset="-122"/>
+                <a:cs typeface="Segoe UI" pitchFamily="34" charset="-120"/>
+              </a:rPr>
+              <a:t>01</a:t>
+            </a:r>
+            <a:endParaRPr lang="en-US" sz="1050" dirty="0"/>
+          </a:p>
+        </p:txBody>
+      </p:sp>
+      <p:sp>
+        <p:nvSpPr>
+          <p:cNvPr id="14" name="Text 12"/>
+          <p:cNvSpPr/>
+          <p:nvPr/>
+        </p:nvSpPr>
+        <p:spPr>
+          <a:xfrm>
+            <a:off x="714421" y="2128815"/>
+            <a:ext cx="778703" cy="114300"/>
+          </a:xfrm>
+          <a:prstGeom prst="rect">
+            <a:avLst/>
+          </a:prstGeom>
+          <a:noFill/>
+          <a:ln/>
+        </p:spPr>
+        <p:txBody>
+          <a:bodyPr wrap="square" rtlCol="0" anchor="ctr"/>
+          <a:lstStyle/>
+          <a:p>
+            <a:pPr algn="ctr" indent="0" marL="0">
+              <a:buNone/>
+            </a:pPr>
+            <a:r>
+              <a:rPr lang="en-US" sz="975" b="1" dirty="0">
+                <a:solidFill>
+                  <a:srgbClr val="0F2439"/>
+                </a:solidFill>
+                <a:latin typeface="Segoe UI" pitchFamily="34" charset="0"/>
+                <a:ea typeface="Segoe UI" pitchFamily="34" charset="-122"/>
+                <a:cs typeface="Segoe UI" pitchFamily="34" charset="-120"/>
+              </a:rPr>
+              <a:t>Qualify</a:t>
+            </a:r>
+            <a:endParaRPr lang="en-US" sz="975" dirty="0"/>
+          </a:p>
+        </p:txBody>
+      </p:sp>
+      <p:sp>
+        <p:nvSpPr>
+          <p:cNvPr id="15" name="Text 13"/>
+          <p:cNvSpPr/>
+          <p:nvPr/>
+        </p:nvSpPr>
+        <p:spPr>
+          <a:xfrm>
+            <a:off x="714421" y="2243115"/>
+            <a:ext cx="778703" cy="100035"/>
+          </a:xfrm>
+          <a:prstGeom prst="rect">
+            <a:avLst/>
+          </a:prstGeom>
+          <a:noFill/>
+          <a:ln/>
+        </p:spPr>
+        <p:txBody>
+          <a:bodyPr wrap="square" rtlCol="0" anchor="ctr"/>
+          <a:lstStyle/>
+          <a:p>
+            <a:pPr algn="ctr" indent="0" marL="0">
+              <a:buNone/>
+            </a:pPr>
+            <a:r>
+              <a:rPr lang="en-US" sz="900" dirty="0">
+                <a:solidFill>
+                  <a:srgbClr val="4A5C70"/>
+                </a:solidFill>
+                <a:latin typeface="Segoe UI" pitchFamily="34" charset="0"/>
+                <a:ea typeface="Segoe UI" pitchFamily="34" charset="-122"/>
+                <a:cs typeface="Segoe UI" pitchFamily="34" charset="-120"/>
+              </a:rPr>
+              <a:t>Strategic fit</a:t>
+            </a:r>
+            <a:endParaRPr lang="en-US" sz="900" dirty="0"/>
+          </a:p>
+        </p:txBody>
+      </p:sp>
+      <p:sp>
+        <p:nvSpPr>
+          <p:cNvPr id="16" name="Shape 14"/>
+          <p:cNvSpPr/>
+          <p:nvPr/>
+        </p:nvSpPr>
+        <p:spPr>
+          <a:xfrm>
+            <a:off x="1621597" y="1728765"/>
+            <a:ext cx="835853" cy="642915"/>
+          </a:xfrm>
+          <a:prstGeom prst="roundRect">
+            <a:avLst>
+              <a:gd name="adj" fmla="val 17778"/>
+            </a:avLst>
+          </a:prstGeom>
+          <a:solidFill>
+            <a:srgbClr val="F7F9FC"/>
+          </a:solidFill>
+          <a:ln w="12700">
+            <a:solidFill>
+              <a:srgbClr val="E1E7EE"/>
+            </a:solidFill>
+            <a:prstDash val="solid"/>
+          </a:ln>
+        </p:spPr>
+      </p:sp>
+      <p:sp>
+        <p:nvSpPr>
+          <p:cNvPr id="17" name="Shape 15"/>
+          <p:cNvSpPr/>
+          <p:nvPr/>
+        </p:nvSpPr>
+        <p:spPr>
+          <a:xfrm>
+            <a:off x="1882384" y="1800271"/>
+            <a:ext cx="314371" cy="314371"/>
+          </a:xfrm>
+          <a:prstGeom prst="roundRect">
+            <a:avLst>
+              <a:gd name="adj" fmla="val 31821"/>
+            </a:avLst>
+          </a:prstGeom>
+          <a:solidFill>
+            <a:srgbClr val="FDF6E8"/>
+          </a:solidFill>
+          <a:ln w="12700">
+            <a:solidFill>
+              <a:srgbClr val="FDF6E8"/>
+            </a:solidFill>
+            <a:prstDash val="solid"/>
+          </a:ln>
+        </p:spPr>
+      </p:sp>
+      <p:sp>
+        <p:nvSpPr>
+          <p:cNvPr id="18" name="Text 16"/>
+          <p:cNvSpPr/>
+          <p:nvPr/>
+        </p:nvSpPr>
+        <p:spPr>
+          <a:xfrm>
+            <a:off x="1882384" y="1871685"/>
+            <a:ext cx="314371" cy="171450"/>
+          </a:xfrm>
+          <a:prstGeom prst="rect">
+            <a:avLst/>
+          </a:prstGeom>
+          <a:noFill/>
+          <a:ln/>
+        </p:spPr>
+        <p:txBody>
+          <a:bodyPr wrap="square" rtlCol="0" anchor="ctr"/>
+          <a:lstStyle/>
+          <a:p>
+            <a:pPr algn="ctr" indent="0" marL="0">
+              <a:buNone/>
+            </a:pPr>
+            <a:r>
+              <a:rPr lang="en-US" sz="1050" b="1" dirty="0">
+                <a:solidFill>
+                  <a:srgbClr val="6F5316"/>
+                </a:solidFill>
+                <a:latin typeface="Segoe UI" pitchFamily="34" charset="0"/>
+                <a:ea typeface="Segoe UI" pitchFamily="34" charset="-122"/>
+                <a:cs typeface="Segoe UI" pitchFamily="34" charset="-120"/>
+              </a:rPr>
+              <a:t>02</a:t>
+            </a:r>
+            <a:endParaRPr lang="en-US" sz="1050" dirty="0"/>
+          </a:p>
+        </p:txBody>
+      </p:sp>
+      <p:sp>
+        <p:nvSpPr>
+          <p:cNvPr id="19" name="Text 17"/>
+          <p:cNvSpPr/>
+          <p:nvPr/>
+        </p:nvSpPr>
+        <p:spPr>
+          <a:xfrm>
+            <a:off x="1650218" y="2128815"/>
+            <a:ext cx="778703" cy="114300"/>
+          </a:xfrm>
+          <a:prstGeom prst="rect">
+            <a:avLst/>
+          </a:prstGeom>
+          <a:noFill/>
+          <a:ln/>
+        </p:spPr>
+        <p:txBody>
+          <a:bodyPr wrap="square" rtlCol="0" anchor="ctr"/>
+          <a:lstStyle/>
+          <a:p>
+            <a:pPr algn="ctr" indent="0" marL="0">
+              <a:buNone/>
+            </a:pPr>
+            <a:r>
+              <a:rPr lang="en-US" sz="975" b="1" dirty="0">
+                <a:solidFill>
+                  <a:srgbClr val="0F2439"/>
+                </a:solidFill>
+                <a:latin typeface="Segoe UI" pitchFamily="34" charset="0"/>
+                <a:ea typeface="Segoe UI" pitchFamily="34" charset="-122"/>
+                <a:cs typeface="Segoe UI" pitchFamily="34" charset="-120"/>
+              </a:rPr>
+              <a:t>Validate</a:t>
+            </a:r>
+            <a:endParaRPr lang="en-US" sz="975" dirty="0"/>
+          </a:p>
+        </p:txBody>
+      </p:sp>
+      <p:sp>
+        <p:nvSpPr>
+          <p:cNvPr id="20" name="Text 18"/>
+          <p:cNvSpPr/>
+          <p:nvPr/>
+        </p:nvSpPr>
+        <p:spPr>
+          <a:xfrm>
+            <a:off x="1650218" y="2243115"/>
+            <a:ext cx="778703" cy="100035"/>
+          </a:xfrm>
+          <a:prstGeom prst="rect">
+            <a:avLst/>
+          </a:prstGeom>
+          <a:noFill/>
+          <a:ln/>
+        </p:spPr>
+        <p:txBody>
+          <a:bodyPr wrap="square" rtlCol="0" anchor="ctr"/>
+          <a:lstStyle/>
+          <a:p>
+            <a:pPr algn="ctr" indent="0" marL="0">
+              <a:buNone/>
+            </a:pPr>
+            <a:r>
+              <a:rPr lang="en-US" sz="900" dirty="0">
+                <a:solidFill>
+                  <a:srgbClr val="4A5C70"/>
+                </a:solidFill>
+                <a:latin typeface="Segoe UI" pitchFamily="34" charset="0"/>
+                <a:ea typeface="Segoe UI" pitchFamily="34" charset="-122"/>
+                <a:cs typeface="Segoe UI" pitchFamily="34" charset="-120"/>
+              </a:rPr>
+              <a:t>Model risk</a:t>
+            </a:r>
+            <a:endParaRPr lang="en-US" sz="900" dirty="0"/>
+          </a:p>
+        </p:txBody>
+      </p:sp>
+      <p:sp>
+        <p:nvSpPr>
+          <p:cNvPr id="21" name="Shape 19"/>
+          <p:cNvSpPr/>
+          <p:nvPr/>
+        </p:nvSpPr>
+        <p:spPr>
+          <a:xfrm>
+            <a:off x="2557485" y="1728765"/>
+            <a:ext cx="835853" cy="642915"/>
+          </a:xfrm>
+          <a:prstGeom prst="roundRect">
+            <a:avLst>
+              <a:gd name="adj" fmla="val 17778"/>
+            </a:avLst>
+          </a:prstGeom>
+          <a:solidFill>
+            <a:srgbClr val="F7F9FC"/>
+          </a:solidFill>
+          <a:ln w="12700">
+            <a:solidFill>
+              <a:srgbClr val="E1E7EE"/>
+            </a:solidFill>
+            <a:prstDash val="solid"/>
+          </a:ln>
+        </p:spPr>
+      </p:sp>
+      <p:sp>
+        <p:nvSpPr>
+          <p:cNvPr id="22" name="Shape 20"/>
+          <p:cNvSpPr/>
+          <p:nvPr/>
+        </p:nvSpPr>
+        <p:spPr>
+          <a:xfrm>
+            <a:off x="2818181" y="1800271"/>
+            <a:ext cx="314371" cy="314371"/>
+          </a:xfrm>
+          <a:prstGeom prst="roundRect">
+            <a:avLst>
+              <a:gd name="adj" fmla="val 31821"/>
+            </a:avLst>
+          </a:prstGeom>
+          <a:solidFill>
+            <a:srgbClr val="FDF6E8"/>
+          </a:solidFill>
+          <a:ln w="12700">
+            <a:solidFill>
+              <a:srgbClr val="FDF6E8"/>
+            </a:solidFill>
+            <a:prstDash val="solid"/>
+          </a:ln>
+        </p:spPr>
+      </p:sp>
+      <p:sp>
+        <p:nvSpPr>
+          <p:cNvPr id="23" name="Text 21"/>
+          <p:cNvSpPr/>
+          <p:nvPr/>
+        </p:nvSpPr>
+        <p:spPr>
+          <a:xfrm>
+            <a:off x="2818181" y="1871685"/>
+            <a:ext cx="314371" cy="171450"/>
+          </a:xfrm>
+          <a:prstGeom prst="rect">
+            <a:avLst/>
+          </a:prstGeom>
+          <a:noFill/>
+          <a:ln/>
+        </p:spPr>
+        <p:txBody>
+          <a:bodyPr wrap="square" rtlCol="0" anchor="ctr"/>
+          <a:lstStyle/>
+          <a:p>
+            <a:pPr algn="ctr" indent="0" marL="0">
+              <a:buNone/>
+            </a:pPr>
+            <a:r>
+              <a:rPr lang="en-US" sz="1050" b="1" dirty="0">
+                <a:solidFill>
+                  <a:srgbClr val="6F5316"/>
+                </a:solidFill>
+                <a:latin typeface="Segoe UI" pitchFamily="34" charset="0"/>
+                <a:ea typeface="Segoe UI" pitchFamily="34" charset="-122"/>
+                <a:cs typeface="Segoe UI" pitchFamily="34" charset="-120"/>
+              </a:rPr>
+              <a:t>03</a:t>
+            </a:r>
+            <a:endParaRPr lang="en-US" sz="1050" dirty="0"/>
+          </a:p>
+        </p:txBody>
+      </p:sp>
+      <p:sp>
+        <p:nvSpPr>
+          <p:cNvPr id="24" name="Text 22"/>
+          <p:cNvSpPr/>
+          <p:nvPr/>
+        </p:nvSpPr>
+        <p:spPr>
+          <a:xfrm>
+            <a:off x="2586015" y="2128815"/>
+            <a:ext cx="778703" cy="114300"/>
+          </a:xfrm>
+          <a:prstGeom prst="rect">
+            <a:avLst/>
+          </a:prstGeom>
+          <a:noFill/>
+          <a:ln/>
+        </p:spPr>
+        <p:txBody>
+          <a:bodyPr wrap="square" rtlCol="0" anchor="ctr"/>
+          <a:lstStyle/>
+          <a:p>
+            <a:pPr algn="ctr" indent="0" marL="0">
+              <a:buNone/>
+            </a:pPr>
+            <a:r>
+              <a:rPr lang="en-US" sz="975" b="1" dirty="0">
+                <a:solidFill>
+                  <a:srgbClr val="0F2439"/>
+                </a:solidFill>
+                <a:latin typeface="Segoe UI" pitchFamily="34" charset="0"/>
+                <a:ea typeface="Segoe UI" pitchFamily="34" charset="-122"/>
+                <a:cs typeface="Segoe UI" pitchFamily="34" charset="-120"/>
+              </a:rPr>
+              <a:t>Deploy</a:t>
+            </a:r>
+            <a:endParaRPr lang="en-US" sz="975" dirty="0"/>
+          </a:p>
+        </p:txBody>
+      </p:sp>
+      <p:sp>
+        <p:nvSpPr>
+          <p:cNvPr id="25" name="Text 23"/>
+          <p:cNvSpPr/>
+          <p:nvPr/>
+        </p:nvSpPr>
+        <p:spPr>
+          <a:xfrm>
+            <a:off x="2586015" y="2243115"/>
+            <a:ext cx="778703" cy="100035"/>
+          </a:xfrm>
+          <a:prstGeom prst="rect">
+            <a:avLst/>
+          </a:prstGeom>
+          <a:noFill/>
+          <a:ln/>
+        </p:spPr>
+        <p:txBody>
+          <a:bodyPr wrap="square" rtlCol="0" anchor="ctr"/>
+          <a:lstStyle/>
+          <a:p>
+            <a:pPr algn="ctr" indent="0" marL="0">
+              <a:buNone/>
+            </a:pPr>
+            <a:r>
+              <a:rPr lang="en-US" sz="900" dirty="0">
+                <a:solidFill>
+                  <a:srgbClr val="4A5C70"/>
+                </a:solidFill>
+                <a:latin typeface="Segoe UI" pitchFamily="34" charset="0"/>
+                <a:ea typeface="Segoe UI" pitchFamily="34" charset="-122"/>
+                <a:cs typeface="Segoe UI" pitchFamily="34" charset="-120"/>
+              </a:rPr>
+              <a:t>Secure release</a:t>
+            </a:r>
+            <a:endParaRPr lang="en-US" sz="900" dirty="0"/>
+          </a:p>
+        </p:txBody>
+      </p:sp>
+      <p:sp>
+        <p:nvSpPr>
+          <p:cNvPr id="26" name="Shape 24"/>
+          <p:cNvSpPr/>
+          <p:nvPr/>
+        </p:nvSpPr>
+        <p:spPr>
+          <a:xfrm>
+            <a:off x="3493282" y="1728765"/>
+            <a:ext cx="835853" cy="642915"/>
+          </a:xfrm>
+          <a:prstGeom prst="roundRect">
+            <a:avLst>
+              <a:gd name="adj" fmla="val 17778"/>
+            </a:avLst>
+          </a:prstGeom>
+          <a:solidFill>
+            <a:srgbClr val="F7F9FC"/>
+          </a:solidFill>
+          <a:ln w="12700">
+            <a:solidFill>
+              <a:srgbClr val="E1E7EE"/>
+            </a:solidFill>
+            <a:prstDash val="solid"/>
+          </a:ln>
+        </p:spPr>
+      </p:sp>
+      <p:sp>
+        <p:nvSpPr>
+          <p:cNvPr id="27" name="Shape 25"/>
+          <p:cNvSpPr/>
+          <p:nvPr/>
+        </p:nvSpPr>
+        <p:spPr>
+          <a:xfrm>
+            <a:off x="3754069" y="1800271"/>
+            <a:ext cx="314371" cy="314371"/>
+          </a:xfrm>
+          <a:prstGeom prst="roundRect">
+            <a:avLst>
+              <a:gd name="adj" fmla="val 31821"/>
+            </a:avLst>
+          </a:prstGeom>
+          <a:solidFill>
+            <a:srgbClr val="FDF6E8"/>
+          </a:solidFill>
+          <a:ln w="12700">
+            <a:solidFill>
+              <a:srgbClr val="FDF6E8"/>
+            </a:solidFill>
+            <a:prstDash val="solid"/>
+          </a:ln>
+        </p:spPr>
+      </p:sp>
+      <p:sp>
+        <p:nvSpPr>
+          <p:cNvPr id="28" name="Text 26"/>
+          <p:cNvSpPr/>
+          <p:nvPr/>
+        </p:nvSpPr>
+        <p:spPr>
+          <a:xfrm>
+            <a:off x="3754069" y="1871685"/>
+            <a:ext cx="314371" cy="171450"/>
+          </a:xfrm>
+          <a:prstGeom prst="rect">
+            <a:avLst/>
+          </a:prstGeom>
+          <a:noFill/>
+          <a:ln/>
+        </p:spPr>
+        <p:txBody>
+          <a:bodyPr wrap="square" rtlCol="0" anchor="ctr"/>
+          <a:lstStyle/>
+          <a:p>
+            <a:pPr algn="ctr" indent="0" marL="0">
+              <a:buNone/>
+            </a:pPr>
+            <a:r>
+              <a:rPr lang="en-US" sz="1050" b="1" dirty="0">
+                <a:solidFill>
+                  <a:srgbClr val="6F5316"/>
+                </a:solidFill>
+                <a:latin typeface="Segoe UI" pitchFamily="34" charset="0"/>
+                <a:ea typeface="Segoe UI" pitchFamily="34" charset="-122"/>
+                <a:cs typeface="Segoe UI" pitchFamily="34" charset="-120"/>
+              </a:rPr>
+              <a:t>04</a:t>
+            </a:r>
+            <a:endParaRPr lang="en-US" sz="1050" dirty="0"/>
+          </a:p>
+        </p:txBody>
+      </p:sp>
+      <p:sp>
+        <p:nvSpPr>
+          <p:cNvPr id="29" name="Text 27"/>
+          <p:cNvSpPr/>
+          <p:nvPr/>
+        </p:nvSpPr>
+        <p:spPr>
+          <a:xfrm>
+            <a:off x="3521903" y="2128815"/>
+            <a:ext cx="778703" cy="114300"/>
+          </a:xfrm>
+          <a:prstGeom prst="rect">
+            <a:avLst/>
+          </a:prstGeom>
+          <a:noFill/>
+          <a:ln/>
+        </p:spPr>
+        <p:txBody>
+          <a:bodyPr wrap="square" rtlCol="0" anchor="ctr"/>
+          <a:lstStyle/>
+          <a:p>
+            <a:pPr algn="ctr" indent="0" marL="0">
+              <a:buNone/>
+            </a:pPr>
+            <a:r>
+              <a:rPr lang="en-US" sz="975" b="1" dirty="0">
+                <a:solidFill>
+                  <a:srgbClr val="0F2439"/>
+                </a:solidFill>
+                <a:latin typeface="Segoe UI" pitchFamily="34" charset="0"/>
+                <a:ea typeface="Segoe UI" pitchFamily="34" charset="-122"/>
+                <a:cs typeface="Segoe UI" pitchFamily="34" charset="-120"/>
+              </a:rPr>
+              <a:t>Monitor</a:t>
+            </a:r>
+            <a:endParaRPr lang="en-US" sz="975" dirty="0"/>
+          </a:p>
+        </p:txBody>
+      </p:sp>
+      <p:sp>
+        <p:nvSpPr>
+          <p:cNvPr id="30" name="Text 28"/>
+          <p:cNvSpPr/>
+          <p:nvPr/>
+        </p:nvSpPr>
+        <p:spPr>
+          <a:xfrm>
+            <a:off x="3521903" y="2243115"/>
+            <a:ext cx="778703" cy="100035"/>
+          </a:xfrm>
+          <a:prstGeom prst="rect">
+            <a:avLst/>
+          </a:prstGeom>
+          <a:noFill/>
+          <a:ln/>
+        </p:spPr>
+        <p:txBody>
+          <a:bodyPr wrap="square" rtlCol="0" anchor="ctr"/>
+          <a:lstStyle/>
+          <a:p>
+            <a:pPr algn="ctr" indent="0" marL="0">
+              <a:buNone/>
+            </a:pPr>
+            <a:r>
+              <a:rPr lang="en-US" sz="900" dirty="0">
+                <a:solidFill>
+                  <a:srgbClr val="4A5C70"/>
+                </a:solidFill>
+                <a:latin typeface="Segoe UI" pitchFamily="34" charset="0"/>
+                <a:ea typeface="Segoe UI" pitchFamily="34" charset="-122"/>
+                <a:cs typeface="Segoe UI" pitchFamily="34" charset="-120"/>
+              </a:rPr>
+              <a:t>Audit ready</a:t>
+            </a:r>
+            <a:endParaRPr lang="en-US" sz="900" dirty="0"/>
+          </a:p>
+        </p:txBody>
+      </p:sp>
+      <p:sp>
+        <p:nvSpPr>
+          <p:cNvPr id="31" name="Shape 29"/>
+          <p:cNvSpPr/>
+          <p:nvPr/>
+        </p:nvSpPr>
+        <p:spPr>
+          <a:xfrm>
+            <a:off x="685800" y="3314700"/>
+            <a:ext cx="1157265" cy="414315"/>
+          </a:xfrm>
+          <a:prstGeom prst="roundRect">
+            <a:avLst>
+              <a:gd name="adj" fmla="val 27588"/>
+            </a:avLst>
+          </a:prstGeom>
+          <a:solidFill>
+            <a:srgbClr val="F4F6F8"/>
+          </a:solidFill>
+          <a:ln w="12700">
+            <a:solidFill>
+              <a:srgbClr val="E1E7EE"/>
+            </a:solidFill>
+            <a:prstDash val="solid"/>
+          </a:ln>
+        </p:spPr>
+      </p:sp>
+      <p:sp>
+        <p:nvSpPr>
+          <p:cNvPr id="32" name="Text 30"/>
+          <p:cNvSpPr/>
+          <p:nvPr/>
+        </p:nvSpPr>
+        <p:spPr>
+          <a:xfrm>
+            <a:off x="742950" y="3371850"/>
+            <a:ext cx="1042965" cy="171450"/>
+          </a:xfrm>
+          <a:prstGeom prst="rect">
+            <a:avLst/>
+          </a:prstGeom>
+          <a:noFill/>
+          <a:ln/>
+        </p:spPr>
+        <p:txBody>
+          <a:bodyPr wrap="square" rtlCol="0" anchor="ctr"/>
+          <a:lstStyle/>
+          <a:p>
+            <a:pPr algn="ctr" indent="0" marL="0">
+              <a:buNone/>
+            </a:pPr>
+            <a:r>
+              <a:rPr lang="en-US" sz="1500" b="1" dirty="0">
+                <a:solidFill>
+                  <a:srgbClr val="0F2439"/>
+                </a:solidFill>
+                <a:latin typeface="Segoe UI" pitchFamily="34" charset="0"/>
+                <a:ea typeface="Segoe UI" pitchFamily="34" charset="-122"/>
+                <a:cs typeface="Segoe UI" pitchFamily="34" charset="-120"/>
+              </a:rPr>
+              <a:t>Governed</a:t>
+            </a:r>
+            <a:endParaRPr lang="en-US" sz="1500" dirty="0"/>
+          </a:p>
+        </p:txBody>
+      </p:sp>
+      <p:sp>
+        <p:nvSpPr>
+          <p:cNvPr id="33" name="Text 31"/>
+          <p:cNvSpPr/>
+          <p:nvPr/>
+        </p:nvSpPr>
+        <p:spPr>
+          <a:xfrm>
+            <a:off x="742950" y="3557565"/>
+            <a:ext cx="1042965" cy="128565"/>
+          </a:xfrm>
+          <a:prstGeom prst="rect">
+            <a:avLst/>
+          </a:prstGeom>
+          <a:noFill/>
+          <a:ln/>
+        </p:spPr>
+        <p:txBody>
+          <a:bodyPr wrap="square" rtlCol="0" anchor="ctr"/>
+          <a:lstStyle/>
+          <a:p>
+            <a:pPr algn="ctr" indent="0" marL="0">
+              <a:buNone/>
+            </a:pPr>
+            <a:r>
+              <a:rPr lang="en-US" sz="900" spc="60" kern="0" dirty="0">
+                <a:solidFill>
+                  <a:srgbClr val="4A5C70"/>
+                </a:solidFill>
+                <a:latin typeface="Segoe UI" pitchFamily="34" charset="0"/>
+                <a:ea typeface="Segoe UI" pitchFamily="34" charset="-122"/>
+                <a:cs typeface="Segoe UI" pitchFamily="34" charset="-120"/>
+              </a:rPr>
+              <a:t>BY DESIGN</a:t>
+            </a:r>
+            <a:endParaRPr lang="en-US" sz="900" dirty="0"/>
+          </a:p>
+        </p:txBody>
+      </p:sp>
+      <p:sp>
+        <p:nvSpPr>
+          <p:cNvPr id="34" name="Shape 32"/>
+          <p:cNvSpPr/>
+          <p:nvPr/>
+        </p:nvSpPr>
+        <p:spPr>
+          <a:xfrm>
+            <a:off x="1928835" y="3314700"/>
+            <a:ext cx="1157265" cy="414315"/>
+          </a:xfrm>
+          <a:prstGeom prst="roundRect">
+            <a:avLst>
+              <a:gd name="adj" fmla="val 27588"/>
+            </a:avLst>
+          </a:prstGeom>
+          <a:solidFill>
+            <a:srgbClr val="F4F6F8"/>
+          </a:solidFill>
+          <a:ln w="12700">
+            <a:solidFill>
+              <a:srgbClr val="E1E7EE"/>
+            </a:solidFill>
+            <a:prstDash val="solid"/>
+          </a:ln>
+        </p:spPr>
+      </p:sp>
+      <p:sp>
+        <p:nvSpPr>
+          <p:cNvPr id="35" name="Text 33"/>
+          <p:cNvSpPr/>
+          <p:nvPr/>
+        </p:nvSpPr>
+        <p:spPr>
+          <a:xfrm>
+            <a:off x="1985985" y="3371850"/>
+            <a:ext cx="1042965" cy="171450"/>
+          </a:xfrm>
+          <a:prstGeom prst="rect">
+            <a:avLst/>
+          </a:prstGeom>
+          <a:noFill/>
+          <a:ln/>
+        </p:spPr>
+        <p:txBody>
+          <a:bodyPr wrap="square" rtlCol="0" anchor="ctr"/>
+          <a:lstStyle/>
+          <a:p>
+            <a:pPr algn="ctr" indent="0" marL="0">
+              <a:buNone/>
+            </a:pPr>
+            <a:r>
+              <a:rPr lang="en-US" sz="1500" b="1" dirty="0">
+                <a:solidFill>
+                  <a:srgbClr val="0F2439"/>
+                </a:solidFill>
+                <a:latin typeface="Segoe UI" pitchFamily="34" charset="0"/>
+                <a:ea typeface="Segoe UI" pitchFamily="34" charset="-122"/>
+                <a:cs typeface="Segoe UI" pitchFamily="34" charset="-120"/>
+              </a:rPr>
+              <a:t>Secure</a:t>
+            </a:r>
+            <a:endParaRPr lang="en-US" sz="1500" dirty="0"/>
+          </a:p>
+        </p:txBody>
+      </p:sp>
+      <p:sp>
+        <p:nvSpPr>
+          <p:cNvPr id="36" name="Text 34"/>
+          <p:cNvSpPr/>
+          <p:nvPr/>
+        </p:nvSpPr>
+        <p:spPr>
+          <a:xfrm>
+            <a:off x="1985985" y="3557565"/>
+            <a:ext cx="1042965" cy="128565"/>
+          </a:xfrm>
+          <a:prstGeom prst="rect">
+            <a:avLst/>
+          </a:prstGeom>
+          <a:noFill/>
+          <a:ln/>
+        </p:spPr>
+        <p:txBody>
+          <a:bodyPr wrap="square" rtlCol="0" anchor="ctr"/>
+          <a:lstStyle/>
+          <a:p>
+            <a:pPr algn="ctr" indent="0" marL="0">
+              <a:buNone/>
+            </a:pPr>
+            <a:r>
+              <a:rPr lang="en-US" sz="900" spc="60" kern="0" dirty="0">
+                <a:solidFill>
+                  <a:srgbClr val="4A5C70"/>
+                </a:solidFill>
+                <a:latin typeface="Segoe UI" pitchFamily="34" charset="0"/>
+                <a:ea typeface="Segoe UI" pitchFamily="34" charset="-122"/>
+                <a:cs typeface="Segoe UI" pitchFamily="34" charset="-120"/>
+              </a:rPr>
+              <a:t>EVERY RELEASE</a:t>
+            </a:r>
+            <a:endParaRPr lang="en-US" sz="900" dirty="0"/>
+          </a:p>
+        </p:txBody>
+      </p:sp>
+      <p:sp>
+        <p:nvSpPr>
+          <p:cNvPr id="37" name="Shape 35"/>
+          <p:cNvSpPr/>
+          <p:nvPr/>
+        </p:nvSpPr>
+        <p:spPr>
+          <a:xfrm>
+            <a:off x="3171871" y="3314700"/>
+            <a:ext cx="1157265" cy="414315"/>
+          </a:xfrm>
+          <a:prstGeom prst="roundRect">
+            <a:avLst>
+              <a:gd name="adj" fmla="val 27588"/>
+            </a:avLst>
+          </a:prstGeom>
+          <a:solidFill>
+            <a:srgbClr val="F4F6F8"/>
+          </a:solidFill>
+          <a:ln w="12700">
+            <a:solidFill>
+              <a:srgbClr val="E1E7EE"/>
+            </a:solidFill>
+            <a:prstDash val="solid"/>
+          </a:ln>
+        </p:spPr>
+      </p:sp>
+      <p:sp>
+        <p:nvSpPr>
+          <p:cNvPr id="38" name="Text 36"/>
+          <p:cNvSpPr/>
+          <p:nvPr/>
+        </p:nvSpPr>
+        <p:spPr>
+          <a:xfrm>
+            <a:off x="3229021" y="3371850"/>
+            <a:ext cx="1042965" cy="171450"/>
+          </a:xfrm>
+          <a:prstGeom prst="rect">
+            <a:avLst/>
+          </a:prstGeom>
+          <a:noFill/>
+          <a:ln/>
+        </p:spPr>
+        <p:txBody>
+          <a:bodyPr wrap="square" rtlCol="0" anchor="ctr"/>
+          <a:lstStyle/>
+          <a:p>
+            <a:pPr algn="ctr" indent="0" marL="0">
+              <a:buNone/>
+            </a:pPr>
+            <a:r>
+              <a:rPr lang="en-US" sz="1500" b="1" dirty="0">
+                <a:solidFill>
+                  <a:srgbClr val="0F2439"/>
+                </a:solidFill>
+                <a:latin typeface="Segoe UI" pitchFamily="34" charset="0"/>
+                <a:ea typeface="Segoe UI" pitchFamily="34" charset="-122"/>
+                <a:cs typeface="Segoe UI" pitchFamily="34" charset="-120"/>
+              </a:rPr>
+              <a:t>Measured</a:t>
+            </a:r>
+            <a:endParaRPr lang="en-US" sz="1500" dirty="0"/>
+          </a:p>
+        </p:txBody>
+      </p:sp>
+      <p:sp>
+        <p:nvSpPr>
+          <p:cNvPr id="39" name="Text 37"/>
+          <p:cNvSpPr/>
+          <p:nvPr/>
+        </p:nvSpPr>
+        <p:spPr>
+          <a:xfrm>
+            <a:off x="3229021" y="3557565"/>
+            <a:ext cx="1042965" cy="128565"/>
+          </a:xfrm>
+          <a:prstGeom prst="rect">
+            <a:avLst/>
+          </a:prstGeom>
+          <a:noFill/>
+          <a:ln/>
+        </p:spPr>
+        <p:txBody>
+          <a:bodyPr wrap="square" rtlCol="0" anchor="ctr"/>
+          <a:lstStyle/>
+          <a:p>
+            <a:pPr algn="ctr" indent="0" marL="0">
+              <a:buNone/>
+            </a:pPr>
+            <a:r>
+              <a:rPr lang="en-US" sz="900" spc="60" kern="0" dirty="0">
+                <a:solidFill>
+                  <a:srgbClr val="4A5C70"/>
+                </a:solidFill>
+                <a:latin typeface="Segoe UI" pitchFamily="34" charset="0"/>
+                <a:ea typeface="Segoe UI" pitchFamily="34" charset="-122"/>
+                <a:cs typeface="Segoe UI" pitchFamily="34" charset="-120"/>
+              </a:rPr>
+              <a:t>OUTCOMES</a:t>
+            </a:r>
+            <a:endParaRPr lang="en-US" sz="900" dirty="0"/>
+          </a:p>
+        </p:txBody>
+      </p:sp>
+      <p:sp>
+        <p:nvSpPr>
+          <p:cNvPr id="40" name="Shape 38"/>
+          <p:cNvSpPr/>
+          <p:nvPr/>
+        </p:nvSpPr>
+        <p:spPr>
+          <a:xfrm>
+            <a:off x="4643415" y="1357335"/>
+            <a:ext cx="3986235" cy="2600371"/>
+          </a:xfrm>
+          <a:prstGeom prst="roundRect">
+            <a:avLst>
+              <a:gd name="adj" fmla="val 4944"/>
+            </a:avLst>
+          </a:prstGeom>
+          <a:solidFill>
+            <a:srgbClr val="FFFFFF"/>
+          </a:solidFill>
+          <a:ln w="12700">
+            <a:solidFill>
+              <a:srgbClr val="DDE5EF"/>
+            </a:solidFill>
+            <a:prstDash val="solid"/>
+          </a:ln>
+          <a:effectLst>
+            <a:outerShdw sx="100000" sy="100000" kx="0" ky="0" algn="bl" rotWithShape="0" blurRad="101600" dist="1905" dir="5400000">
+              <a:srgbClr val="000000">
+                <a:alpha val="16000"/>
+              </a:srgbClr>
+            </a:outerShdw>
+          </a:effectLst>
+        </p:spPr>
+      </p:sp>
+      <p:sp>
+        <p:nvSpPr>
+          <p:cNvPr id="41" name="Text 39"/>
+          <p:cNvSpPr/>
+          <p:nvPr/>
+        </p:nvSpPr>
+        <p:spPr>
+          <a:xfrm>
+            <a:off x="4814865" y="1528785"/>
+            <a:ext cx="3643335" cy="157185"/>
           </a:xfrm>
           <a:prstGeom prst="rect">
             <a:avLst/>
@@ -1791,6 +4459,157 @@
               <a:buNone/>
             </a:pPr>
             <a:r>
+              <a:rPr lang="en-US" sz="1350" b="1" spc="30" kern="0" dirty="0">
+                <a:solidFill>
+                  <a:srgbClr val="0F2439"/>
+                </a:solidFill>
+                <a:latin typeface="Segoe UI" pitchFamily="34" charset="0"/>
+                <a:ea typeface="Segoe UI" pitchFamily="34" charset="-122"/>
+                <a:cs typeface="Segoe UI" pitchFamily="34" charset="-120"/>
+              </a:rPr>
+              <a:t>DEMOCRATIZE INNOVATION</a:t>
+            </a:r>
+            <a:endParaRPr lang="en-US" sz="1350" dirty="0"/>
+          </a:p>
+        </p:txBody>
+      </p:sp>
+      <p:sp>
+        <p:nvSpPr>
+          <p:cNvPr id="42" name="Shape 40"/>
+          <p:cNvSpPr/>
+          <p:nvPr/>
+        </p:nvSpPr>
+        <p:spPr>
+          <a:xfrm>
+            <a:off x="4814865" y="1728765"/>
+            <a:ext cx="385785" cy="385785"/>
+          </a:xfrm>
+          <a:prstGeom prst="roundRect">
+            <a:avLst>
+              <a:gd name="adj" fmla="val 29628"/>
+            </a:avLst>
+          </a:prstGeom>
+          <a:solidFill>
+            <a:srgbClr val="17395C"/>
+          </a:solidFill>
+          <a:ln w="12700">
+            <a:solidFill>
+              <a:srgbClr val="17395C"/>
+            </a:solidFill>
+            <a:prstDash val="solid"/>
+          </a:ln>
+          <a:effectLst>
+            <a:outerShdw sx="100000" sy="100000" kx="0" ky="0" algn="bl" rotWithShape="0" blurRad="76200" dist="1270" dir="5400000">
+              <a:srgbClr val="000000">
+                <a:alpha val="30000"/>
+              </a:srgbClr>
+            </a:outerShdw>
+          </a:effectLst>
+        </p:spPr>
+      </p:sp>
+      <p:sp>
+        <p:nvSpPr>
+          <p:cNvPr id="43" name="Text 41"/>
+          <p:cNvSpPr/>
+          <p:nvPr/>
+        </p:nvSpPr>
+        <p:spPr>
+          <a:xfrm>
+            <a:off x="4814865" y="1814535"/>
+            <a:ext cx="385785" cy="214335"/>
+          </a:xfrm>
+          <a:prstGeom prst="rect">
+            <a:avLst/>
+          </a:prstGeom>
+          <a:noFill/>
+          <a:ln/>
+        </p:spPr>
+        <p:txBody>
+          <a:bodyPr wrap="square" rtlCol="0" anchor="ctr"/>
+          <a:lstStyle/>
+          <a:p>
+            <a:pPr algn="ctr" indent="0" marL="0">
+              <a:buNone/>
+            </a:pPr>
+            <a:r>
+              <a:rPr lang="en-US" sz="1650" dirty="0">
+                <a:solidFill>
+                  <a:srgbClr val="FFFFFF"/>
+                </a:solidFill>
+                <a:latin typeface="Segoe UI" pitchFamily="34" charset="0"/>
+                <a:ea typeface="Segoe UI" pitchFamily="34" charset="-122"/>
+                <a:cs typeface="Segoe UI" pitchFamily="34" charset="-120"/>
+              </a:rPr>
+              <a:t>◎</a:t>
+            </a:r>
+            <a:endParaRPr lang="en-US" sz="1650" dirty="0"/>
+          </a:p>
+        </p:txBody>
+      </p:sp>
+      <p:sp>
+        <p:nvSpPr>
+          <p:cNvPr id="44" name="Text 42"/>
+          <p:cNvSpPr/>
+          <p:nvPr/>
+        </p:nvSpPr>
+        <p:spPr>
+          <a:xfrm>
+            <a:off x="5300685" y="1757385"/>
+            <a:ext cx="3157515" cy="157185"/>
+          </a:xfrm>
+          <a:prstGeom prst="rect">
+            <a:avLst/>
+          </a:prstGeom>
+          <a:noFill/>
+          <a:ln/>
+        </p:spPr>
+        <p:txBody>
+          <a:bodyPr wrap="square" rtlCol="0" anchor="ctr"/>
+          <a:lstStyle/>
+          <a:p>
+            <a:pPr indent="0" marL="0">
+              <a:buNone/>
+            </a:pPr>
+            <a:r>
+              <a:rPr lang="en-US" sz="1200" b="1" dirty="0">
+                <a:solidFill>
+                  <a:srgbClr val="0F2439"/>
+                </a:solidFill>
+                <a:latin typeface="Segoe UI" pitchFamily="34" charset="0"/>
+                <a:ea typeface="Segoe UI" pitchFamily="34" charset="-122"/>
+                <a:cs typeface="Segoe UI" pitchFamily="34" charset="-120"/>
+              </a:rPr>
+              <a:t>Federated squads</a:t>
+            </a:r>
+            <a:endParaRPr lang="en-US" sz="1200" dirty="0"/>
+          </a:p>
+        </p:txBody>
+      </p:sp>
+      <p:sp>
+        <p:nvSpPr>
+          <p:cNvPr id="45" name="Text 43"/>
+          <p:cNvSpPr/>
+          <p:nvPr/>
+        </p:nvSpPr>
+        <p:spPr>
+          <a:xfrm>
+            <a:off x="5300685" y="1914571"/>
+            <a:ext cx="3157515" cy="271485"/>
+          </a:xfrm>
+          <a:prstGeom prst="rect">
+            <a:avLst/>
+          </a:prstGeom>
+          <a:noFill/>
+          <a:ln/>
+        </p:spPr>
+        <p:txBody>
+          <a:bodyPr wrap="square" rtlCol="0" anchor="ctr"/>
+          <a:lstStyle/>
+          <a:p>
+            <a:pPr indent="0" marL="0">
+              <a:buNone/>
+            </a:pPr>
+            <a:r>
               <a:rPr lang="en-US" sz="975" dirty="0">
                 <a:solidFill>
                   <a:srgbClr val="4A5C70"/>
@@ -1799,7 +4618,7 @@
                 <a:ea typeface="Segoe UI" pitchFamily="34" charset="-122"/>
                 <a:cs typeface="Segoe UI" pitchFamily="34" charset="-120"/>
               </a:rPr>
-              <a:t>Two initiative tracks in sequence; elongates policy pilots and analytics upgrades.</a:t>
+              <a:t>Domain teams co-create with the AI center of excellence.</a:t>
             </a:r>
             <a:endParaRPr lang="en-US" sz="975" dirty="0"/>
           </a:p>
@@ -1807,17 +4626,818 @@
       </p:sp>
       <p:sp>
         <p:nvSpPr>
-          <p:cNvPr id="28" name="Shape 26"/>
-          <p:cNvSpPr/>
-          <p:nvPr/>
-        </p:nvSpPr>
-        <p:spPr>
-          <a:xfrm>
-            <a:off x="571500" y="3586185"/>
-            <a:ext cx="71415" cy="71415"/>
-          </a:xfrm>
-          <a:prstGeom prst="ellipse">
-            <a:avLst/>
+          <p:cNvPr id="46" name="Shape 44"/>
+          <p:cNvSpPr/>
+          <p:nvPr/>
+        </p:nvSpPr>
+        <p:spPr>
+          <a:xfrm>
+            <a:off x="4814865" y="2214585"/>
+            <a:ext cx="385785" cy="385785"/>
+          </a:xfrm>
+          <a:prstGeom prst="roundRect">
+            <a:avLst>
+              <a:gd name="adj" fmla="val 29628"/>
+            </a:avLst>
+          </a:prstGeom>
+          <a:solidFill>
+            <a:srgbClr val="17395C"/>
+          </a:solidFill>
+          <a:ln w="12700">
+            <a:solidFill>
+              <a:srgbClr val="17395C"/>
+            </a:solidFill>
+            <a:prstDash val="solid"/>
+          </a:ln>
+          <a:effectLst>
+            <a:outerShdw sx="100000" sy="100000" kx="0" ky="0" algn="bl" rotWithShape="0" blurRad="76200" dist="1270" dir="5400000">
+              <a:srgbClr val="000000">
+                <a:alpha val="30000"/>
+              </a:srgbClr>
+            </a:outerShdw>
+          </a:effectLst>
+        </p:spPr>
+      </p:sp>
+      <p:sp>
+        <p:nvSpPr>
+          <p:cNvPr id="47" name="Text 45"/>
+          <p:cNvSpPr/>
+          <p:nvPr/>
+        </p:nvSpPr>
+        <p:spPr>
+          <a:xfrm>
+            <a:off x="4814865" y="2300265"/>
+            <a:ext cx="385785" cy="214335"/>
+          </a:xfrm>
+          <a:prstGeom prst="rect">
+            <a:avLst/>
+          </a:prstGeom>
+          <a:noFill/>
+          <a:ln/>
+        </p:spPr>
+        <p:txBody>
+          <a:bodyPr wrap="square" rtlCol="0" anchor="ctr"/>
+          <a:lstStyle/>
+          <a:p>
+            <a:pPr algn="ctr" indent="0" marL="0">
+              <a:buNone/>
+            </a:pPr>
+            <a:r>
+              <a:rPr lang="en-US" sz="1650" dirty="0">
+                <a:solidFill>
+                  <a:srgbClr val="FFFFFF"/>
+                </a:solidFill>
+                <a:latin typeface="Segoe UI" pitchFamily="34" charset="0"/>
+                <a:ea typeface="Segoe UI" pitchFamily="34" charset="-122"/>
+                <a:cs typeface="Segoe UI" pitchFamily="34" charset="-120"/>
+              </a:rPr>
+              <a:t>◆</a:t>
+            </a:r>
+            <a:endParaRPr lang="en-US" sz="1650" dirty="0"/>
+          </a:p>
+        </p:txBody>
+      </p:sp>
+      <p:sp>
+        <p:nvSpPr>
+          <p:cNvPr id="48" name="Text 46"/>
+          <p:cNvSpPr/>
+          <p:nvPr/>
+        </p:nvSpPr>
+        <p:spPr>
+          <a:xfrm>
+            <a:off x="5300685" y="2243115"/>
+            <a:ext cx="3157515" cy="157185"/>
+          </a:xfrm>
+          <a:prstGeom prst="rect">
+            <a:avLst/>
+          </a:prstGeom>
+          <a:noFill/>
+          <a:ln/>
+        </p:spPr>
+        <p:txBody>
+          <a:bodyPr wrap="square" rtlCol="0" anchor="ctr"/>
+          <a:lstStyle/>
+          <a:p>
+            <a:pPr indent="0" marL="0">
+              <a:buNone/>
+            </a:pPr>
+            <a:r>
+              <a:rPr lang="en-US" sz="1200" b="1" dirty="0">
+                <a:solidFill>
+                  <a:srgbClr val="0F2439"/>
+                </a:solidFill>
+                <a:latin typeface="Segoe UI" pitchFamily="34" charset="0"/>
+                <a:ea typeface="Segoe UI" pitchFamily="34" charset="-122"/>
+                <a:cs typeface="Segoe UI" pitchFamily="34" charset="-120"/>
+              </a:rPr>
+              <a:t>Shared platforms</a:t>
+            </a:r>
+            <a:endParaRPr lang="en-US" sz="1200" dirty="0"/>
+          </a:p>
+        </p:txBody>
+      </p:sp>
+      <p:sp>
+        <p:nvSpPr>
+          <p:cNvPr id="49" name="Text 47"/>
+          <p:cNvSpPr/>
+          <p:nvPr/>
+        </p:nvSpPr>
+        <p:spPr>
+          <a:xfrm>
+            <a:off x="5300685" y="2400300"/>
+            <a:ext cx="3157515" cy="271485"/>
+          </a:xfrm>
+          <a:prstGeom prst="rect">
+            <a:avLst/>
+          </a:prstGeom>
+          <a:noFill/>
+          <a:ln/>
+        </p:spPr>
+        <p:txBody>
+          <a:bodyPr wrap="square" rtlCol="0" anchor="ctr"/>
+          <a:lstStyle/>
+          <a:p>
+            <a:pPr indent="0" marL="0">
+              <a:buNone/>
+            </a:pPr>
+            <a:r>
+              <a:rPr lang="en-US" sz="975" dirty="0">
+                <a:solidFill>
+                  <a:srgbClr val="4A5C70"/>
+                </a:solidFill>
+                <a:latin typeface="Segoe UI" pitchFamily="34" charset="0"/>
+                <a:ea typeface="Segoe UI" pitchFamily="34" charset="-122"/>
+                <a:cs typeface="Segoe UI" pitchFamily="34" charset="-120"/>
+              </a:rPr>
+              <a:t>Reusable data products, model libraries, and APIs.</a:t>
+            </a:r>
+            <a:endParaRPr lang="en-US" sz="975" dirty="0"/>
+          </a:p>
+        </p:txBody>
+      </p:sp>
+      <p:sp>
+        <p:nvSpPr>
+          <p:cNvPr id="50" name="Shape 48"/>
+          <p:cNvSpPr/>
+          <p:nvPr/>
+        </p:nvSpPr>
+        <p:spPr>
+          <a:xfrm>
+            <a:off x="4814865" y="2700315"/>
+            <a:ext cx="385785" cy="385785"/>
+          </a:xfrm>
+          <a:prstGeom prst="roundRect">
+            <a:avLst>
+              <a:gd name="adj" fmla="val 29628"/>
+            </a:avLst>
+          </a:prstGeom>
+          <a:solidFill>
+            <a:srgbClr val="17395C"/>
+          </a:solidFill>
+          <a:ln w="12700">
+            <a:solidFill>
+              <a:srgbClr val="17395C"/>
+            </a:solidFill>
+            <a:prstDash val="solid"/>
+          </a:ln>
+          <a:effectLst>
+            <a:outerShdw sx="100000" sy="100000" kx="0" ky="0" algn="bl" rotWithShape="0" blurRad="76200" dist="1270" dir="5400000">
+              <a:srgbClr val="000000">
+                <a:alpha val="30000"/>
+              </a:srgbClr>
+            </a:outerShdw>
+          </a:effectLst>
+        </p:spPr>
+      </p:sp>
+      <p:sp>
+        <p:nvSpPr>
+          <p:cNvPr id="51" name="Text 49"/>
+          <p:cNvSpPr/>
+          <p:nvPr/>
+        </p:nvSpPr>
+        <p:spPr>
+          <a:xfrm>
+            <a:off x="4814865" y="2786085"/>
+            <a:ext cx="385785" cy="214335"/>
+          </a:xfrm>
+          <a:prstGeom prst="rect">
+            <a:avLst/>
+          </a:prstGeom>
+          <a:noFill/>
+          <a:ln/>
+        </p:spPr>
+        <p:txBody>
+          <a:bodyPr wrap="square" rtlCol="0" anchor="ctr"/>
+          <a:lstStyle/>
+          <a:p>
+            <a:pPr algn="ctr" indent="0" marL="0">
+              <a:buNone/>
+            </a:pPr>
+            <a:r>
+              <a:rPr lang="en-US" sz="1650" dirty="0">
+                <a:solidFill>
+                  <a:srgbClr val="FFFFFF"/>
+                </a:solidFill>
+                <a:latin typeface="Segoe UI" pitchFamily="34" charset="0"/>
+                <a:ea typeface="Segoe UI" pitchFamily="34" charset="-122"/>
+                <a:cs typeface="Segoe UI" pitchFamily="34" charset="-120"/>
+              </a:rPr>
+              <a:t>◈</a:t>
+            </a:r>
+            <a:endParaRPr lang="en-US" sz="1650" dirty="0"/>
+          </a:p>
+        </p:txBody>
+      </p:sp>
+      <p:sp>
+        <p:nvSpPr>
+          <p:cNvPr id="52" name="Text 50"/>
+          <p:cNvSpPr/>
+          <p:nvPr/>
+        </p:nvSpPr>
+        <p:spPr>
+          <a:xfrm>
+            <a:off x="5300685" y="2728935"/>
+            <a:ext cx="3157515" cy="157185"/>
+          </a:xfrm>
+          <a:prstGeom prst="rect">
+            <a:avLst/>
+          </a:prstGeom>
+          <a:noFill/>
+          <a:ln/>
+        </p:spPr>
+        <p:txBody>
+          <a:bodyPr wrap="square" rtlCol="0" anchor="ctr"/>
+          <a:lstStyle/>
+          <a:p>
+            <a:pPr indent="0" marL="0">
+              <a:buNone/>
+            </a:pPr>
+            <a:r>
+              <a:rPr lang="en-US" sz="1200" b="1" dirty="0">
+                <a:solidFill>
+                  <a:srgbClr val="0F2439"/>
+                </a:solidFill>
+                <a:latin typeface="Segoe UI" pitchFamily="34" charset="0"/>
+                <a:ea typeface="Segoe UI" pitchFamily="34" charset="-122"/>
+                <a:cs typeface="Segoe UI" pitchFamily="34" charset="-120"/>
+              </a:rPr>
+              <a:t>Capability uplift</a:t>
+            </a:r>
+            <a:endParaRPr lang="en-US" sz="1200" dirty="0"/>
+          </a:p>
+        </p:txBody>
+      </p:sp>
+      <p:sp>
+        <p:nvSpPr>
+          <p:cNvPr id="53" name="Text 51"/>
+          <p:cNvSpPr/>
+          <p:nvPr/>
+        </p:nvSpPr>
+        <p:spPr>
+          <a:xfrm>
+            <a:off x="5300685" y="2886121"/>
+            <a:ext cx="3157515" cy="271485"/>
+          </a:xfrm>
+          <a:prstGeom prst="rect">
+            <a:avLst/>
+          </a:prstGeom>
+          <a:noFill/>
+          <a:ln/>
+        </p:spPr>
+        <p:txBody>
+          <a:bodyPr wrap="square" rtlCol="0" anchor="ctr"/>
+          <a:lstStyle/>
+          <a:p>
+            <a:pPr indent="0" marL="0">
+              <a:buNone/>
+            </a:pPr>
+            <a:r>
+              <a:rPr lang="en-US" sz="975" dirty="0">
+                <a:solidFill>
+                  <a:srgbClr val="4A5C70"/>
+                </a:solidFill>
+                <a:latin typeface="Segoe UI" pitchFamily="34" charset="0"/>
+                <a:ea typeface="Segoe UI" pitchFamily="34" charset="-122"/>
+                <a:cs typeface="Segoe UI" pitchFamily="34" charset="-120"/>
+              </a:rPr>
+              <a:t>Executive briefings, analyst academies, certified training.</a:t>
+            </a:r>
+            <a:endParaRPr lang="en-US" sz="975" dirty="0"/>
+          </a:p>
+        </p:txBody>
+      </p:sp>
+      <p:sp>
+        <p:nvSpPr>
+          <p:cNvPr id="54" name="Shape 52"/>
+          <p:cNvSpPr/>
+          <p:nvPr/>
+        </p:nvSpPr>
+        <p:spPr>
+          <a:xfrm>
+            <a:off x="4814865" y="3314700"/>
+            <a:ext cx="1157265" cy="414315"/>
+          </a:xfrm>
+          <a:prstGeom prst="roundRect">
+            <a:avLst>
+              <a:gd name="adj" fmla="val 27588"/>
+            </a:avLst>
+          </a:prstGeom>
+          <a:solidFill>
+            <a:srgbClr val="F4F6F8"/>
+          </a:solidFill>
+          <a:ln w="12700">
+            <a:solidFill>
+              <a:srgbClr val="E1E7EE"/>
+            </a:solidFill>
+            <a:prstDash val="solid"/>
+          </a:ln>
+        </p:spPr>
+      </p:sp>
+      <p:sp>
+        <p:nvSpPr>
+          <p:cNvPr id="55" name="Text 53"/>
+          <p:cNvSpPr/>
+          <p:nvPr/>
+        </p:nvSpPr>
+        <p:spPr>
+          <a:xfrm>
+            <a:off x="4872015" y="3371850"/>
+            <a:ext cx="1042965" cy="171450"/>
+          </a:xfrm>
+          <a:prstGeom prst="rect">
+            <a:avLst/>
+          </a:prstGeom>
+          <a:noFill/>
+          <a:ln/>
+        </p:spPr>
+        <p:txBody>
+          <a:bodyPr wrap="square" rtlCol="0" anchor="ctr"/>
+          <a:lstStyle/>
+          <a:p>
+            <a:pPr algn="ctr" indent="0" marL="0">
+              <a:buNone/>
+            </a:pPr>
+            <a:r>
+              <a:rPr lang="en-US" sz="1500" b="1" dirty="0">
+                <a:solidFill>
+                  <a:srgbClr val="0F2439"/>
+                </a:solidFill>
+                <a:latin typeface="Segoe UI" pitchFamily="34" charset="0"/>
+                <a:ea typeface="Segoe UI" pitchFamily="34" charset="-122"/>
+                <a:cs typeface="Segoe UI" pitchFamily="34" charset="-120"/>
+              </a:rPr>
+              <a:t>30%</a:t>
+            </a:r>
+            <a:endParaRPr lang="en-US" sz="1500" dirty="0"/>
+          </a:p>
+        </p:txBody>
+      </p:sp>
+      <p:sp>
+        <p:nvSpPr>
+          <p:cNvPr id="56" name="Text 54"/>
+          <p:cNvSpPr/>
+          <p:nvPr/>
+        </p:nvSpPr>
+        <p:spPr>
+          <a:xfrm>
+            <a:off x="4872015" y="3557565"/>
+            <a:ext cx="1042965" cy="128565"/>
+          </a:xfrm>
+          <a:prstGeom prst="rect">
+            <a:avLst/>
+          </a:prstGeom>
+          <a:noFill/>
+          <a:ln/>
+        </p:spPr>
+        <p:txBody>
+          <a:bodyPr wrap="square" rtlCol="0" anchor="ctr"/>
+          <a:lstStyle/>
+          <a:p>
+            <a:pPr algn="ctr" indent="0" marL="0">
+              <a:buNone/>
+            </a:pPr>
+            <a:r>
+              <a:rPr lang="en-US" sz="900" spc="60" kern="0" dirty="0">
+                <a:solidFill>
+                  <a:srgbClr val="4A5C70"/>
+                </a:solidFill>
+                <a:latin typeface="Segoe UI" pitchFamily="34" charset="0"/>
+                <a:ea typeface="Segoe UI" pitchFamily="34" charset="-122"/>
+                <a:cs typeface="Segoe UI" pitchFamily="34" charset="-120"/>
+              </a:rPr>
+              <a:t>FASTER DELIVERY</a:t>
+            </a:r>
+            <a:endParaRPr lang="en-US" sz="900" dirty="0"/>
+          </a:p>
+        </p:txBody>
+      </p:sp>
+      <p:sp>
+        <p:nvSpPr>
+          <p:cNvPr id="57" name="Shape 55"/>
+          <p:cNvSpPr/>
+          <p:nvPr/>
+        </p:nvSpPr>
+        <p:spPr>
+          <a:xfrm>
+            <a:off x="6057900" y="3314700"/>
+            <a:ext cx="1157265" cy="414315"/>
+          </a:xfrm>
+          <a:prstGeom prst="roundRect">
+            <a:avLst>
+              <a:gd name="adj" fmla="val 27588"/>
+            </a:avLst>
+          </a:prstGeom>
+          <a:solidFill>
+            <a:srgbClr val="F4F6F8"/>
+          </a:solidFill>
+          <a:ln w="12700">
+            <a:solidFill>
+              <a:srgbClr val="E1E7EE"/>
+            </a:solidFill>
+            <a:prstDash val="solid"/>
+          </a:ln>
+        </p:spPr>
+      </p:sp>
+      <p:sp>
+        <p:nvSpPr>
+          <p:cNvPr id="58" name="Text 56"/>
+          <p:cNvSpPr/>
+          <p:nvPr/>
+        </p:nvSpPr>
+        <p:spPr>
+          <a:xfrm>
+            <a:off x="6115050" y="3371850"/>
+            <a:ext cx="1042965" cy="171450"/>
+          </a:xfrm>
+          <a:prstGeom prst="rect">
+            <a:avLst/>
+          </a:prstGeom>
+          <a:noFill/>
+          <a:ln/>
+        </p:spPr>
+        <p:txBody>
+          <a:bodyPr wrap="square" rtlCol="0" anchor="ctr"/>
+          <a:lstStyle/>
+          <a:p>
+            <a:pPr algn="ctr" indent="0" marL="0">
+              <a:buNone/>
+            </a:pPr>
+            <a:r>
+              <a:rPr lang="en-US" sz="1500" b="1" dirty="0">
+                <a:solidFill>
+                  <a:srgbClr val="0F2439"/>
+                </a:solidFill>
+                <a:latin typeface="Segoe UI" pitchFamily="34" charset="0"/>
+                <a:ea typeface="Segoe UI" pitchFamily="34" charset="-122"/>
+                <a:cs typeface="Segoe UI" pitchFamily="34" charset="-120"/>
+              </a:rPr>
+              <a:t>Enterprise</a:t>
+            </a:r>
+            <a:endParaRPr lang="en-US" sz="1500" dirty="0"/>
+          </a:p>
+        </p:txBody>
+      </p:sp>
+      <p:sp>
+        <p:nvSpPr>
+          <p:cNvPr id="59" name="Text 57"/>
+          <p:cNvSpPr/>
+          <p:nvPr/>
+        </p:nvSpPr>
+        <p:spPr>
+          <a:xfrm>
+            <a:off x="6115050" y="3557565"/>
+            <a:ext cx="1042965" cy="128565"/>
+          </a:xfrm>
+          <a:prstGeom prst="rect">
+            <a:avLst/>
+          </a:prstGeom>
+          <a:noFill/>
+          <a:ln/>
+        </p:spPr>
+        <p:txBody>
+          <a:bodyPr wrap="square" rtlCol="0" anchor="ctr"/>
+          <a:lstStyle/>
+          <a:p>
+            <a:pPr algn="ctr" indent="0" marL="0">
+              <a:buNone/>
+            </a:pPr>
+            <a:r>
+              <a:rPr lang="en-US" sz="900" spc="60" kern="0" dirty="0">
+                <a:solidFill>
+                  <a:srgbClr val="4A5C70"/>
+                </a:solidFill>
+                <a:latin typeface="Segoe UI" pitchFamily="34" charset="0"/>
+                <a:ea typeface="Segoe UI" pitchFamily="34" charset="-122"/>
+                <a:cs typeface="Segoe UI" pitchFamily="34" charset="-120"/>
+              </a:rPr>
+              <a:t>ADOPTION</a:t>
+            </a:r>
+            <a:endParaRPr lang="en-US" sz="900" dirty="0"/>
+          </a:p>
+        </p:txBody>
+      </p:sp>
+      <p:sp>
+        <p:nvSpPr>
+          <p:cNvPr id="60" name="Shape 58"/>
+          <p:cNvSpPr/>
+          <p:nvPr/>
+        </p:nvSpPr>
+        <p:spPr>
+          <a:xfrm>
+            <a:off x="7300935" y="3314700"/>
+            <a:ext cx="1157265" cy="414315"/>
+          </a:xfrm>
+          <a:prstGeom prst="roundRect">
+            <a:avLst>
+              <a:gd name="adj" fmla="val 27588"/>
+            </a:avLst>
+          </a:prstGeom>
+          <a:solidFill>
+            <a:srgbClr val="F4F6F8"/>
+          </a:solidFill>
+          <a:ln w="12700">
+            <a:solidFill>
+              <a:srgbClr val="E1E7EE"/>
+            </a:solidFill>
+            <a:prstDash val="solid"/>
+          </a:ln>
+        </p:spPr>
+      </p:sp>
+      <p:sp>
+        <p:nvSpPr>
+          <p:cNvPr id="61" name="Text 59"/>
+          <p:cNvSpPr/>
+          <p:nvPr/>
+        </p:nvSpPr>
+        <p:spPr>
+          <a:xfrm>
+            <a:off x="7358085" y="3371850"/>
+            <a:ext cx="1042965" cy="171450"/>
+          </a:xfrm>
+          <a:prstGeom prst="rect">
+            <a:avLst/>
+          </a:prstGeom>
+          <a:noFill/>
+          <a:ln/>
+        </p:spPr>
+        <p:txBody>
+          <a:bodyPr wrap="square" rtlCol="0" anchor="ctr"/>
+          <a:lstStyle/>
+          <a:p>
+            <a:pPr algn="ctr" indent="0" marL="0">
+              <a:buNone/>
+            </a:pPr>
+            <a:r>
+              <a:rPr lang="en-US" sz="1500" b="1" dirty="0">
+                <a:solidFill>
+                  <a:srgbClr val="0F2439"/>
+                </a:solidFill>
+                <a:latin typeface="Segoe UI" pitchFamily="34" charset="0"/>
+                <a:ea typeface="Segoe UI" pitchFamily="34" charset="-122"/>
+                <a:cs typeface="Segoe UI" pitchFamily="34" charset="-120"/>
+              </a:rPr>
+              <a:t>Audit</a:t>
+            </a:r>
+            <a:endParaRPr lang="en-US" sz="1500" dirty="0"/>
+          </a:p>
+        </p:txBody>
+      </p:sp>
+      <p:sp>
+        <p:nvSpPr>
+          <p:cNvPr id="62" name="Text 60"/>
+          <p:cNvSpPr/>
+          <p:nvPr/>
+        </p:nvSpPr>
+        <p:spPr>
+          <a:xfrm>
+            <a:off x="7358085" y="3557565"/>
+            <a:ext cx="1042965" cy="128565"/>
+          </a:xfrm>
+          <a:prstGeom prst="rect">
+            <a:avLst/>
+          </a:prstGeom>
+          <a:noFill/>
+          <a:ln/>
+        </p:spPr>
+        <p:txBody>
+          <a:bodyPr wrap="square" rtlCol="0" anchor="ctr"/>
+          <a:lstStyle/>
+          <a:p>
+            <a:pPr algn="ctr" indent="0" marL="0">
+              <a:buNone/>
+            </a:pPr>
+            <a:r>
+              <a:rPr lang="en-US" sz="900" spc="60" kern="0" dirty="0">
+                <a:solidFill>
+                  <a:srgbClr val="4A5C70"/>
+                </a:solidFill>
+                <a:latin typeface="Segoe UI" pitchFamily="34" charset="0"/>
+                <a:ea typeface="Segoe UI" pitchFamily="34" charset="-122"/>
+                <a:cs typeface="Segoe UI" pitchFamily="34" charset="-120"/>
+              </a:rPr>
+              <a:t>CONFIDENCE</a:t>
+            </a:r>
+            <a:endParaRPr lang="en-US" sz="900" dirty="0"/>
+          </a:p>
+        </p:txBody>
+      </p:sp>
+      <p:sp>
+        <p:nvSpPr>
+          <p:cNvPr id="63" name="Shape 61"/>
+          <p:cNvSpPr/>
+          <p:nvPr/>
+        </p:nvSpPr>
+        <p:spPr>
+          <a:xfrm>
+            <a:off x="514350" y="4143421"/>
+            <a:ext cx="8115300" cy="542971"/>
+          </a:xfrm>
+          <a:prstGeom prst="roundRect">
+            <a:avLst>
+              <a:gd name="adj" fmla="val 23678"/>
+            </a:avLst>
+          </a:prstGeom>
+          <a:solidFill>
+            <a:srgbClr val="0F2439"/>
+          </a:solidFill>
+          <a:ln w="12700">
+            <a:solidFill>
+              <a:srgbClr val="0F2439"/>
+            </a:solidFill>
+            <a:prstDash val="solid"/>
+          </a:ln>
+          <a:effectLst>
+            <a:outerShdw sx="100000" sy="100000" kx="0" ky="0" algn="bl" rotWithShape="0" blurRad="101600" dist="1905" dir="5400000">
+              <a:srgbClr val="000000">
+                <a:alpha val="22000"/>
+              </a:srgbClr>
+            </a:outerShdw>
+          </a:effectLst>
+        </p:spPr>
+      </p:sp>
+      <p:sp>
+        <p:nvSpPr>
+          <p:cNvPr id="64" name="Shape 62"/>
+          <p:cNvSpPr/>
+          <p:nvPr/>
+        </p:nvSpPr>
+        <p:spPr>
+          <a:xfrm>
+            <a:off x="642915" y="4243365"/>
+            <a:ext cx="342900" cy="342900"/>
+          </a:xfrm>
+          <a:prstGeom prst="roundRect">
+            <a:avLst>
+              <a:gd name="adj" fmla="val 29173"/>
+            </a:avLst>
+          </a:prstGeom>
+          <a:solidFill>
+            <a:srgbClr val="FFFFFF">
+              <a:alpha val="12000"/>
+            </a:srgbClr>
+          </a:solidFill>
+          <a:ln w="12700">
+            <a:solidFill>
+              <a:srgbClr val="FFFFFF">
+                <a:alpha val="12000"/>
+              </a:srgbClr>
+            </a:solidFill>
+            <a:prstDash val="solid"/>
+          </a:ln>
+        </p:spPr>
+      </p:sp>
+      <p:sp>
+        <p:nvSpPr>
+          <p:cNvPr id="65" name="Text 63"/>
+          <p:cNvSpPr/>
+          <p:nvPr/>
+        </p:nvSpPr>
+        <p:spPr>
+          <a:xfrm>
+            <a:off x="642915" y="4286250"/>
+            <a:ext cx="342900" cy="257221"/>
+          </a:xfrm>
+          <a:prstGeom prst="rect">
+            <a:avLst/>
+          </a:prstGeom>
+          <a:noFill/>
+          <a:ln/>
+        </p:spPr>
+        <p:txBody>
+          <a:bodyPr wrap="square" rtlCol="0" anchor="ctr"/>
+          <a:lstStyle/>
+          <a:p>
+            <a:pPr algn="ctr" indent="0" marL="0">
+              <a:buNone/>
+            </a:pPr>
+            <a:r>
+              <a:rPr lang="en-US" sz="1650" dirty="0">
+                <a:solidFill>
+                  <a:srgbClr val="FFFFFF"/>
+                </a:solidFill>
+                <a:latin typeface="Segoe UI" pitchFamily="34" charset="0"/>
+                <a:ea typeface="Segoe UI" pitchFamily="34" charset="-122"/>
+                <a:cs typeface="Segoe UI" pitchFamily="34" charset="-120"/>
+              </a:rPr>
+              <a:t>◆</a:t>
+            </a:r>
+            <a:endParaRPr lang="en-US" sz="1650" dirty="0"/>
+          </a:p>
+        </p:txBody>
+      </p:sp>
+      <p:sp>
+        <p:nvSpPr>
+          <p:cNvPr id="66" name="Text 64"/>
+          <p:cNvSpPr/>
+          <p:nvPr/>
+        </p:nvSpPr>
+        <p:spPr>
+          <a:xfrm>
+            <a:off x="1085850" y="4229100"/>
+            <a:ext cx="4869180" cy="171450"/>
+          </a:xfrm>
+          <a:prstGeom prst="rect">
+            <a:avLst/>
+          </a:prstGeom>
+          <a:noFill/>
+          <a:ln/>
+        </p:spPr>
+        <p:txBody>
+          <a:bodyPr wrap="square" rtlCol="0" anchor="ctr"/>
+          <a:lstStyle/>
+          <a:p>
+            <a:pPr indent="0" marL="0">
+              <a:buNone/>
+            </a:pPr>
+            <a:r>
+              <a:rPr lang="en-US" sz="1350" b="1" dirty="0">
+                <a:solidFill>
+                  <a:srgbClr val="FFFFFF"/>
+                </a:solidFill>
+                <a:latin typeface="Segoe UI" pitchFamily="34" charset="0"/>
+                <a:ea typeface="Segoe UI" pitchFamily="34" charset="-122"/>
+                <a:cs typeface="Segoe UI" pitchFamily="34" charset="-120"/>
+              </a:rPr>
+              <a:t>Strategic Close</a:t>
+            </a:r>
+            <a:endParaRPr lang="en-US" sz="1350" dirty="0"/>
+          </a:p>
+        </p:txBody>
+      </p:sp>
+      <p:sp>
+        <p:nvSpPr>
+          <p:cNvPr id="67" name="Text 65"/>
+          <p:cNvSpPr/>
+          <p:nvPr/>
+        </p:nvSpPr>
+        <p:spPr>
+          <a:xfrm>
+            <a:off x="1085850" y="4414815"/>
+            <a:ext cx="4869180" cy="171450"/>
+          </a:xfrm>
+          <a:prstGeom prst="rect">
+            <a:avLst/>
+          </a:prstGeom>
+          <a:noFill/>
+          <a:ln/>
+        </p:spPr>
+        <p:txBody>
+          <a:bodyPr wrap="square" rtlCol="0" anchor="ctr"/>
+          <a:lstStyle/>
+          <a:p>
+            <a:pPr indent="0" marL="0">
+              <a:buNone/>
+            </a:pPr>
+            <a:r>
+              <a:rPr lang="en-US" sz="1050" dirty="0">
+                <a:solidFill>
+                  <a:srgbClr val="D5E2F2"/>
+                </a:solidFill>
+                <a:latin typeface="Segoe UI" pitchFamily="34" charset="0"/>
+                <a:ea typeface="Segoe UI" pitchFamily="34" charset="-122"/>
+                <a:cs typeface="Segoe UI" pitchFamily="34" charset="-120"/>
+              </a:rPr>
+              <a:t>Align governance, talent, and platforms to industrialise AI with public trust.</a:t>
+            </a:r>
+            <a:endParaRPr lang="en-US" sz="1050" dirty="0"/>
+          </a:p>
+        </p:txBody>
+      </p:sp>
+      <p:sp>
+        <p:nvSpPr>
+          <p:cNvPr id="68" name="Shape 66"/>
+          <p:cNvSpPr/>
+          <p:nvPr/>
+        </p:nvSpPr>
+        <p:spPr>
+          <a:xfrm>
+            <a:off x="7700985" y="4271985"/>
+            <a:ext cx="785835" cy="285750"/>
+          </a:xfrm>
+          <a:prstGeom prst="roundRect">
+            <a:avLst>
+              <a:gd name="adj" fmla="val 30016"/>
+            </a:avLst>
           </a:prstGeom>
           <a:solidFill>
             <a:srgbClr val="E1B44C"/>
@@ -1829,9 +5449,9 @@
             <a:prstDash val="solid"/>
           </a:ln>
           <a:effectLst>
-            <a:outerShdw sx="100000" sy="100000" kx="0" ky="0" algn="bl" rotWithShape="0" blurRad="63500" dist="762" dir="5400000">
+            <a:outerShdw sx="100000" sy="100000" kx="0" ky="0" algn="bl" rotWithShape="0" blurRad="76200" dist="1905" dir="5400000">
               <a:srgbClr val="000000">
-                <a:alpha val="2600000"/>
+                <a:alpha val="35000"/>
               </a:srgbClr>
             </a:outerShdw>
           </a:effectLst>
@@ -1839,1108 +5459,30 @@
       </p:sp>
       <p:sp>
         <p:nvSpPr>
-          <p:cNvPr id="29" name="Text 27"/>
-          <p:cNvSpPr/>
-          <p:nvPr/>
-        </p:nvSpPr>
-        <p:spPr>
-          <a:xfrm>
-            <a:off x="700065" y="3543300"/>
-            <a:ext cx="4059753" cy="157185"/>
-          </a:xfrm>
-          <a:prstGeom prst="rect">
-            <a:avLst/>
-          </a:prstGeom>
-          <a:noFill/>
-          <a:ln/>
-        </p:spPr>
-        <p:txBody>
-          <a:bodyPr wrap="square" rtlCol="0" anchor="ctr"/>
-          <a:lstStyle/>
-          <a:p>
-            <a:pPr indent="0" marL="0">
-              <a:buNone/>
-            </a:pPr>
-            <a:r>
-              <a:rPr lang="en-US" sz="1125" b="1" dirty="0">
-                <a:solidFill>
-                  <a:srgbClr val="0F2439"/>
-                </a:solidFill>
-                <a:latin typeface="Segoe UI" pitchFamily="34" charset="0"/>
-                <a:ea typeface="Segoe UI" pitchFamily="34" charset="-122"/>
-                <a:cs typeface="Segoe UI" pitchFamily="34" charset="-120"/>
-              </a:rPr>
-              <a:t>Deferred optimization</a:t>
-            </a:r>
-            <a:endParaRPr lang="en-US" sz="1125" dirty="0"/>
-          </a:p>
-        </p:txBody>
-      </p:sp>
-      <p:sp>
-        <p:nvSpPr>
-          <p:cNvPr id="30" name="Text 28"/>
-          <p:cNvSpPr/>
-          <p:nvPr/>
-        </p:nvSpPr>
-        <p:spPr>
-          <a:xfrm>
-            <a:off x="700065" y="3671865"/>
-            <a:ext cx="4059753" cy="285750"/>
-          </a:xfrm>
-          <a:prstGeom prst="rect">
-            <a:avLst/>
-          </a:prstGeom>
-          <a:noFill/>
-          <a:ln/>
-        </p:spPr>
-        <p:txBody>
-          <a:bodyPr wrap="square" rtlCol="0" anchor="ctr"/>
-          <a:lstStyle/>
-          <a:p>
-            <a:pPr indent="0" marL="0">
-              <a:buNone/>
-            </a:pPr>
-            <a:r>
-              <a:rPr lang="en-US" sz="975" dirty="0">
-                <a:solidFill>
-                  <a:srgbClr val="4A5C70"/>
-                </a:solidFill>
-                <a:latin typeface="Segoe UI" pitchFamily="34" charset="0"/>
-                <a:ea typeface="Segoe UI" pitchFamily="34" charset="-122"/>
-                <a:cs typeface="Segoe UI" pitchFamily="34" charset="-120"/>
-              </a:rPr>
-              <a:t>Automation and resilience improvements shift beyond the 18-month window.</a:t>
-            </a:r>
-            <a:endParaRPr lang="en-US" sz="975" dirty="0"/>
-          </a:p>
-        </p:txBody>
-      </p:sp>
-      <p:sp>
-        <p:nvSpPr>
-          <p:cNvPr id="31" name="Shape 29"/>
-          <p:cNvSpPr/>
-          <p:nvPr/>
-        </p:nvSpPr>
-        <p:spPr>
-          <a:xfrm>
-            <a:off x="5045659" y="1328715"/>
-            <a:ext cx="3684026" cy="2643165"/>
-          </a:xfrm>
-          <a:prstGeom prst="roundRect">
-            <a:avLst>
-              <a:gd name="adj" fmla="val 484328"/>
-            </a:avLst>
-          </a:prstGeom>
-          <a:solidFill>
-            <a:srgbClr val="FFFFFF"/>
-          </a:solidFill>
-          <a:ln w="12700">
-            <a:solidFill>
-              <a:srgbClr val="DDE5EF"/>
-            </a:solidFill>
-            <a:prstDash val="solid"/>
-          </a:ln>
-          <a:effectLst>
-            <a:outerShdw sx="100000" sy="100000" kx="0" ky="0" algn="bl" rotWithShape="0" blurRad="88900" dist="1778" dir="5400000">
-              <a:srgbClr val="000000">
-                <a:alpha val="1600000"/>
-              </a:srgbClr>
-            </a:outerShdw>
-          </a:effectLst>
-        </p:spPr>
-      </p:sp>
-      <p:sp>
-        <p:nvSpPr>
-          <p:cNvPr id="32" name="Text 30"/>
-          <p:cNvSpPr/>
-          <p:nvPr/>
-        </p:nvSpPr>
-        <p:spPr>
-          <a:xfrm>
-            <a:off x="5202753" y="1485900"/>
-            <a:ext cx="3369747" cy="185715"/>
-          </a:xfrm>
-          <a:prstGeom prst="rect">
-            <a:avLst/>
-          </a:prstGeom>
-          <a:noFill/>
-          <a:ln/>
-        </p:spPr>
-        <p:txBody>
-          <a:bodyPr wrap="square" rtlCol="0" anchor="ctr"/>
-          <a:lstStyle/>
-          <a:p>
-            <a:pPr indent="0" marL="0">
-              <a:buNone/>
-            </a:pPr>
-            <a:r>
-              <a:rPr lang="en-US" sz="1350" b="1" dirty="0">
-                <a:solidFill>
-                  <a:srgbClr val="0F2439"/>
-                </a:solidFill>
-                <a:latin typeface="Segoe UI" pitchFamily="34" charset="0"/>
-                <a:ea typeface="Segoe UI" pitchFamily="34" charset="-122"/>
-                <a:cs typeface="Segoe UI" pitchFamily="34" charset="-120"/>
-              </a:rPr>
-              <a:t>More Resource (Preferred)</a:t>
-            </a:r>
-            <a:endParaRPr lang="en-US" sz="1350" dirty="0"/>
-          </a:p>
-        </p:txBody>
-      </p:sp>
-      <p:sp>
-        <p:nvSpPr>
-          <p:cNvPr id="33" name="Shape 31"/>
-          <p:cNvSpPr/>
-          <p:nvPr/>
-        </p:nvSpPr>
-        <p:spPr>
-          <a:xfrm>
-            <a:off x="5202753" y="1700235"/>
-            <a:ext cx="1571671" cy="242865"/>
-          </a:xfrm>
-          <a:prstGeom prst="roundRect">
-            <a:avLst>
-              <a:gd name="adj" fmla="val 7530109"/>
-            </a:avLst>
-          </a:prstGeom>
-          <a:solidFill>
-            <a:srgbClr val="FDF6E8"/>
-          </a:solidFill>
-          <a:ln w="12700">
-            <a:solidFill>
-              <a:srgbClr val="FDF6E8"/>
-            </a:solidFill>
-            <a:prstDash val="solid"/>
-          </a:ln>
-        </p:spPr>
-      </p:sp>
-      <p:sp>
-        <p:nvSpPr>
-          <p:cNvPr id="34" name="Text 32"/>
-          <p:cNvSpPr/>
-          <p:nvPr/>
-        </p:nvSpPr>
-        <p:spPr>
-          <a:xfrm>
-            <a:off x="5288524" y="1728765"/>
-            <a:ext cx="1428750" cy="171450"/>
-          </a:xfrm>
-          <a:prstGeom prst="rect">
-            <a:avLst/>
-          </a:prstGeom>
-          <a:noFill/>
-          <a:ln/>
-        </p:spPr>
-        <p:txBody>
-          <a:bodyPr wrap="square" rtlCol="0" anchor="ctr"/>
-          <a:lstStyle/>
-          <a:p>
-            <a:pPr indent="0" marL="0">
-              <a:buNone/>
-            </a:pPr>
-            <a:r>
-              <a:rPr lang="en-US" sz="900" b="1" dirty="0">
-                <a:solidFill>
-                  <a:srgbClr val="6F5316"/>
-                </a:solidFill>
-                <a:latin typeface="Segoe UI" pitchFamily="34" charset="0"/>
-                <a:ea typeface="Segoe UI" pitchFamily="34" charset="-122"/>
-                <a:cs typeface="Segoe UI" pitchFamily="34" charset="-120"/>
-              </a:rPr>
-              <a:t>+3 FTE · Data, Ops, Delivery</a:t>
-            </a:r>
-            <a:endParaRPr lang="en-US" sz="900" dirty="0"/>
-          </a:p>
-        </p:txBody>
-      </p:sp>
-      <p:sp>
-        <p:nvSpPr>
-          <p:cNvPr id="35" name="Shape 33"/>
-          <p:cNvSpPr/>
-          <p:nvPr/>
-        </p:nvSpPr>
-        <p:spPr>
-          <a:xfrm>
-            <a:off x="5202753" y="1971721"/>
-            <a:ext cx="1075609" cy="685800"/>
-          </a:xfrm>
-          <a:prstGeom prst="roundRect">
-            <a:avLst>
-              <a:gd name="adj" fmla="val 1600000"/>
-            </a:avLst>
-          </a:prstGeom>
-          <a:solidFill>
-            <a:srgbClr val="F4F6F8"/>
-          </a:solidFill>
-          <a:ln w="12700">
-            <a:solidFill>
-              <a:srgbClr val="E1E7EE"/>
-            </a:solidFill>
-            <a:prstDash val="solid"/>
-          </a:ln>
-        </p:spPr>
-      </p:sp>
-      <p:sp>
-        <p:nvSpPr>
-          <p:cNvPr id="36" name="Text 34"/>
-          <p:cNvSpPr/>
-          <p:nvPr/>
-        </p:nvSpPr>
-        <p:spPr>
-          <a:xfrm>
-            <a:off x="5288524" y="2057400"/>
-            <a:ext cx="904159" cy="128565"/>
-          </a:xfrm>
-          <a:prstGeom prst="rect">
-            <a:avLst/>
-          </a:prstGeom>
-          <a:noFill/>
-          <a:ln/>
-        </p:spPr>
-        <p:txBody>
-          <a:bodyPr wrap="square" rtlCol="0" anchor="ctr"/>
-          <a:lstStyle/>
-          <a:p>
-            <a:pPr indent="0" marL="0">
-              <a:buNone/>
-            </a:pPr>
-            <a:r>
-              <a:rPr lang="en-US" sz="900" b="1" spc="4000" kern="0" dirty="0">
-                <a:solidFill>
-                  <a:srgbClr val="4A5C70"/>
-                </a:solidFill>
-                <a:latin typeface="Segoe UI" pitchFamily="34" charset="0"/>
-                <a:ea typeface="Segoe UI" pitchFamily="34" charset="-122"/>
-                <a:cs typeface="Segoe UI" pitchFamily="34" charset="-120"/>
-              </a:rPr>
-              <a:t>CAPACITY</a:t>
-            </a:r>
-            <a:endParaRPr lang="en-US" sz="900" dirty="0"/>
-          </a:p>
-        </p:txBody>
-      </p:sp>
-      <p:sp>
-        <p:nvSpPr>
-          <p:cNvPr id="37" name="Text 35"/>
-          <p:cNvSpPr/>
-          <p:nvPr/>
-        </p:nvSpPr>
-        <p:spPr>
-          <a:xfrm>
-            <a:off x="5288524" y="2243115"/>
-            <a:ext cx="904159" cy="257221"/>
-          </a:xfrm>
-          <a:prstGeom prst="rect">
-            <a:avLst/>
-          </a:prstGeom>
-          <a:noFill/>
-          <a:ln/>
-        </p:spPr>
-        <p:txBody>
-          <a:bodyPr wrap="square" rtlCol="0" anchor="ctr"/>
-          <a:lstStyle/>
-          <a:p>
-            <a:pPr indent="0" marL="0">
-              <a:buNone/>
-            </a:pPr>
-            <a:r>
-              <a:rPr lang="en-US" sz="1500" b="1" dirty="0">
-                <a:solidFill>
-                  <a:srgbClr val="0F2439"/>
-                </a:solidFill>
-                <a:latin typeface="Segoe UI" pitchFamily="34" charset="0"/>
-                <a:ea typeface="Segoe UI" pitchFamily="34" charset="-122"/>
-                <a:cs typeface="Segoe UI" pitchFamily="34" charset="-120"/>
-              </a:rPr>
-              <a:t>~90%</a:t>
-            </a:r>
-            <a:endParaRPr lang="en-US" sz="1500" dirty="0"/>
-          </a:p>
-        </p:txBody>
-      </p:sp>
-      <p:sp>
-        <p:nvSpPr>
-          <p:cNvPr id="38" name="Shape 36"/>
-          <p:cNvSpPr/>
-          <p:nvPr/>
-        </p:nvSpPr>
-        <p:spPr>
-          <a:xfrm>
-            <a:off x="6349868" y="1971721"/>
-            <a:ext cx="1075609" cy="685800"/>
-          </a:xfrm>
-          <a:prstGeom prst="roundRect">
-            <a:avLst>
-              <a:gd name="adj" fmla="val 1600000"/>
-            </a:avLst>
-          </a:prstGeom>
-          <a:solidFill>
-            <a:srgbClr val="F4F6F8"/>
-          </a:solidFill>
-          <a:ln w="12700">
-            <a:solidFill>
-              <a:srgbClr val="E1E7EE"/>
-            </a:solidFill>
-            <a:prstDash val="solid"/>
-          </a:ln>
-        </p:spPr>
-      </p:sp>
-      <p:sp>
-        <p:nvSpPr>
-          <p:cNvPr id="39" name="Text 37"/>
-          <p:cNvSpPr/>
-          <p:nvPr/>
-        </p:nvSpPr>
-        <p:spPr>
-          <a:xfrm>
-            <a:off x="6435547" y="2057400"/>
-            <a:ext cx="904159" cy="128565"/>
-          </a:xfrm>
-          <a:prstGeom prst="rect">
-            <a:avLst/>
-          </a:prstGeom>
-          <a:noFill/>
-          <a:ln/>
-        </p:spPr>
-        <p:txBody>
-          <a:bodyPr wrap="square" rtlCol="0" anchor="ctr"/>
-          <a:lstStyle/>
-          <a:p>
-            <a:pPr indent="0" marL="0">
-              <a:buNone/>
-            </a:pPr>
-            <a:r>
-              <a:rPr lang="en-US" sz="900" b="1" spc="4000" kern="0" dirty="0">
-                <a:solidFill>
-                  <a:srgbClr val="4A5C70"/>
-                </a:solidFill>
-                <a:latin typeface="Segoe UI" pitchFamily="34" charset="0"/>
-                <a:ea typeface="Segoe UI" pitchFamily="34" charset="-122"/>
-                <a:cs typeface="Segoe UI" pitchFamily="34" charset="-120"/>
-              </a:rPr>
-              <a:t>CHANGE BANDWIDTH</a:t>
-            </a:r>
-            <a:endParaRPr lang="en-US" sz="900" dirty="0"/>
-          </a:p>
-        </p:txBody>
-      </p:sp>
-      <p:sp>
-        <p:nvSpPr>
-          <p:cNvPr id="40" name="Text 38"/>
-          <p:cNvSpPr/>
-          <p:nvPr/>
-        </p:nvSpPr>
-        <p:spPr>
-          <a:xfrm>
-            <a:off x="6435547" y="2243115"/>
-            <a:ext cx="904159" cy="257221"/>
-          </a:xfrm>
-          <a:prstGeom prst="rect">
-            <a:avLst/>
-          </a:prstGeom>
-          <a:noFill/>
-          <a:ln/>
-        </p:spPr>
-        <p:txBody>
-          <a:bodyPr wrap="square" rtlCol="0" anchor="ctr"/>
-          <a:lstStyle/>
-          <a:p>
-            <a:pPr indent="0" marL="0">
-              <a:buNone/>
-            </a:pPr>
-            <a:r>
-              <a:rPr lang="en-US" sz="1500" b="1" dirty="0">
-                <a:solidFill>
-                  <a:srgbClr val="0F2439"/>
-                </a:solidFill>
-                <a:latin typeface="Segoe UI" pitchFamily="34" charset="0"/>
-                <a:ea typeface="Segoe UI" pitchFamily="34" charset="-122"/>
-                <a:cs typeface="Segoe UI" pitchFamily="34" charset="-120"/>
-              </a:rPr>
-              <a:t>4 tracks</a:t>
-            </a:r>
-            <a:endParaRPr lang="en-US" sz="1500" dirty="0"/>
-          </a:p>
-        </p:txBody>
-      </p:sp>
-      <p:sp>
-        <p:nvSpPr>
-          <p:cNvPr id="41" name="Shape 39"/>
-          <p:cNvSpPr/>
-          <p:nvPr/>
-        </p:nvSpPr>
-        <p:spPr>
-          <a:xfrm>
-            <a:off x="7496891" y="1971721"/>
-            <a:ext cx="1075609" cy="685800"/>
-          </a:xfrm>
-          <a:prstGeom prst="roundRect">
-            <a:avLst>
-              <a:gd name="adj" fmla="val 1600000"/>
-            </a:avLst>
-          </a:prstGeom>
-          <a:solidFill>
-            <a:srgbClr val="F4F6F8"/>
-          </a:solidFill>
-          <a:ln w="12700">
-            <a:solidFill>
-              <a:srgbClr val="E1E7EE"/>
-            </a:solidFill>
-            <a:prstDash val="solid"/>
-          </a:ln>
-        </p:spPr>
-      </p:sp>
-      <p:sp>
-        <p:nvSpPr>
-          <p:cNvPr id="42" name="Text 40"/>
-          <p:cNvSpPr/>
-          <p:nvPr/>
-        </p:nvSpPr>
-        <p:spPr>
-          <a:xfrm>
-            <a:off x="7582571" y="2057400"/>
-            <a:ext cx="904159" cy="128565"/>
-          </a:xfrm>
-          <a:prstGeom prst="rect">
-            <a:avLst/>
-          </a:prstGeom>
-          <a:noFill/>
-          <a:ln/>
-        </p:spPr>
-        <p:txBody>
-          <a:bodyPr wrap="square" rtlCol="0" anchor="ctr"/>
-          <a:lstStyle/>
-          <a:p>
-            <a:pPr indent="0" marL="0">
-              <a:buNone/>
-            </a:pPr>
-            <a:r>
-              <a:rPr lang="en-US" sz="900" b="1" spc="4000" kern="0" dirty="0">
-                <a:solidFill>
-                  <a:srgbClr val="4A5C70"/>
-                </a:solidFill>
-                <a:latin typeface="Segoe UI" pitchFamily="34" charset="0"/>
-                <a:ea typeface="Segoe UI" pitchFamily="34" charset="-122"/>
-                <a:cs typeface="Segoe UI" pitchFamily="34" charset="-120"/>
-              </a:rPr>
-              <a:t>RISK POSTURE</a:t>
-            </a:r>
-            <a:endParaRPr lang="en-US" sz="900" dirty="0"/>
-          </a:p>
-        </p:txBody>
-      </p:sp>
-      <p:sp>
-        <p:nvSpPr>
-          <p:cNvPr id="43" name="Text 41"/>
-          <p:cNvSpPr/>
-          <p:nvPr/>
-        </p:nvSpPr>
-        <p:spPr>
-          <a:xfrm>
-            <a:off x="7582571" y="2243115"/>
-            <a:ext cx="904159" cy="257221"/>
-          </a:xfrm>
-          <a:prstGeom prst="rect">
-            <a:avLst/>
-          </a:prstGeom>
-          <a:noFill/>
-          <a:ln/>
-        </p:spPr>
-        <p:txBody>
-          <a:bodyPr wrap="square" rtlCol="0" anchor="ctr"/>
-          <a:lstStyle/>
-          <a:p>
-            <a:pPr indent="0" marL="0">
-              <a:buNone/>
-            </a:pPr>
-            <a:r>
-              <a:rPr lang="en-US" sz="1500" b="1" dirty="0">
-                <a:solidFill>
-                  <a:srgbClr val="0F2439"/>
-                </a:solidFill>
-                <a:latin typeface="Segoe UI" pitchFamily="34" charset="0"/>
-                <a:ea typeface="Segoe UI" pitchFamily="34" charset="-122"/>
-                <a:cs typeface="Segoe UI" pitchFamily="34" charset="-120"/>
-              </a:rPr>
-              <a:t>Lower</a:t>
-            </a:r>
-            <a:endParaRPr lang="en-US" sz="1500" dirty="0"/>
-          </a:p>
-        </p:txBody>
-      </p:sp>
-      <p:sp>
-        <p:nvSpPr>
-          <p:cNvPr id="44" name="Shape 42"/>
-          <p:cNvSpPr/>
-          <p:nvPr/>
-        </p:nvSpPr>
-        <p:spPr>
-          <a:xfrm>
-            <a:off x="5202753" y="2814615"/>
-            <a:ext cx="71415" cy="71415"/>
-          </a:xfrm>
-          <a:prstGeom prst="ellipse">
-            <a:avLst/>
-          </a:prstGeom>
-          <a:solidFill>
-            <a:srgbClr val="E1B44C"/>
-          </a:solidFill>
-          <a:ln w="12700">
-            <a:solidFill>
-              <a:srgbClr val="E1B44C"/>
-            </a:solidFill>
-            <a:prstDash val="solid"/>
-          </a:ln>
-          <a:effectLst>
-            <a:outerShdw sx="100000" sy="100000" kx="0" ky="0" algn="bl" rotWithShape="0" blurRad="63500" dist="762" dir="5400000">
-              <a:srgbClr val="000000">
-                <a:alpha val="2600000"/>
-              </a:srgbClr>
-            </a:outerShdw>
-          </a:effectLst>
-        </p:spPr>
-      </p:sp>
-      <p:sp>
-        <p:nvSpPr>
-          <p:cNvPr id="45" name="Text 43"/>
-          <p:cNvSpPr/>
-          <p:nvPr/>
-        </p:nvSpPr>
-        <p:spPr>
-          <a:xfrm>
-            <a:off x="5331409" y="2771821"/>
-            <a:ext cx="3241091" cy="157185"/>
-          </a:xfrm>
-          <a:prstGeom prst="rect">
-            <a:avLst/>
-          </a:prstGeom>
-          <a:noFill/>
-          <a:ln/>
-        </p:spPr>
-        <p:txBody>
-          <a:bodyPr wrap="square" rtlCol="0" anchor="ctr"/>
-          <a:lstStyle/>
-          <a:p>
-            <a:pPr indent="0" marL="0">
-              <a:buNone/>
-            </a:pPr>
-            <a:r>
-              <a:rPr lang="en-US" sz="1125" b="1" dirty="0">
-                <a:solidFill>
-                  <a:srgbClr val="0F2439"/>
-                </a:solidFill>
-                <a:latin typeface="Segoe UI" pitchFamily="34" charset="0"/>
-                <a:ea typeface="Segoe UI" pitchFamily="34" charset="-122"/>
-                <a:cs typeface="Segoe UI" pitchFamily="34" charset="-120"/>
-              </a:rPr>
-              <a:t>Parallel delivery</a:t>
-            </a:r>
-            <a:endParaRPr lang="en-US" sz="1125" dirty="0"/>
-          </a:p>
-        </p:txBody>
-      </p:sp>
-      <p:sp>
-        <p:nvSpPr>
-          <p:cNvPr id="46" name="Text 44"/>
-          <p:cNvSpPr/>
-          <p:nvPr/>
-        </p:nvSpPr>
-        <p:spPr>
-          <a:xfrm>
-            <a:off x="5331409" y="2900385"/>
-            <a:ext cx="3241091" cy="285750"/>
-          </a:xfrm>
-          <a:prstGeom prst="rect">
-            <a:avLst/>
-          </a:prstGeom>
-          <a:noFill/>
-          <a:ln/>
-        </p:spPr>
-        <p:txBody>
-          <a:bodyPr wrap="square" rtlCol="0" anchor="ctr"/>
-          <a:lstStyle/>
-          <a:p>
-            <a:pPr indent="0" marL="0">
-              <a:buNone/>
-            </a:pPr>
-            <a:r>
-              <a:rPr lang="en-US" sz="975" dirty="0">
-                <a:solidFill>
-                  <a:srgbClr val="4A5C70"/>
-                </a:solidFill>
-                <a:latin typeface="Segoe UI" pitchFamily="34" charset="0"/>
-                <a:ea typeface="Segoe UI" pitchFamily="34" charset="-122"/>
-                <a:cs typeface="Segoe UI" pitchFamily="34" charset="-120"/>
-              </a:rPr>
-              <a:t>Run concurrent workstreams (policy pilots, data modernization, resiliency uplift) without sacrificing BAU.</a:t>
-            </a:r>
-            <a:endParaRPr lang="en-US" sz="975" dirty="0"/>
-          </a:p>
-        </p:txBody>
-      </p:sp>
-      <p:sp>
-        <p:nvSpPr>
-          <p:cNvPr id="47" name="Shape 45"/>
-          <p:cNvSpPr/>
-          <p:nvPr/>
-        </p:nvSpPr>
-        <p:spPr>
-          <a:xfrm>
-            <a:off x="5202753" y="3200400"/>
-            <a:ext cx="71415" cy="71415"/>
-          </a:xfrm>
-          <a:prstGeom prst="ellipse">
-            <a:avLst/>
-          </a:prstGeom>
-          <a:solidFill>
-            <a:srgbClr val="E1B44C"/>
-          </a:solidFill>
-          <a:ln w="12700">
-            <a:solidFill>
-              <a:srgbClr val="E1B44C"/>
-            </a:solidFill>
-            <a:prstDash val="solid"/>
-          </a:ln>
-          <a:effectLst>
-            <a:outerShdw sx="100000" sy="100000" kx="0" ky="0" algn="bl" rotWithShape="0" blurRad="63500" dist="762" dir="5400000">
-              <a:srgbClr val="000000">
-                <a:alpha val="2600000"/>
-              </a:srgbClr>
-            </a:outerShdw>
-          </a:effectLst>
-        </p:spPr>
-      </p:sp>
-      <p:sp>
-        <p:nvSpPr>
-          <p:cNvPr id="48" name="Text 46"/>
-          <p:cNvSpPr/>
-          <p:nvPr/>
-        </p:nvSpPr>
-        <p:spPr>
-          <a:xfrm>
-            <a:off x="5331409" y="3157515"/>
-            <a:ext cx="3241091" cy="157185"/>
-          </a:xfrm>
-          <a:prstGeom prst="rect">
-            <a:avLst/>
-          </a:prstGeom>
-          <a:noFill/>
-          <a:ln/>
-        </p:spPr>
-        <p:txBody>
-          <a:bodyPr wrap="square" rtlCol="0" anchor="ctr"/>
-          <a:lstStyle/>
-          <a:p>
-            <a:pPr indent="0" marL="0">
-              <a:buNone/>
-            </a:pPr>
-            <a:r>
-              <a:rPr lang="en-US" sz="1125" b="1" dirty="0">
-                <a:solidFill>
-                  <a:srgbClr val="0F2439"/>
-                </a:solidFill>
-                <a:latin typeface="Segoe UI" pitchFamily="34" charset="0"/>
-                <a:ea typeface="Segoe UI" pitchFamily="34" charset="-122"/>
-                <a:cs typeface="Segoe UI" pitchFamily="34" charset="-120"/>
-              </a:rPr>
-              <a:t>Faster regulatory readiness</a:t>
-            </a:r>
-            <a:endParaRPr lang="en-US" sz="1125" dirty="0"/>
-          </a:p>
-        </p:txBody>
-      </p:sp>
-      <p:sp>
-        <p:nvSpPr>
-          <p:cNvPr id="49" name="Text 47"/>
-          <p:cNvSpPr/>
-          <p:nvPr/>
-        </p:nvSpPr>
-        <p:spPr>
-          <a:xfrm>
-            <a:off x="5331409" y="3286171"/>
-            <a:ext cx="3241091" cy="285750"/>
-          </a:xfrm>
-          <a:prstGeom prst="rect">
-            <a:avLst/>
-          </a:prstGeom>
-          <a:noFill/>
-          <a:ln/>
-        </p:spPr>
-        <p:txBody>
-          <a:bodyPr wrap="square" rtlCol="0" anchor="ctr"/>
-          <a:lstStyle/>
-          <a:p>
-            <a:pPr indent="0" marL="0">
-              <a:buNone/>
-            </a:pPr>
-            <a:r>
-              <a:rPr lang="en-US" sz="975" dirty="0">
-                <a:solidFill>
-                  <a:srgbClr val="4A5C70"/>
-                </a:solidFill>
-                <a:latin typeface="Segoe UI" pitchFamily="34" charset="0"/>
-                <a:ea typeface="Segoe UI" pitchFamily="34" charset="-122"/>
-                <a:cs typeface="Segoe UI" pitchFamily="34" charset="-120"/>
-              </a:rPr>
-              <a:t>Expedite compliance changes and scenario testing with embedded risk &amp; controls support.</a:t>
-            </a:r>
-            <a:endParaRPr lang="en-US" sz="975" dirty="0"/>
-          </a:p>
-        </p:txBody>
-      </p:sp>
-      <p:sp>
-        <p:nvSpPr>
-          <p:cNvPr id="50" name="Shape 48"/>
-          <p:cNvSpPr/>
-          <p:nvPr/>
-        </p:nvSpPr>
-        <p:spPr>
-          <a:xfrm>
-            <a:off x="5202753" y="3586185"/>
-            <a:ext cx="71415" cy="71415"/>
-          </a:xfrm>
-          <a:prstGeom prst="ellipse">
-            <a:avLst/>
-          </a:prstGeom>
-          <a:solidFill>
-            <a:srgbClr val="E1B44C"/>
-          </a:solidFill>
-          <a:ln w="12700">
-            <a:solidFill>
-              <a:srgbClr val="E1B44C"/>
-            </a:solidFill>
-            <a:prstDash val="solid"/>
-          </a:ln>
-          <a:effectLst>
-            <a:outerShdw sx="100000" sy="100000" kx="0" ky="0" algn="bl" rotWithShape="0" blurRad="63500" dist="762" dir="5400000">
-              <a:srgbClr val="000000">
-                <a:alpha val="2600000"/>
-              </a:srgbClr>
-            </a:outerShdw>
-          </a:effectLst>
-        </p:spPr>
-      </p:sp>
-      <p:sp>
-        <p:nvSpPr>
-          <p:cNvPr id="51" name="Text 49"/>
-          <p:cNvSpPr/>
-          <p:nvPr/>
-        </p:nvSpPr>
-        <p:spPr>
-          <a:xfrm>
-            <a:off x="5331409" y="3543300"/>
-            <a:ext cx="3241091" cy="157185"/>
-          </a:xfrm>
-          <a:prstGeom prst="rect">
-            <a:avLst/>
-          </a:prstGeom>
-          <a:noFill/>
-          <a:ln/>
-        </p:spPr>
-        <p:txBody>
-          <a:bodyPr wrap="square" rtlCol="0" anchor="ctr"/>
-          <a:lstStyle/>
-          <a:p>
-            <a:pPr indent="0" marL="0">
-              <a:buNone/>
-            </a:pPr>
-            <a:r>
-              <a:rPr lang="en-US" sz="1125" b="1" dirty="0">
-                <a:solidFill>
-                  <a:srgbClr val="0F2439"/>
-                </a:solidFill>
-                <a:latin typeface="Segoe UI" pitchFamily="34" charset="0"/>
-                <a:ea typeface="Segoe UI" pitchFamily="34" charset="-122"/>
-                <a:cs typeface="Segoe UI" pitchFamily="34" charset="-120"/>
-              </a:rPr>
-              <a:t>Data &amp; automation gains</a:t>
-            </a:r>
-            <a:endParaRPr lang="en-US" sz="1125" dirty="0"/>
-          </a:p>
-        </p:txBody>
-      </p:sp>
-      <p:sp>
-        <p:nvSpPr>
-          <p:cNvPr id="52" name="Text 50"/>
-          <p:cNvSpPr/>
-          <p:nvPr/>
-        </p:nvSpPr>
-        <p:spPr>
-          <a:xfrm>
-            <a:off x="5331409" y="3671865"/>
-            <a:ext cx="3241091" cy="285750"/>
-          </a:xfrm>
-          <a:prstGeom prst="rect">
-            <a:avLst/>
-          </a:prstGeom>
-          <a:noFill/>
-          <a:ln/>
-        </p:spPr>
-        <p:txBody>
-          <a:bodyPr wrap="square" rtlCol="0" anchor="ctr"/>
-          <a:lstStyle/>
-          <a:p>
-            <a:pPr indent="0" marL="0">
-              <a:buNone/>
-            </a:pPr>
-            <a:r>
-              <a:rPr lang="en-US" sz="975" dirty="0">
-                <a:solidFill>
-                  <a:srgbClr val="4A5C70"/>
-                </a:solidFill>
-                <a:latin typeface="Segoe UI" pitchFamily="34" charset="0"/>
-                <a:ea typeface="Segoe UI" pitchFamily="34" charset="-122"/>
-                <a:cs typeface="Segoe UI" pitchFamily="34" charset="-120"/>
-              </a:rPr>
-              <a:t>Deliver prioritized automations, observability, and analytics that reduce manual effort and downtime.</a:t>
-            </a:r>
-            <a:endParaRPr lang="en-US" sz="975" dirty="0"/>
-          </a:p>
-        </p:txBody>
-      </p:sp>
-      <p:sp>
-        <p:nvSpPr>
-          <p:cNvPr id="53" name="Shape 51"/>
-          <p:cNvSpPr/>
-          <p:nvPr/>
-        </p:nvSpPr>
-        <p:spPr>
-          <a:xfrm>
-            <a:off x="414315" y="4100535"/>
-            <a:ext cx="8315371" cy="685800"/>
-          </a:xfrm>
-          <a:prstGeom prst="roundRect">
-            <a:avLst>
-              <a:gd name="adj" fmla="val 1866667"/>
-            </a:avLst>
-          </a:prstGeom>
-          <a:solidFill>
-            <a:srgbClr val="0F2439"/>
-          </a:solidFill>
-          <a:ln w="12700">
-            <a:solidFill>
-              <a:srgbClr val="0F2439"/>
-            </a:solidFill>
-            <a:prstDash val="solid"/>
-          </a:ln>
-          <a:effectLst>
-            <a:outerShdw sx="100000" sy="100000" kx="0" ky="0" algn="bl" rotWithShape="0" blurRad="88900" dist="2032" dir="5400000">
-              <a:srgbClr val="000000">
-                <a:alpha val="2200000"/>
-              </a:srgbClr>
-            </a:outerShdw>
-          </a:effectLst>
-        </p:spPr>
-      </p:sp>
-      <p:sp>
-        <p:nvSpPr>
-          <p:cNvPr id="54" name="Shape 52"/>
-          <p:cNvSpPr/>
-          <p:nvPr/>
-        </p:nvSpPr>
-        <p:spPr>
-          <a:xfrm>
-            <a:off x="528615" y="4200571"/>
-            <a:ext cx="342900" cy="342900"/>
-          </a:xfrm>
-          <a:prstGeom prst="roundRect">
-            <a:avLst>
-              <a:gd name="adj" fmla="val 3200000"/>
-            </a:avLst>
-          </a:prstGeom>
-          <a:solidFill>
-            <a:srgbClr val="FFFFFF">
-              <a:alpha val="22000"/>
-            </a:srgbClr>
-          </a:solidFill>
-          <a:ln w="12700">
-            <a:solidFill>
-              <a:srgbClr val="FFFFFF">
-                <a:alpha val="22000"/>
-              </a:srgbClr>
-            </a:solidFill>
-            <a:prstDash val="solid"/>
-          </a:ln>
-        </p:spPr>
-      </p:sp>
-      <p:sp>
-        <p:nvSpPr>
-          <p:cNvPr id="55" name="Text 53"/>
-          <p:cNvSpPr/>
-          <p:nvPr/>
-        </p:nvSpPr>
-        <p:spPr>
-          <a:xfrm>
-            <a:off x="628650" y="4243365"/>
-            <a:ext cx="128565" cy="200071"/>
-          </a:xfrm>
-          <a:prstGeom prst="rect">
-            <a:avLst/>
-          </a:prstGeom>
-          <a:noFill/>
-          <a:ln/>
-        </p:spPr>
-        <p:txBody>
-          <a:bodyPr wrap="square" rtlCol="0" anchor="ctr"/>
-          <a:lstStyle/>
-          <a:p>
-            <a:pPr indent="0" marL="0">
-              <a:buNone/>
-            </a:pPr>
-            <a:r>
-              <a:rPr lang="en-US" sz="1800" b="1" dirty="0">
-                <a:solidFill>
-                  <a:srgbClr val="FFFFFF"/>
-                </a:solidFill>
-                <a:latin typeface="Segoe UI" pitchFamily="34" charset="0"/>
-                <a:ea typeface="Segoe UI" pitchFamily="34" charset="-122"/>
-                <a:cs typeface="Segoe UI" pitchFamily="34" charset="-120"/>
-              </a:rPr>
-              <a:t>★</a:t>
-            </a:r>
-            <a:endParaRPr lang="en-US" sz="1800" dirty="0"/>
-          </a:p>
-        </p:txBody>
-      </p:sp>
-      <p:sp>
-        <p:nvSpPr>
-          <p:cNvPr id="56" name="Text 54"/>
-          <p:cNvSpPr/>
-          <p:nvPr/>
-        </p:nvSpPr>
-        <p:spPr>
-          <a:xfrm>
-            <a:off x="957285" y="4186215"/>
-            <a:ext cx="4989149" cy="200071"/>
-          </a:xfrm>
-          <a:prstGeom prst="rect">
-            <a:avLst/>
-          </a:prstGeom>
-          <a:noFill/>
-          <a:ln/>
-        </p:spPr>
-        <p:txBody>
-          <a:bodyPr wrap="square" rtlCol="0" anchor="ctr"/>
-          <a:lstStyle/>
-          <a:p>
-            <a:pPr indent="0" marL="0">
-              <a:buNone/>
-            </a:pPr>
-            <a:r>
-              <a:rPr lang="en-US" sz="1200" b="1" dirty="0">
-                <a:solidFill>
-                  <a:srgbClr val="FFFFFF"/>
-                </a:solidFill>
-                <a:latin typeface="Segoe UI" pitchFamily="34" charset="0"/>
-                <a:ea typeface="Segoe UI" pitchFamily="34" charset="-122"/>
-                <a:cs typeface="Segoe UI" pitchFamily="34" charset="-120"/>
-              </a:rPr>
-              <a:t>Our ask: Approve +3 FTE for 18 months</a:t>
-            </a:r>
-            <a:endParaRPr lang="en-US" sz="1200" dirty="0"/>
-          </a:p>
-        </p:txBody>
-      </p:sp>
-      <p:sp>
-        <p:nvSpPr>
-          <p:cNvPr id="57" name="Text 55"/>
-          <p:cNvSpPr/>
-          <p:nvPr/>
-        </p:nvSpPr>
-        <p:spPr>
-          <a:xfrm>
-            <a:off x="957285" y="4357665"/>
-            <a:ext cx="4989149" cy="200071"/>
-          </a:xfrm>
-          <a:prstGeom prst="rect">
-            <a:avLst/>
-          </a:prstGeom>
-          <a:noFill/>
-          <a:ln/>
-        </p:spPr>
-        <p:txBody>
-          <a:bodyPr wrap="square" rtlCol="0" anchor="ctr"/>
-          <a:lstStyle/>
-          <a:p>
-            <a:pPr indent="0" marL="0">
-              <a:buNone/>
-            </a:pPr>
-            <a:r>
-              <a:rPr lang="en-US" sz="975" dirty="0">
-                <a:solidFill>
-                  <a:srgbClr val="D5E2F2"/>
-                </a:solidFill>
-                <a:latin typeface="Segoe UI" pitchFamily="34" charset="0"/>
-                <a:ea typeface="Segoe UI" pitchFamily="34" charset="-122"/>
-                <a:cs typeface="Segoe UI" pitchFamily="34" charset="-120"/>
-              </a:rPr>
-              <a:t>Enables four concurrent tracks, accelerates policy pilots, and reduces operational risk while safeguarding BAU.</a:t>
-            </a:r>
-            <a:endParaRPr lang="en-US" sz="975" dirty="0"/>
-          </a:p>
-        </p:txBody>
-      </p:sp>
-      <p:sp>
-        <p:nvSpPr>
-          <p:cNvPr id="58" name="Shape 56"/>
-          <p:cNvSpPr/>
-          <p:nvPr/>
-        </p:nvSpPr>
-        <p:spPr>
-          <a:xfrm>
-            <a:off x="7229521" y="4214835"/>
-            <a:ext cx="1385865" cy="328635"/>
-          </a:xfrm>
-          <a:prstGeom prst="roundRect">
-            <a:avLst>
-              <a:gd name="adj" fmla="val 3338902"/>
-            </a:avLst>
-          </a:prstGeom>
-          <a:solidFill>
-            <a:srgbClr val="E1B44C"/>
-          </a:solidFill>
-          <a:ln w="12700">
-            <a:solidFill>
-              <a:srgbClr val="E1B44C"/>
-            </a:solidFill>
-            <a:prstDash val="solid"/>
-          </a:ln>
-          <a:effectLst>
-            <a:outerShdw sx="100000" sy="100000" kx="0" ky="0" algn="bl" rotWithShape="0" blurRad="88900" dist="2540" dir="5400000">
-              <a:srgbClr val="000000">
-                <a:alpha val="3200000"/>
-              </a:srgbClr>
-            </a:outerShdw>
-          </a:effectLst>
-        </p:spPr>
-      </p:sp>
-      <p:sp>
-        <p:nvSpPr>
-          <p:cNvPr id="59" name="Text 57"/>
-          <p:cNvSpPr/>
-          <p:nvPr/>
-        </p:nvSpPr>
-        <p:spPr>
-          <a:xfrm>
-            <a:off x="7372350" y="4257721"/>
-            <a:ext cx="1143000" cy="200071"/>
-          </a:xfrm>
-          <a:prstGeom prst="rect">
-            <a:avLst/>
-          </a:prstGeom>
-          <a:noFill/>
-          <a:ln/>
-        </p:spPr>
-        <p:txBody>
-          <a:bodyPr wrap="square" rtlCol="0" anchor="ctr"/>
-          <a:lstStyle/>
-          <a:p>
-            <a:pPr indent="0" marL="0">
-              <a:buNone/>
-            </a:pPr>
-            <a:r>
-              <a:rPr lang="en-US" sz="900" b="1" dirty="0">
+          <p:cNvPr id="69" name="Text 67"/>
+          <p:cNvSpPr/>
+          <p:nvPr/>
+        </p:nvSpPr>
+        <p:spPr>
+          <a:xfrm>
+            <a:off x="7736647" y="4314871"/>
+            <a:ext cx="714421" cy="200071"/>
+          </a:xfrm>
+          <a:prstGeom prst="rect">
+            <a:avLst/>
+          </a:prstGeom>
+          <a:noFill/>
+          <a:ln/>
+        </p:spPr>
+        <p:txBody>
+          <a:bodyPr wrap="square" rtlCol="0" anchor="ctr"/>
+          <a:lstStyle/>
+          <a:p>
+            <a:pPr algn="ctr" indent="0" marL="0">
+              <a:buNone/>
+            </a:pPr>
+            <a:r>
+              <a:rPr lang="en-US" sz="900" b="1" spc="40" kern="0" dirty="0">
                 <a:solidFill>
                   <a:srgbClr val="1F1606"/>
                 </a:solidFill>
@@ -2948,7 +5490,7 @@
                 <a:ea typeface="Segoe UI" pitchFamily="34" charset="-122"/>
                 <a:cs typeface="Segoe UI" pitchFamily="34" charset="-120"/>
               </a:rPr>
-              <a:t>Proceed with Preferred Plan</a:t>
+              <a:t>COMMIT</a:t>
             </a:r>
             <a:endParaRPr lang="en-US" sz="900" dirty="0"/>
           </a:p>

--- a/slides/latest.pptx
+++ b/slides/latest.pptx
@@ -8102,11 +8102,11 @@
         <p:spPr>
           <a:xfrm>
             <a:off x="514350" y="1357335"/>
-            <a:ext cx="3986235" cy="2600371"/>
+            <a:ext cx="8115300" cy="3328965"/>
           </a:xfrm>
           <a:prstGeom prst="roundRect">
             <a:avLst>
-              <a:gd name="adj" fmla="val 4944"/>
+              <a:gd name="adj" fmla="val 3862"/>
             </a:avLst>
           </a:prstGeom>
           <a:solidFill>
@@ -8136,7 +8136,7 @@
         <p:spPr>
           <a:xfrm>
             <a:off x="685800" y="1528785"/>
-            <a:ext cx="3643335" cy="157185"/>
+            <a:ext cx="7772400" cy="157185"/>
           </a:xfrm>
           <a:prstGeom prst="rect">
             <a:avLst/>
@@ -8160,7 +8160,7 @@
                 <a:ea typeface="Segoe UI" pitchFamily="34" charset="-122"/>
                 <a:cs typeface="Segoe UI" pitchFamily="34" charset="-120"/>
               </a:rPr>
-              <a:t>END-TO-END LIFECYCLE</a:t>
+              <a:t>END-TO-END LIFECYCLE (VISUAL)</a:t>
             </a:r>
             <a:endParaRPr lang="en-US" sz="1350" dirty="0"/>
           </a:p>
@@ -8174,12 +8174,12 @@
         </p:nvSpPr>
         <p:spPr>
           <a:xfrm>
-            <a:off x="685800" y="1728765"/>
-            <a:ext cx="835853" cy="642915"/>
+            <a:off x="685800" y="1771650"/>
+            <a:ext cx="1846631" cy="1000171"/>
           </a:xfrm>
           <a:prstGeom prst="roundRect">
             <a:avLst>
-              <a:gd name="adj" fmla="val 17778"/>
+              <a:gd name="adj" fmla="val 12854"/>
             </a:avLst>
           </a:prstGeom>
           <a:solidFill>
@@ -8201,12 +8201,12 @@
         </p:nvSpPr>
         <p:spPr>
           <a:xfrm>
-            <a:off x="946587" y="1800271"/>
-            <a:ext cx="314371" cy="314371"/>
+            <a:off x="814365" y="1900215"/>
+            <a:ext cx="400050" cy="400050"/>
           </a:xfrm>
           <a:prstGeom prst="roundRect">
             <a:avLst>
-              <a:gd name="adj" fmla="val 31821"/>
+              <a:gd name="adj" fmla="val 32137"/>
             </a:avLst>
           </a:prstGeom>
           <a:solidFill>
@@ -8228,8 +8228,8 @@
         </p:nvSpPr>
         <p:spPr>
           <a:xfrm>
-            <a:off x="946587" y="1871685"/>
-            <a:ext cx="314371" cy="171450"/>
+            <a:off x="814365" y="2000250"/>
+            <a:ext cx="400050" cy="171450"/>
           </a:xfrm>
           <a:prstGeom prst="rect">
             <a:avLst/>
@@ -8245,7 +8245,7 @@
               <a:buNone/>
             </a:pPr>
             <a:r>
-              <a:rPr lang="en-US" sz="1050" b="1" dirty="0">
+              <a:rPr lang="en-US" sz="1200" b="1" dirty="0">
                 <a:solidFill>
                   <a:srgbClr val="6F5316"/>
                 </a:solidFill>
@@ -8255,7 +8255,7 @@
               </a:rPr>
               <a:t>01</a:t>
             </a:r>
-            <a:endParaRPr lang="en-US" sz="1050" dirty="0"/>
+            <a:endParaRPr lang="en-US" sz="1200" dirty="0"/>
           </a:p>
         </p:txBody>
       </p:sp>
@@ -8267,8 +8267,86 @@
         </p:nvSpPr>
         <p:spPr>
           <a:xfrm>
-            <a:off x="714421" y="2128815"/>
-            <a:ext cx="778703" cy="114300"/>
+            <a:off x="814365" y="2343150"/>
+            <a:ext cx="1589502" cy="142921"/>
+          </a:xfrm>
+          <a:prstGeom prst="rect">
+            <a:avLst/>
+          </a:prstGeom>
+          <a:noFill/>
+          <a:ln/>
+        </p:spPr>
+        <p:txBody>
+          <a:bodyPr wrap="square" rtlCol="0" anchor="ctr"/>
+          <a:lstStyle/>
+          <a:p>
+            <a:pPr indent="0" marL="0">
+              <a:buNone/>
+            </a:pPr>
+            <a:r>
+              <a:rPr lang="en-US" sz="1200" b="1" dirty="0">
+                <a:solidFill>
+                  <a:srgbClr val="0F2439"/>
+                </a:solidFill>
+                <a:latin typeface="Segoe UI" pitchFamily="34" charset="0"/>
+                <a:ea typeface="Segoe UI" pitchFamily="34" charset="-122"/>
+                <a:cs typeface="Segoe UI" pitchFamily="34" charset="-120"/>
+              </a:rPr>
+              <a:t>Qualify</a:t>
+            </a:r>
+            <a:endParaRPr lang="en-US" sz="1200" dirty="0"/>
+          </a:p>
+        </p:txBody>
+      </p:sp>
+      <p:sp>
+        <p:nvSpPr>
+          <p:cNvPr id="15" name="Text 13"/>
+          <p:cNvSpPr/>
+          <p:nvPr/>
+        </p:nvSpPr>
+        <p:spPr>
+          <a:xfrm>
+            <a:off x="814365" y="2514600"/>
+            <a:ext cx="1589502" cy="242865"/>
+          </a:xfrm>
+          <a:prstGeom prst="rect">
+            <a:avLst/>
+          </a:prstGeom>
+          <a:noFill/>
+          <a:ln/>
+        </p:spPr>
+        <p:txBody>
+          <a:bodyPr wrap="square" rtlCol="0" anchor="ctr"/>
+          <a:lstStyle/>
+          <a:p>
+            <a:pPr indent="0" marL="0">
+              <a:buNone/>
+            </a:pPr>
+            <a:r>
+              <a:rPr lang="en-US" sz="975" dirty="0">
+                <a:solidFill>
+                  <a:srgbClr val="4A5C70"/>
+                </a:solidFill>
+                <a:latin typeface="Segoe UI" pitchFamily="34" charset="0"/>
+                <a:ea typeface="Segoe UI" pitchFamily="34" charset="-122"/>
+                <a:cs typeface="Segoe UI" pitchFamily="34" charset="-120"/>
+              </a:rPr>
+              <a:t>Strategic fit · data readiness · value &amp; risk sizing</a:t>
+            </a:r>
+            <a:endParaRPr lang="en-US" sz="975" dirty="0"/>
+          </a:p>
+        </p:txBody>
+      </p:sp>
+      <p:sp>
+        <p:nvSpPr>
+          <p:cNvPr id="16" name="Text 14"/>
+          <p:cNvSpPr/>
+          <p:nvPr/>
+        </p:nvSpPr>
+        <p:spPr>
+          <a:xfrm>
+            <a:off x="2496769" y="2157435"/>
+            <a:ext cx="200071" cy="200071"/>
           </a:xfrm>
           <a:prstGeom prst="rect">
             <a:avLst/>
@@ -8284,46 +8362,7 @@
               <a:buNone/>
             </a:pPr>
             <a:r>
-              <a:rPr lang="en-US" sz="975" b="1" dirty="0">
-                <a:solidFill>
-                  <a:srgbClr val="0F2439"/>
-                </a:solidFill>
-                <a:latin typeface="Segoe UI" pitchFamily="34" charset="0"/>
-                <a:ea typeface="Segoe UI" pitchFamily="34" charset="-122"/>
-                <a:cs typeface="Segoe UI" pitchFamily="34" charset="-120"/>
-              </a:rPr>
-              <a:t>Qualify</a:t>
-            </a:r>
-            <a:endParaRPr lang="en-US" sz="975" dirty="0"/>
-          </a:p>
-        </p:txBody>
-      </p:sp>
-      <p:sp>
-        <p:nvSpPr>
-          <p:cNvPr id="15" name="Text 13"/>
-          <p:cNvSpPr/>
-          <p:nvPr/>
-        </p:nvSpPr>
-        <p:spPr>
-          <a:xfrm>
-            <a:off x="714421" y="2243115"/>
-            <a:ext cx="778703" cy="100035"/>
-          </a:xfrm>
-          <a:prstGeom prst="rect">
-            <a:avLst/>
-          </a:prstGeom>
-          <a:noFill/>
-          <a:ln/>
-        </p:spPr>
-        <p:txBody>
-          <a:bodyPr wrap="square" rtlCol="0" anchor="ctr"/>
-          <a:lstStyle/>
-          <a:p>
-            <a:pPr algn="ctr" indent="0" marL="0">
-              <a:buNone/>
-            </a:pPr>
-            <a:r>
-              <a:rPr lang="en-US" sz="900" dirty="0">
+              <a:rPr lang="en-US" sz="1950" b="1" dirty="0">
                 <a:solidFill>
                   <a:srgbClr val="4A5C70"/>
                 </a:solidFill>
@@ -8331,26 +8370,26 @@
                 <a:ea typeface="Segoe UI" pitchFamily="34" charset="-122"/>
                 <a:cs typeface="Segoe UI" pitchFamily="34" charset="-120"/>
               </a:rPr>
-              <a:t>Strategic fit</a:t>
-            </a:r>
-            <a:endParaRPr lang="en-US" sz="900" dirty="0"/>
-          </a:p>
-        </p:txBody>
-      </p:sp>
-      <p:sp>
-        <p:nvSpPr>
-          <p:cNvPr id="16" name="Shape 14"/>
-          <p:cNvSpPr/>
-          <p:nvPr/>
-        </p:nvSpPr>
-        <p:spPr>
-          <a:xfrm>
-            <a:off x="1621597" y="1728765"/>
-            <a:ext cx="835853" cy="642915"/>
+              <a:t>→</a:t>
+            </a:r>
+            <a:endParaRPr lang="en-US" sz="1950" dirty="0"/>
+          </a:p>
+        </p:txBody>
+      </p:sp>
+      <p:sp>
+        <p:nvSpPr>
+          <p:cNvPr id="17" name="Shape 15"/>
+          <p:cNvSpPr/>
+          <p:nvPr/>
+        </p:nvSpPr>
+        <p:spPr>
+          <a:xfrm>
+            <a:off x="2661087" y="1771650"/>
+            <a:ext cx="1846631" cy="1000171"/>
           </a:xfrm>
           <a:prstGeom prst="roundRect">
             <a:avLst>
-              <a:gd name="adj" fmla="val 17778"/>
+              <a:gd name="adj" fmla="val 12854"/>
             </a:avLst>
           </a:prstGeom>
           <a:solidFill>
@@ -8366,18 +8405,18 @@
       </p:sp>
       <p:sp>
         <p:nvSpPr>
-          <p:cNvPr id="17" name="Shape 15"/>
-          <p:cNvSpPr/>
-          <p:nvPr/>
-        </p:nvSpPr>
-        <p:spPr>
-          <a:xfrm>
-            <a:off x="1882384" y="1800271"/>
-            <a:ext cx="314371" cy="314371"/>
+          <p:cNvPr id="18" name="Shape 16"/>
+          <p:cNvSpPr/>
+          <p:nvPr/>
+        </p:nvSpPr>
+        <p:spPr>
+          <a:xfrm>
+            <a:off x="2789652" y="1900215"/>
+            <a:ext cx="400050" cy="400050"/>
           </a:xfrm>
           <a:prstGeom prst="roundRect">
             <a:avLst>
-              <a:gd name="adj" fmla="val 31821"/>
+              <a:gd name="adj" fmla="val 32137"/>
             </a:avLst>
           </a:prstGeom>
           <a:solidFill>
@@ -8393,14 +8432,14 @@
       </p:sp>
       <p:sp>
         <p:nvSpPr>
-          <p:cNvPr id="18" name="Text 16"/>
-          <p:cNvSpPr/>
-          <p:nvPr/>
-        </p:nvSpPr>
-        <p:spPr>
-          <a:xfrm>
-            <a:off x="1882384" y="1871685"/>
-            <a:ext cx="314371" cy="171450"/>
+          <p:cNvPr id="19" name="Text 17"/>
+          <p:cNvSpPr/>
+          <p:nvPr/>
+        </p:nvSpPr>
+        <p:spPr>
+          <a:xfrm>
+            <a:off x="2789652" y="2000250"/>
+            <a:ext cx="400050" cy="171450"/>
           </a:xfrm>
           <a:prstGeom prst="rect">
             <a:avLst/>
@@ -8416,7 +8455,7 @@
               <a:buNone/>
             </a:pPr>
             <a:r>
-              <a:rPr lang="en-US" sz="1050" b="1" dirty="0">
+              <a:rPr lang="en-US" sz="1200" b="1" dirty="0">
                 <a:solidFill>
                   <a:srgbClr val="6F5316"/>
                 </a:solidFill>
@@ -8426,20 +8465,98 @@
               </a:rPr>
               <a:t>02</a:t>
             </a:r>
-            <a:endParaRPr lang="en-US" sz="1050" dirty="0"/>
-          </a:p>
-        </p:txBody>
-      </p:sp>
-      <p:sp>
-        <p:nvSpPr>
-          <p:cNvPr id="19" name="Text 17"/>
-          <p:cNvSpPr/>
-          <p:nvPr/>
-        </p:nvSpPr>
-        <p:spPr>
-          <a:xfrm>
-            <a:off x="1650218" y="2128815"/>
-            <a:ext cx="778703" cy="114300"/>
+            <a:endParaRPr lang="en-US" sz="1200" dirty="0"/>
+          </a:p>
+        </p:txBody>
+      </p:sp>
+      <p:sp>
+        <p:nvSpPr>
+          <p:cNvPr id="20" name="Text 18"/>
+          <p:cNvSpPr/>
+          <p:nvPr/>
+        </p:nvSpPr>
+        <p:spPr>
+          <a:xfrm>
+            <a:off x="2789652" y="2343150"/>
+            <a:ext cx="1589502" cy="142921"/>
+          </a:xfrm>
+          <a:prstGeom prst="rect">
+            <a:avLst/>
+          </a:prstGeom>
+          <a:noFill/>
+          <a:ln/>
+        </p:spPr>
+        <p:txBody>
+          <a:bodyPr wrap="square" rtlCol="0" anchor="ctr"/>
+          <a:lstStyle/>
+          <a:p>
+            <a:pPr indent="0" marL="0">
+              <a:buNone/>
+            </a:pPr>
+            <a:r>
+              <a:rPr lang="en-US" sz="1200" b="1" dirty="0">
+                <a:solidFill>
+                  <a:srgbClr val="0F2439"/>
+                </a:solidFill>
+                <a:latin typeface="Segoe UI" pitchFamily="34" charset="0"/>
+                <a:ea typeface="Segoe UI" pitchFamily="34" charset="-122"/>
+                <a:cs typeface="Segoe UI" pitchFamily="34" charset="-120"/>
+              </a:rPr>
+              <a:t>Validate</a:t>
+            </a:r>
+            <a:endParaRPr lang="en-US" sz="1200" dirty="0"/>
+          </a:p>
+        </p:txBody>
+      </p:sp>
+      <p:sp>
+        <p:nvSpPr>
+          <p:cNvPr id="21" name="Text 19"/>
+          <p:cNvSpPr/>
+          <p:nvPr/>
+        </p:nvSpPr>
+        <p:spPr>
+          <a:xfrm>
+            <a:off x="2789652" y="2514600"/>
+            <a:ext cx="1589502" cy="242865"/>
+          </a:xfrm>
+          <a:prstGeom prst="rect">
+            <a:avLst/>
+          </a:prstGeom>
+          <a:noFill/>
+          <a:ln/>
+        </p:spPr>
+        <p:txBody>
+          <a:bodyPr wrap="square" rtlCol="0" anchor="ctr"/>
+          <a:lstStyle/>
+          <a:p>
+            <a:pPr indent="0" marL="0">
+              <a:buNone/>
+            </a:pPr>
+            <a:r>
+              <a:rPr lang="en-US" sz="975" dirty="0">
+                <a:solidFill>
+                  <a:srgbClr val="4A5C70"/>
+                </a:solidFill>
+                <a:latin typeface="Segoe UI" pitchFamily="34" charset="0"/>
+                <a:ea typeface="Segoe UI" pitchFamily="34" charset="-122"/>
+                <a:cs typeface="Segoe UI" pitchFamily="34" charset="-120"/>
+              </a:rPr>
+              <a:t>Evaluation · model risk · explainability · approvals</a:t>
+            </a:r>
+            <a:endParaRPr lang="en-US" sz="975" dirty="0"/>
+          </a:p>
+        </p:txBody>
+      </p:sp>
+      <p:sp>
+        <p:nvSpPr>
+          <p:cNvPr id="22" name="Text 20"/>
+          <p:cNvSpPr/>
+          <p:nvPr/>
+        </p:nvSpPr>
+        <p:spPr>
+          <a:xfrm>
+            <a:off x="4471965" y="2157435"/>
+            <a:ext cx="200071" cy="200071"/>
           </a:xfrm>
           <a:prstGeom prst="rect">
             <a:avLst/>
@@ -8455,46 +8572,7 @@
               <a:buNone/>
             </a:pPr>
             <a:r>
-              <a:rPr lang="en-US" sz="975" b="1" dirty="0">
-                <a:solidFill>
-                  <a:srgbClr val="0F2439"/>
-                </a:solidFill>
-                <a:latin typeface="Segoe UI" pitchFamily="34" charset="0"/>
-                <a:ea typeface="Segoe UI" pitchFamily="34" charset="-122"/>
-                <a:cs typeface="Segoe UI" pitchFamily="34" charset="-120"/>
-              </a:rPr>
-              <a:t>Validate</a:t>
-            </a:r>
-            <a:endParaRPr lang="en-US" sz="975" dirty="0"/>
-          </a:p>
-        </p:txBody>
-      </p:sp>
-      <p:sp>
-        <p:nvSpPr>
-          <p:cNvPr id="20" name="Text 18"/>
-          <p:cNvSpPr/>
-          <p:nvPr/>
-        </p:nvSpPr>
-        <p:spPr>
-          <a:xfrm>
-            <a:off x="1650218" y="2243115"/>
-            <a:ext cx="778703" cy="100035"/>
-          </a:xfrm>
-          <a:prstGeom prst="rect">
-            <a:avLst/>
-          </a:prstGeom>
-          <a:noFill/>
-          <a:ln/>
-        </p:spPr>
-        <p:txBody>
-          <a:bodyPr wrap="square" rtlCol="0" anchor="ctr"/>
-          <a:lstStyle/>
-          <a:p>
-            <a:pPr algn="ctr" indent="0" marL="0">
-              <a:buNone/>
-            </a:pPr>
-            <a:r>
-              <a:rPr lang="en-US" sz="900" dirty="0">
+              <a:rPr lang="en-US" sz="1950" b="1" dirty="0">
                 <a:solidFill>
                   <a:srgbClr val="4A5C70"/>
                 </a:solidFill>
@@ -8502,26 +8580,26 @@
                 <a:ea typeface="Segoe UI" pitchFamily="34" charset="-122"/>
                 <a:cs typeface="Segoe UI" pitchFamily="34" charset="-120"/>
               </a:rPr>
-              <a:t>Model risk</a:t>
-            </a:r>
-            <a:endParaRPr lang="en-US" sz="900" dirty="0"/>
-          </a:p>
-        </p:txBody>
-      </p:sp>
-      <p:sp>
-        <p:nvSpPr>
-          <p:cNvPr id="21" name="Shape 19"/>
-          <p:cNvSpPr/>
-          <p:nvPr/>
-        </p:nvSpPr>
-        <p:spPr>
-          <a:xfrm>
-            <a:off x="2557485" y="1728765"/>
-            <a:ext cx="835853" cy="642915"/>
+              <a:t>→</a:t>
+            </a:r>
+            <a:endParaRPr lang="en-US" sz="1950" dirty="0"/>
+          </a:p>
+        </p:txBody>
+      </p:sp>
+      <p:sp>
+        <p:nvSpPr>
+          <p:cNvPr id="23" name="Shape 21"/>
+          <p:cNvSpPr/>
+          <p:nvPr/>
+        </p:nvSpPr>
+        <p:spPr>
+          <a:xfrm>
+            <a:off x="4636282" y="1771650"/>
+            <a:ext cx="1846631" cy="1000171"/>
           </a:xfrm>
           <a:prstGeom prst="roundRect">
             <a:avLst>
-              <a:gd name="adj" fmla="val 17778"/>
+              <a:gd name="adj" fmla="val 12854"/>
             </a:avLst>
           </a:prstGeom>
           <a:solidFill>
@@ -8537,18 +8615,18 @@
       </p:sp>
       <p:sp>
         <p:nvSpPr>
-          <p:cNvPr id="22" name="Shape 20"/>
-          <p:cNvSpPr/>
-          <p:nvPr/>
-        </p:nvSpPr>
-        <p:spPr>
-          <a:xfrm>
-            <a:off x="2818181" y="1800271"/>
-            <a:ext cx="314371" cy="314371"/>
+          <p:cNvPr id="24" name="Shape 22"/>
+          <p:cNvSpPr/>
+          <p:nvPr/>
+        </p:nvSpPr>
+        <p:spPr>
+          <a:xfrm>
+            <a:off x="4764847" y="1900215"/>
+            <a:ext cx="400050" cy="400050"/>
           </a:xfrm>
           <a:prstGeom prst="roundRect">
             <a:avLst>
-              <a:gd name="adj" fmla="val 31821"/>
+              <a:gd name="adj" fmla="val 32137"/>
             </a:avLst>
           </a:prstGeom>
           <a:solidFill>
@@ -8564,14 +8642,14 @@
       </p:sp>
       <p:sp>
         <p:nvSpPr>
-          <p:cNvPr id="23" name="Text 21"/>
-          <p:cNvSpPr/>
-          <p:nvPr/>
-        </p:nvSpPr>
-        <p:spPr>
-          <a:xfrm>
-            <a:off x="2818181" y="1871685"/>
-            <a:ext cx="314371" cy="171450"/>
+          <p:cNvPr id="25" name="Text 23"/>
+          <p:cNvSpPr/>
+          <p:nvPr/>
+        </p:nvSpPr>
+        <p:spPr>
+          <a:xfrm>
+            <a:off x="4764847" y="2000250"/>
+            <a:ext cx="400050" cy="171450"/>
           </a:xfrm>
           <a:prstGeom prst="rect">
             <a:avLst/>
@@ -8587,7 +8665,7 @@
               <a:buNone/>
             </a:pPr>
             <a:r>
-              <a:rPr lang="en-US" sz="1050" b="1" dirty="0">
+              <a:rPr lang="en-US" sz="1200" b="1" dirty="0">
                 <a:solidFill>
                   <a:srgbClr val="6F5316"/>
                 </a:solidFill>
@@ -8597,20 +8675,98 @@
               </a:rPr>
               <a:t>03</a:t>
             </a:r>
-            <a:endParaRPr lang="en-US" sz="1050" dirty="0"/>
-          </a:p>
-        </p:txBody>
-      </p:sp>
-      <p:sp>
-        <p:nvSpPr>
-          <p:cNvPr id="24" name="Text 22"/>
-          <p:cNvSpPr/>
-          <p:nvPr/>
-        </p:nvSpPr>
-        <p:spPr>
-          <a:xfrm>
-            <a:off x="2586015" y="2128815"/>
-            <a:ext cx="778703" cy="114300"/>
+            <a:endParaRPr lang="en-US" sz="1200" dirty="0"/>
+          </a:p>
+        </p:txBody>
+      </p:sp>
+      <p:sp>
+        <p:nvSpPr>
+          <p:cNvPr id="26" name="Text 24"/>
+          <p:cNvSpPr/>
+          <p:nvPr/>
+        </p:nvSpPr>
+        <p:spPr>
+          <a:xfrm>
+            <a:off x="4764847" y="2343150"/>
+            <a:ext cx="1589502" cy="142921"/>
+          </a:xfrm>
+          <a:prstGeom prst="rect">
+            <a:avLst/>
+          </a:prstGeom>
+          <a:noFill/>
+          <a:ln/>
+        </p:spPr>
+        <p:txBody>
+          <a:bodyPr wrap="square" rtlCol="0" anchor="ctr"/>
+          <a:lstStyle/>
+          <a:p>
+            <a:pPr indent="0" marL="0">
+              <a:buNone/>
+            </a:pPr>
+            <a:r>
+              <a:rPr lang="en-US" sz="1200" b="1" dirty="0">
+                <a:solidFill>
+                  <a:srgbClr val="0F2439"/>
+                </a:solidFill>
+                <a:latin typeface="Segoe UI" pitchFamily="34" charset="0"/>
+                <a:ea typeface="Segoe UI" pitchFamily="34" charset="-122"/>
+                <a:cs typeface="Segoe UI" pitchFamily="34" charset="-120"/>
+              </a:rPr>
+              <a:t>Deploy</a:t>
+            </a:r>
+            <a:endParaRPr lang="en-US" sz="1200" dirty="0"/>
+          </a:p>
+        </p:txBody>
+      </p:sp>
+      <p:sp>
+        <p:nvSpPr>
+          <p:cNvPr id="27" name="Text 25"/>
+          <p:cNvSpPr/>
+          <p:nvPr/>
+        </p:nvSpPr>
+        <p:spPr>
+          <a:xfrm>
+            <a:off x="4764847" y="2514600"/>
+            <a:ext cx="1589502" cy="242865"/>
+          </a:xfrm>
+          <a:prstGeom prst="rect">
+            <a:avLst/>
+          </a:prstGeom>
+          <a:noFill/>
+          <a:ln/>
+        </p:spPr>
+        <p:txBody>
+          <a:bodyPr wrap="square" rtlCol="0" anchor="ctr"/>
+          <a:lstStyle/>
+          <a:p>
+            <a:pPr indent="0" marL="0">
+              <a:buNone/>
+            </a:pPr>
+            <a:r>
+              <a:rPr lang="en-US" sz="975" dirty="0">
+                <a:solidFill>
+                  <a:srgbClr val="4A5C70"/>
+                </a:solidFill>
+                <a:latin typeface="Segoe UI" pitchFamily="34" charset="0"/>
+                <a:ea typeface="Segoe UI" pitchFamily="34" charset="-122"/>
+                <a:cs typeface="Segoe UI" pitchFamily="34" charset="-120"/>
+              </a:rPr>
+              <a:t>Secure release · guardrails · access controls · rollout</a:t>
+            </a:r>
+            <a:endParaRPr lang="en-US" sz="975" dirty="0"/>
+          </a:p>
+        </p:txBody>
+      </p:sp>
+      <p:sp>
+        <p:nvSpPr>
+          <p:cNvPr id="28" name="Text 26"/>
+          <p:cNvSpPr/>
+          <p:nvPr/>
+        </p:nvSpPr>
+        <p:spPr>
+          <a:xfrm>
+            <a:off x="6447252" y="2157435"/>
+            <a:ext cx="200071" cy="200071"/>
           </a:xfrm>
           <a:prstGeom prst="rect">
             <a:avLst/>
@@ -8626,46 +8782,7 @@
               <a:buNone/>
             </a:pPr>
             <a:r>
-              <a:rPr lang="en-US" sz="975" b="1" dirty="0">
-                <a:solidFill>
-                  <a:srgbClr val="0F2439"/>
-                </a:solidFill>
-                <a:latin typeface="Segoe UI" pitchFamily="34" charset="0"/>
-                <a:ea typeface="Segoe UI" pitchFamily="34" charset="-122"/>
-                <a:cs typeface="Segoe UI" pitchFamily="34" charset="-120"/>
-              </a:rPr>
-              <a:t>Deploy</a:t>
-            </a:r>
-            <a:endParaRPr lang="en-US" sz="975" dirty="0"/>
-          </a:p>
-        </p:txBody>
-      </p:sp>
-      <p:sp>
-        <p:nvSpPr>
-          <p:cNvPr id="25" name="Text 23"/>
-          <p:cNvSpPr/>
-          <p:nvPr/>
-        </p:nvSpPr>
-        <p:spPr>
-          <a:xfrm>
-            <a:off x="2586015" y="2243115"/>
-            <a:ext cx="778703" cy="100035"/>
-          </a:xfrm>
-          <a:prstGeom prst="rect">
-            <a:avLst/>
-          </a:prstGeom>
-          <a:noFill/>
-          <a:ln/>
-        </p:spPr>
-        <p:txBody>
-          <a:bodyPr wrap="square" rtlCol="0" anchor="ctr"/>
-          <a:lstStyle/>
-          <a:p>
-            <a:pPr algn="ctr" indent="0" marL="0">
-              <a:buNone/>
-            </a:pPr>
-            <a:r>
-              <a:rPr lang="en-US" sz="900" dirty="0">
+              <a:rPr lang="en-US" sz="1950" b="1" dirty="0">
                 <a:solidFill>
                   <a:srgbClr val="4A5C70"/>
                 </a:solidFill>
@@ -8673,26 +8790,26 @@
                 <a:ea typeface="Segoe UI" pitchFamily="34" charset="-122"/>
                 <a:cs typeface="Segoe UI" pitchFamily="34" charset="-120"/>
               </a:rPr>
-              <a:t>Secure release</a:t>
-            </a:r>
-            <a:endParaRPr lang="en-US" sz="900" dirty="0"/>
-          </a:p>
-        </p:txBody>
-      </p:sp>
-      <p:sp>
-        <p:nvSpPr>
-          <p:cNvPr id="26" name="Shape 24"/>
-          <p:cNvSpPr/>
-          <p:nvPr/>
-        </p:nvSpPr>
-        <p:spPr>
-          <a:xfrm>
-            <a:off x="3493282" y="1728765"/>
-            <a:ext cx="835853" cy="642915"/>
+              <a:t>→</a:t>
+            </a:r>
+            <a:endParaRPr lang="en-US" sz="1950" dirty="0"/>
+          </a:p>
+        </p:txBody>
+      </p:sp>
+      <p:sp>
+        <p:nvSpPr>
+          <p:cNvPr id="29" name="Shape 27"/>
+          <p:cNvSpPr/>
+          <p:nvPr/>
+        </p:nvSpPr>
+        <p:spPr>
+          <a:xfrm>
+            <a:off x="6611569" y="1771650"/>
+            <a:ext cx="1846631" cy="1000171"/>
           </a:xfrm>
           <a:prstGeom prst="roundRect">
             <a:avLst>
-              <a:gd name="adj" fmla="val 17778"/>
+              <a:gd name="adj" fmla="val 12854"/>
             </a:avLst>
           </a:prstGeom>
           <a:solidFill>
@@ -8708,18 +8825,18 @@
       </p:sp>
       <p:sp>
         <p:nvSpPr>
-          <p:cNvPr id="27" name="Shape 25"/>
-          <p:cNvSpPr/>
-          <p:nvPr/>
-        </p:nvSpPr>
-        <p:spPr>
-          <a:xfrm>
-            <a:off x="3754069" y="1800271"/>
-            <a:ext cx="314371" cy="314371"/>
+          <p:cNvPr id="30" name="Shape 28"/>
+          <p:cNvSpPr/>
+          <p:nvPr/>
+        </p:nvSpPr>
+        <p:spPr>
+          <a:xfrm>
+            <a:off x="6740134" y="1900215"/>
+            <a:ext cx="400050" cy="400050"/>
           </a:xfrm>
           <a:prstGeom prst="roundRect">
             <a:avLst>
-              <a:gd name="adj" fmla="val 31821"/>
+              <a:gd name="adj" fmla="val 32137"/>
             </a:avLst>
           </a:prstGeom>
           <a:solidFill>
@@ -8735,14 +8852,14 @@
       </p:sp>
       <p:sp>
         <p:nvSpPr>
-          <p:cNvPr id="28" name="Text 26"/>
-          <p:cNvSpPr/>
-          <p:nvPr/>
-        </p:nvSpPr>
-        <p:spPr>
-          <a:xfrm>
-            <a:off x="3754069" y="1871685"/>
-            <a:ext cx="314371" cy="171450"/>
+          <p:cNvPr id="31" name="Text 29"/>
+          <p:cNvSpPr/>
+          <p:nvPr/>
+        </p:nvSpPr>
+        <p:spPr>
+          <a:xfrm>
+            <a:off x="6740134" y="2000250"/>
+            <a:ext cx="400050" cy="171450"/>
           </a:xfrm>
           <a:prstGeom prst="rect">
             <a:avLst/>
@@ -8758,7 +8875,7 @@
               <a:buNone/>
             </a:pPr>
             <a:r>
-              <a:rPr lang="en-US" sz="1050" b="1" dirty="0">
+              <a:rPr lang="en-US" sz="1200" b="1" dirty="0">
                 <a:solidFill>
                   <a:srgbClr val="6F5316"/>
                 </a:solidFill>
@@ -8768,36 +8885,36 @@
               </a:rPr>
               <a:t>04</a:t>
             </a:r>
-            <a:endParaRPr lang="en-US" sz="1050" dirty="0"/>
-          </a:p>
-        </p:txBody>
-      </p:sp>
-      <p:sp>
-        <p:nvSpPr>
-          <p:cNvPr id="29" name="Text 27"/>
-          <p:cNvSpPr/>
-          <p:nvPr/>
-        </p:nvSpPr>
-        <p:spPr>
-          <a:xfrm>
-            <a:off x="3521903" y="2128815"/>
-            <a:ext cx="778703" cy="114300"/>
-          </a:xfrm>
-          <a:prstGeom prst="rect">
-            <a:avLst/>
-          </a:prstGeom>
-          <a:noFill/>
-          <a:ln/>
-        </p:spPr>
-        <p:txBody>
-          <a:bodyPr wrap="square" rtlCol="0" anchor="ctr"/>
-          <a:lstStyle/>
-          <a:p>
-            <a:pPr algn="ctr" indent="0" marL="0">
-              <a:buNone/>
-            </a:pPr>
-            <a:r>
-              <a:rPr lang="en-US" sz="975" b="1" dirty="0">
+            <a:endParaRPr lang="en-US" sz="1200" dirty="0"/>
+          </a:p>
+        </p:txBody>
+      </p:sp>
+      <p:sp>
+        <p:nvSpPr>
+          <p:cNvPr id="32" name="Text 30"/>
+          <p:cNvSpPr/>
+          <p:nvPr/>
+        </p:nvSpPr>
+        <p:spPr>
+          <a:xfrm>
+            <a:off x="6740134" y="2343150"/>
+            <a:ext cx="1589502" cy="142921"/>
+          </a:xfrm>
+          <a:prstGeom prst="rect">
+            <a:avLst/>
+          </a:prstGeom>
+          <a:noFill/>
+          <a:ln/>
+        </p:spPr>
+        <p:txBody>
+          <a:bodyPr wrap="square" rtlCol="0" anchor="ctr"/>
+          <a:lstStyle/>
+          <a:p>
+            <a:pPr indent="0" marL="0">
+              <a:buNone/>
+            </a:pPr>
+            <a:r>
+              <a:rPr lang="en-US" sz="1200" b="1" dirty="0">
                 <a:solidFill>
                   <a:srgbClr val="0F2439"/>
                 </a:solidFill>
@@ -8807,59 +8924,59 @@
               </a:rPr>
               <a:t>Monitor</a:t>
             </a:r>
+            <a:endParaRPr lang="en-US" sz="1200" dirty="0"/>
+          </a:p>
+        </p:txBody>
+      </p:sp>
+      <p:sp>
+        <p:nvSpPr>
+          <p:cNvPr id="33" name="Text 31"/>
+          <p:cNvSpPr/>
+          <p:nvPr/>
+        </p:nvSpPr>
+        <p:spPr>
+          <a:xfrm>
+            <a:off x="6740134" y="2514600"/>
+            <a:ext cx="1589502" cy="242865"/>
+          </a:xfrm>
+          <a:prstGeom prst="rect">
+            <a:avLst/>
+          </a:prstGeom>
+          <a:noFill/>
+          <a:ln/>
+        </p:spPr>
+        <p:txBody>
+          <a:bodyPr wrap="square" rtlCol="0" anchor="ctr"/>
+          <a:lstStyle/>
+          <a:p>
+            <a:pPr indent="0" marL="0">
+              <a:buNone/>
+            </a:pPr>
+            <a:r>
+              <a:rPr lang="en-US" sz="975" dirty="0">
+                <a:solidFill>
+                  <a:srgbClr val="4A5C70"/>
+                </a:solidFill>
+                <a:latin typeface="Segoe UI" pitchFamily="34" charset="0"/>
+                <a:ea typeface="Segoe UI" pitchFamily="34" charset="-122"/>
+                <a:cs typeface="Segoe UI" pitchFamily="34" charset="-120"/>
+              </a:rPr>
+              <a:t>Logging · drift · incidents · continuous improvement</a:t>
+            </a:r>
             <a:endParaRPr lang="en-US" sz="975" dirty="0"/>
           </a:p>
         </p:txBody>
       </p:sp>
       <p:sp>
         <p:nvSpPr>
-          <p:cNvPr id="30" name="Text 28"/>
-          <p:cNvSpPr/>
-          <p:nvPr/>
-        </p:nvSpPr>
-        <p:spPr>
-          <a:xfrm>
-            <a:off x="3521903" y="2243115"/>
-            <a:ext cx="778703" cy="100035"/>
-          </a:xfrm>
-          <a:prstGeom prst="rect">
-            <a:avLst/>
-          </a:prstGeom>
-          <a:noFill/>
-          <a:ln/>
-        </p:spPr>
-        <p:txBody>
-          <a:bodyPr wrap="square" rtlCol="0" anchor="ctr"/>
-          <a:lstStyle/>
-          <a:p>
-            <a:pPr algn="ctr" indent="0" marL="0">
-              <a:buNone/>
-            </a:pPr>
-            <a:r>
-              <a:rPr lang="en-US" sz="900" dirty="0">
-                <a:solidFill>
-                  <a:srgbClr val="4A5C70"/>
-                </a:solidFill>
-                <a:latin typeface="Segoe UI" pitchFamily="34" charset="0"/>
-                <a:ea typeface="Segoe UI" pitchFamily="34" charset="-122"/>
-                <a:cs typeface="Segoe UI" pitchFamily="34" charset="-120"/>
-              </a:rPr>
-              <a:t>Audit ready</a:t>
-            </a:r>
-            <a:endParaRPr lang="en-US" sz="900" dirty="0"/>
-          </a:p>
-        </p:txBody>
-      </p:sp>
-      <p:sp>
-        <p:nvSpPr>
-          <p:cNvPr id="31" name="Shape 29"/>
-          <p:cNvSpPr/>
-          <p:nvPr/>
-        </p:nvSpPr>
-        <p:spPr>
-          <a:xfrm>
-            <a:off x="685800" y="3314700"/>
-            <a:ext cx="1157265" cy="414315"/>
+          <p:cNvPr id="34" name="Shape 32"/>
+          <p:cNvSpPr/>
+          <p:nvPr/>
+        </p:nvSpPr>
+        <p:spPr>
+          <a:xfrm>
+            <a:off x="685800" y="4043385"/>
+            <a:ext cx="2533620" cy="414315"/>
           </a:xfrm>
           <a:prstGeom prst="roundRect">
             <a:avLst>
@@ -8879,14 +8996,14 @@
       </p:sp>
       <p:sp>
         <p:nvSpPr>
-          <p:cNvPr id="32" name="Text 30"/>
-          <p:cNvSpPr/>
-          <p:nvPr/>
-        </p:nvSpPr>
-        <p:spPr>
-          <a:xfrm>
-            <a:off x="742950" y="3371850"/>
-            <a:ext cx="1042965" cy="171450"/>
+          <p:cNvPr id="35" name="Text 33"/>
+          <p:cNvSpPr/>
+          <p:nvPr/>
+        </p:nvSpPr>
+        <p:spPr>
+          <a:xfrm>
+            <a:off x="742950" y="4100535"/>
+            <a:ext cx="2419320" cy="171450"/>
           </a:xfrm>
           <a:prstGeom prst="rect">
             <a:avLst/>
@@ -8910,7 +9027,7 @@
                 <a:ea typeface="Segoe UI" pitchFamily="34" charset="-122"/>
                 <a:cs typeface="Segoe UI" pitchFamily="34" charset="-120"/>
               </a:rPr>
-              <a:t>Governed</a:t>
+              <a:t>Evidence</a:t>
             </a:r>
             <a:endParaRPr lang="en-US" sz="1500" dirty="0"/>
           </a:p>
@@ -8918,14 +9035,14 @@
       </p:sp>
       <p:sp>
         <p:nvSpPr>
-          <p:cNvPr id="33" name="Text 31"/>
-          <p:cNvSpPr/>
-          <p:nvPr/>
-        </p:nvSpPr>
-        <p:spPr>
-          <a:xfrm>
-            <a:off x="742950" y="3557565"/>
-            <a:ext cx="1042965" cy="128565"/>
+          <p:cNvPr id="36" name="Text 34"/>
+          <p:cNvSpPr/>
+          <p:nvPr/>
+        </p:nvSpPr>
+        <p:spPr>
+          <a:xfrm>
+            <a:off x="742950" y="4286250"/>
+            <a:ext cx="2419320" cy="128565"/>
           </a:xfrm>
           <a:prstGeom prst="rect">
             <a:avLst/>
@@ -8949,7 +9066,7 @@
                 <a:ea typeface="Segoe UI" pitchFamily="34" charset="-122"/>
                 <a:cs typeface="Segoe UI" pitchFamily="34" charset="-120"/>
               </a:rPr>
-              <a:t>BY DESIGN</a:t>
+              <a:t>AUDIT TRAIL</a:t>
             </a:r>
             <a:endParaRPr lang="en-US" sz="900" dirty="0"/>
           </a:p>
@@ -8957,14 +9074,14 @@
       </p:sp>
       <p:sp>
         <p:nvSpPr>
-          <p:cNvPr id="34" name="Shape 32"/>
-          <p:cNvSpPr/>
-          <p:nvPr/>
-        </p:nvSpPr>
-        <p:spPr>
-          <a:xfrm>
-            <a:off x="1928835" y="3314700"/>
-            <a:ext cx="1157265" cy="414315"/>
+          <p:cNvPr id="37" name="Shape 35"/>
+          <p:cNvSpPr/>
+          <p:nvPr/>
+        </p:nvSpPr>
+        <p:spPr>
+          <a:xfrm>
+            <a:off x="3305190" y="4043385"/>
+            <a:ext cx="2533620" cy="414315"/>
           </a:xfrm>
           <a:prstGeom prst="roundRect">
             <a:avLst>
@@ -8984,14 +9101,14 @@
       </p:sp>
       <p:sp>
         <p:nvSpPr>
-          <p:cNvPr id="35" name="Text 33"/>
-          <p:cNvSpPr/>
-          <p:nvPr/>
-        </p:nvSpPr>
-        <p:spPr>
-          <a:xfrm>
-            <a:off x="1985985" y="3371850"/>
-            <a:ext cx="1042965" cy="171450"/>
+          <p:cNvPr id="38" name="Text 36"/>
+          <p:cNvSpPr/>
+          <p:nvPr/>
+        </p:nvSpPr>
+        <p:spPr>
+          <a:xfrm>
+            <a:off x="3362340" y="4100535"/>
+            <a:ext cx="2419320" cy="171450"/>
           </a:xfrm>
           <a:prstGeom prst="rect">
             <a:avLst/>
@@ -9015,7 +9132,7 @@
                 <a:ea typeface="Segoe UI" pitchFamily="34" charset="-122"/>
                 <a:cs typeface="Segoe UI" pitchFamily="34" charset="-120"/>
               </a:rPr>
-              <a:t>Secure</a:t>
+              <a:t>Controls</a:t>
             </a:r>
             <a:endParaRPr lang="en-US" sz="1500" dirty="0"/>
           </a:p>
@@ -9023,14 +9140,14 @@
       </p:sp>
       <p:sp>
         <p:nvSpPr>
-          <p:cNvPr id="36" name="Text 34"/>
-          <p:cNvSpPr/>
-          <p:nvPr/>
-        </p:nvSpPr>
-        <p:spPr>
-          <a:xfrm>
-            <a:off x="1985985" y="3557565"/>
-            <a:ext cx="1042965" cy="128565"/>
+          <p:cNvPr id="39" name="Text 37"/>
+          <p:cNvSpPr/>
+          <p:nvPr/>
+        </p:nvSpPr>
+        <p:spPr>
+          <a:xfrm>
+            <a:off x="3362340" y="4286250"/>
+            <a:ext cx="2419320" cy="128565"/>
           </a:xfrm>
           <a:prstGeom prst="rect">
             <a:avLst/>
@@ -9054,7 +9171,7 @@
                 <a:ea typeface="Segoe UI" pitchFamily="34" charset="-122"/>
                 <a:cs typeface="Segoe UI" pitchFamily="34" charset="-120"/>
               </a:rPr>
-              <a:t>EVERY RELEASE</a:t>
+              <a:t>GUARDRAILS</a:t>
             </a:r>
             <a:endParaRPr lang="en-US" sz="900" dirty="0"/>
           </a:p>
@@ -9062,14 +9179,14 @@
       </p:sp>
       <p:sp>
         <p:nvSpPr>
-          <p:cNvPr id="37" name="Shape 35"/>
-          <p:cNvSpPr/>
-          <p:nvPr/>
-        </p:nvSpPr>
-        <p:spPr>
-          <a:xfrm>
-            <a:off x="3171871" y="3314700"/>
-            <a:ext cx="1157265" cy="414315"/>
+          <p:cNvPr id="40" name="Shape 38"/>
+          <p:cNvSpPr/>
+          <p:nvPr/>
+        </p:nvSpPr>
+        <p:spPr>
+          <a:xfrm>
+            <a:off x="5924580" y="4043385"/>
+            <a:ext cx="2533620" cy="414315"/>
           </a:xfrm>
           <a:prstGeom prst="roundRect">
             <a:avLst>
@@ -9089,14 +9206,14 @@
       </p:sp>
       <p:sp>
         <p:nvSpPr>
-          <p:cNvPr id="38" name="Text 36"/>
-          <p:cNvSpPr/>
-          <p:nvPr/>
-        </p:nvSpPr>
-        <p:spPr>
-          <a:xfrm>
-            <a:off x="3229021" y="3371850"/>
-            <a:ext cx="1042965" cy="171450"/>
+          <p:cNvPr id="41" name="Text 39"/>
+          <p:cNvSpPr/>
+          <p:nvPr/>
+        </p:nvSpPr>
+        <p:spPr>
+          <a:xfrm>
+            <a:off x="5981730" y="4100535"/>
+            <a:ext cx="2419320" cy="171450"/>
           </a:xfrm>
           <a:prstGeom prst="rect">
             <a:avLst/>
@@ -9120,7 +9237,7 @@
                 <a:ea typeface="Segoe UI" pitchFamily="34" charset="-122"/>
                 <a:cs typeface="Segoe UI" pitchFamily="34" charset="-120"/>
               </a:rPr>
-              <a:t>Measured</a:t>
+              <a:t>Value</a:t>
             </a:r>
             <a:endParaRPr lang="en-US" sz="1500" dirty="0"/>
           </a:p>
@@ -9128,14 +9245,14 @@
       </p:sp>
       <p:sp>
         <p:nvSpPr>
-          <p:cNvPr id="39" name="Text 37"/>
-          <p:cNvSpPr/>
-          <p:nvPr/>
-        </p:nvSpPr>
-        <p:spPr>
-          <a:xfrm>
-            <a:off x="3229021" y="3557565"/>
-            <a:ext cx="1042965" cy="128565"/>
+          <p:cNvPr id="42" name="Text 40"/>
+          <p:cNvSpPr/>
+          <p:nvPr/>
+        </p:nvSpPr>
+        <p:spPr>
+          <a:xfrm>
+            <a:off x="5981730" y="4286250"/>
+            <a:ext cx="2419320" cy="128565"/>
           </a:xfrm>
           <a:prstGeom prst="rect">
             <a:avLst/>
@@ -9159,1301 +9276,7 @@
                 <a:ea typeface="Segoe UI" pitchFamily="34" charset="-122"/>
                 <a:cs typeface="Segoe UI" pitchFamily="34" charset="-120"/>
               </a:rPr>
-              <a:t>OUTCOMES</a:t>
-            </a:r>
-            <a:endParaRPr lang="en-US" sz="900" dirty="0"/>
-          </a:p>
-        </p:txBody>
-      </p:sp>
-      <p:sp>
-        <p:nvSpPr>
-          <p:cNvPr id="40" name="Shape 38"/>
-          <p:cNvSpPr/>
-          <p:nvPr/>
-        </p:nvSpPr>
-        <p:spPr>
-          <a:xfrm>
-            <a:off x="4643415" y="1357335"/>
-            <a:ext cx="3986235" cy="2600371"/>
-          </a:xfrm>
-          <a:prstGeom prst="roundRect">
-            <a:avLst>
-              <a:gd name="adj" fmla="val 4944"/>
-            </a:avLst>
-          </a:prstGeom>
-          <a:solidFill>
-            <a:srgbClr val="FFFFFF"/>
-          </a:solidFill>
-          <a:ln w="12700">
-            <a:solidFill>
-              <a:srgbClr val="DDE5EF"/>
-            </a:solidFill>
-            <a:prstDash val="solid"/>
-          </a:ln>
-          <a:effectLst>
-            <a:outerShdw sx="100000" sy="100000" kx="0" ky="0" algn="bl" rotWithShape="0" blurRad="101600" dist="1905" dir="5400000">
-              <a:srgbClr val="000000">
-                <a:alpha val="16000"/>
-              </a:srgbClr>
-            </a:outerShdw>
-          </a:effectLst>
-        </p:spPr>
-      </p:sp>
-      <p:sp>
-        <p:nvSpPr>
-          <p:cNvPr id="41" name="Text 39"/>
-          <p:cNvSpPr/>
-          <p:nvPr/>
-        </p:nvSpPr>
-        <p:spPr>
-          <a:xfrm>
-            <a:off x="4814865" y="1528785"/>
-            <a:ext cx="3643335" cy="157185"/>
-          </a:xfrm>
-          <a:prstGeom prst="rect">
-            <a:avLst/>
-          </a:prstGeom>
-          <a:noFill/>
-          <a:ln/>
-        </p:spPr>
-        <p:txBody>
-          <a:bodyPr wrap="square" rtlCol="0" anchor="ctr"/>
-          <a:lstStyle/>
-          <a:p>
-            <a:pPr indent="0" marL="0">
-              <a:buNone/>
-            </a:pPr>
-            <a:r>
-              <a:rPr lang="en-US" sz="1350" b="1" spc="30" kern="0" dirty="0">
-                <a:solidFill>
-                  <a:srgbClr val="0F2439"/>
-                </a:solidFill>
-                <a:latin typeface="Segoe UI" pitchFamily="34" charset="0"/>
-                <a:ea typeface="Segoe UI" pitchFamily="34" charset="-122"/>
-                <a:cs typeface="Segoe UI" pitchFamily="34" charset="-120"/>
-              </a:rPr>
-              <a:t>CONTROLS FOR PRODUCTION</a:t>
-            </a:r>
-            <a:endParaRPr lang="en-US" sz="1350" dirty="0"/>
-          </a:p>
-        </p:txBody>
-      </p:sp>
-      <p:sp>
-        <p:nvSpPr>
-          <p:cNvPr id="42" name="Shape 40"/>
-          <p:cNvSpPr/>
-          <p:nvPr/>
-        </p:nvSpPr>
-        <p:spPr>
-          <a:xfrm>
-            <a:off x="4814865" y="1728765"/>
-            <a:ext cx="1157265" cy="228600"/>
-          </a:xfrm>
-          <a:prstGeom prst="roundRect">
-            <a:avLst>
-              <a:gd name="adj" fmla="val 625000"/>
-            </a:avLst>
-          </a:prstGeom>
-          <a:solidFill>
-            <a:srgbClr val="FDF6E8"/>
-          </a:solidFill>
-          <a:ln w="12700">
-            <a:solidFill>
-              <a:srgbClr val="FDF6E8"/>
-            </a:solidFill>
-            <a:prstDash val="solid"/>
-          </a:ln>
-        </p:spPr>
-      </p:sp>
-      <p:sp>
-        <p:nvSpPr>
-          <p:cNvPr id="43" name="Text 41"/>
-          <p:cNvSpPr/>
-          <p:nvPr/>
-        </p:nvSpPr>
-        <p:spPr>
-          <a:xfrm>
-            <a:off x="4872015" y="1771650"/>
-            <a:ext cx="1042965" cy="142921"/>
-          </a:xfrm>
-          <a:prstGeom prst="rect">
-            <a:avLst/>
-          </a:prstGeom>
-          <a:noFill/>
-          <a:ln/>
-        </p:spPr>
-        <p:txBody>
-          <a:bodyPr wrap="square" rtlCol="0" anchor="ctr"/>
-          <a:lstStyle/>
-          <a:p>
-            <a:pPr algn="ctr" indent="0" marL="0">
-              <a:buNone/>
-            </a:pPr>
-            <a:r>
-              <a:rPr lang="en-US" sz="900" b="1" spc="40" kern="0" dirty="0">
-                <a:solidFill>
-                  <a:srgbClr val="6F5316"/>
-                </a:solidFill>
-                <a:latin typeface="Segoe UI" pitchFamily="34" charset="0"/>
-                <a:ea typeface="Segoe UI" pitchFamily="34" charset="-122"/>
-                <a:cs typeface="Segoe UI" pitchFamily="34" charset="-120"/>
-              </a:rPr>
-              <a:t>GUARDRAILS</a:t>
-            </a:r>
-            <a:endParaRPr lang="en-US" sz="900" dirty="0"/>
-          </a:p>
-        </p:txBody>
-      </p:sp>
-      <p:sp>
-        <p:nvSpPr>
-          <p:cNvPr id="44" name="Shape 42"/>
-          <p:cNvSpPr/>
-          <p:nvPr/>
-        </p:nvSpPr>
-        <p:spPr>
-          <a:xfrm>
-            <a:off x="6057900" y="1728765"/>
-            <a:ext cx="1157265" cy="228600"/>
-          </a:xfrm>
-          <a:prstGeom prst="roundRect">
-            <a:avLst>
-              <a:gd name="adj" fmla="val 625000"/>
-            </a:avLst>
-          </a:prstGeom>
-          <a:solidFill>
-            <a:srgbClr val="FDF6E8"/>
-          </a:solidFill>
-          <a:ln w="12700">
-            <a:solidFill>
-              <a:srgbClr val="FDF6E8"/>
-            </a:solidFill>
-            <a:prstDash val="solid"/>
-          </a:ln>
-        </p:spPr>
-      </p:sp>
-      <p:sp>
-        <p:nvSpPr>
-          <p:cNvPr id="45" name="Text 43"/>
-          <p:cNvSpPr/>
-          <p:nvPr/>
-        </p:nvSpPr>
-        <p:spPr>
-          <a:xfrm>
-            <a:off x="6115050" y="1771650"/>
-            <a:ext cx="1042965" cy="142921"/>
-          </a:xfrm>
-          <a:prstGeom prst="rect">
-            <a:avLst/>
-          </a:prstGeom>
-          <a:noFill/>
-          <a:ln/>
-        </p:spPr>
-        <p:txBody>
-          <a:bodyPr wrap="square" rtlCol="0" anchor="ctr"/>
-          <a:lstStyle/>
-          <a:p>
-            <a:pPr algn="ctr" indent="0" marL="0">
-              <a:buNone/>
-            </a:pPr>
-            <a:r>
-              <a:rPr lang="en-US" sz="900" b="1" spc="40" kern="0" dirty="0">
-                <a:solidFill>
-                  <a:srgbClr val="6F5316"/>
-                </a:solidFill>
-                <a:latin typeface="Segoe UI" pitchFamily="34" charset="0"/>
-                <a:ea typeface="Segoe UI" pitchFamily="34" charset="-122"/>
-                <a:cs typeface="Segoe UI" pitchFamily="34" charset="-120"/>
-              </a:rPr>
-              <a:t>EVIDENCE</a:t>
-            </a:r>
-            <a:endParaRPr lang="en-US" sz="900" dirty="0"/>
-          </a:p>
-        </p:txBody>
-      </p:sp>
-      <p:sp>
-        <p:nvSpPr>
-          <p:cNvPr id="46" name="Shape 44"/>
-          <p:cNvSpPr/>
-          <p:nvPr/>
-        </p:nvSpPr>
-        <p:spPr>
-          <a:xfrm>
-            <a:off x="7300935" y="1728765"/>
-            <a:ext cx="1157265" cy="228600"/>
-          </a:xfrm>
-          <a:prstGeom prst="roundRect">
-            <a:avLst>
-              <a:gd name="adj" fmla="val 625000"/>
-            </a:avLst>
-          </a:prstGeom>
-          <a:solidFill>
-            <a:srgbClr val="FDF6E8"/>
-          </a:solidFill>
-          <a:ln w="12700">
-            <a:solidFill>
-              <a:srgbClr val="FDF6E8"/>
-            </a:solidFill>
-            <a:prstDash val="solid"/>
-          </a:ln>
-        </p:spPr>
-      </p:sp>
-      <p:sp>
-        <p:nvSpPr>
-          <p:cNvPr id="47" name="Text 45"/>
-          <p:cNvSpPr/>
-          <p:nvPr/>
-        </p:nvSpPr>
-        <p:spPr>
-          <a:xfrm>
-            <a:off x="7358085" y="1771650"/>
-            <a:ext cx="1042965" cy="142921"/>
-          </a:xfrm>
-          <a:prstGeom prst="rect">
-            <a:avLst/>
-          </a:prstGeom>
-          <a:noFill/>
-          <a:ln/>
-        </p:spPr>
-        <p:txBody>
-          <a:bodyPr wrap="square" rtlCol="0" anchor="ctr"/>
-          <a:lstStyle/>
-          <a:p>
-            <a:pPr algn="ctr" indent="0" marL="0">
-              <a:buNone/>
-            </a:pPr>
-            <a:r>
-              <a:rPr lang="en-US" sz="900" b="1" spc="40" kern="0" dirty="0">
-                <a:solidFill>
-                  <a:srgbClr val="6F5316"/>
-                </a:solidFill>
-                <a:latin typeface="Segoe UI" pitchFamily="34" charset="0"/>
-                <a:ea typeface="Segoe UI" pitchFamily="34" charset="-122"/>
-                <a:cs typeface="Segoe UI" pitchFamily="34" charset="-120"/>
-              </a:rPr>
-              <a:t>OVERSIGHT</a:t>
-            </a:r>
-            <a:endParaRPr lang="en-US" sz="900" dirty="0"/>
-          </a:p>
-        </p:txBody>
-      </p:sp>
-      <p:sp>
-        <p:nvSpPr>
-          <p:cNvPr id="48" name="Shape 46"/>
-          <p:cNvSpPr/>
-          <p:nvPr/>
-        </p:nvSpPr>
-        <p:spPr>
-          <a:xfrm>
-            <a:off x="4814865" y="2057400"/>
-            <a:ext cx="385785" cy="385785"/>
-          </a:xfrm>
-          <a:prstGeom prst="roundRect">
-            <a:avLst>
-              <a:gd name="adj" fmla="val 29628"/>
-            </a:avLst>
-          </a:prstGeom>
-          <a:solidFill>
-            <a:srgbClr val="17395C"/>
-          </a:solidFill>
-          <a:ln w="12700">
-            <a:solidFill>
-              <a:srgbClr val="17395C"/>
-            </a:solidFill>
-            <a:prstDash val="solid"/>
-          </a:ln>
-          <a:effectLst>
-            <a:outerShdw sx="100000" sy="100000" kx="0" ky="0" algn="bl" rotWithShape="0" blurRad="76200" dist="1270" dir="5400000">
-              <a:srgbClr val="000000">
-                <a:alpha val="30000"/>
-              </a:srgbClr>
-            </a:outerShdw>
-          </a:effectLst>
-        </p:spPr>
-      </p:sp>
-      <p:sp>
-        <p:nvSpPr>
-          <p:cNvPr id="49" name="Text 47"/>
-          <p:cNvSpPr/>
-          <p:nvPr/>
-        </p:nvSpPr>
-        <p:spPr>
-          <a:xfrm>
-            <a:off x="4814865" y="2143171"/>
-            <a:ext cx="385785" cy="214335"/>
-          </a:xfrm>
-          <a:prstGeom prst="rect">
-            <a:avLst/>
-          </a:prstGeom>
-          <a:noFill/>
-          <a:ln/>
-        </p:spPr>
-        <p:txBody>
-          <a:bodyPr wrap="square" rtlCol="0" anchor="ctr"/>
-          <a:lstStyle/>
-          <a:p>
-            <a:pPr algn="ctr" indent="0" marL="0">
-              <a:buNone/>
-            </a:pPr>
-            <a:r>
-              <a:rPr lang="en-US" sz="1650" dirty="0">
-                <a:solidFill>
-                  <a:srgbClr val="FFFFFF"/>
-                </a:solidFill>
-                <a:latin typeface="Segoe UI" pitchFamily="34" charset="0"/>
-                <a:ea typeface="Segoe UI" pitchFamily="34" charset="-122"/>
-                <a:cs typeface="Segoe UI" pitchFamily="34" charset="-120"/>
-              </a:rPr>
-              <a:t>✓</a:t>
-            </a:r>
-            <a:endParaRPr lang="en-US" sz="1650" dirty="0"/>
-          </a:p>
-        </p:txBody>
-      </p:sp>
-      <p:sp>
-        <p:nvSpPr>
-          <p:cNvPr id="50" name="Text 48"/>
-          <p:cNvSpPr/>
-          <p:nvPr/>
-        </p:nvSpPr>
-        <p:spPr>
-          <a:xfrm>
-            <a:off x="5300685" y="2086021"/>
-            <a:ext cx="3157515" cy="157185"/>
-          </a:xfrm>
-          <a:prstGeom prst="rect">
-            <a:avLst/>
-          </a:prstGeom>
-          <a:noFill/>
-          <a:ln/>
-        </p:spPr>
-        <p:txBody>
-          <a:bodyPr wrap="square" rtlCol="0" anchor="ctr"/>
-          <a:lstStyle/>
-          <a:p>
-            <a:pPr indent="0" marL="0">
-              <a:buNone/>
-            </a:pPr>
-            <a:r>
-              <a:rPr lang="en-US" sz="1200" b="1" dirty="0">
-                <a:solidFill>
-                  <a:srgbClr val="0F2439"/>
-                </a:solidFill>
-                <a:latin typeface="Segoe UI" pitchFamily="34" charset="0"/>
-                <a:ea typeface="Segoe UI" pitchFamily="34" charset="-122"/>
-                <a:cs typeface="Segoe UI" pitchFamily="34" charset="-120"/>
-              </a:rPr>
-              <a:t>Model validation</a:t>
-            </a:r>
-            <a:endParaRPr lang="en-US" sz="1200" dirty="0"/>
-          </a:p>
-        </p:txBody>
-      </p:sp>
-      <p:sp>
-        <p:nvSpPr>
-          <p:cNvPr id="51" name="Text 49"/>
-          <p:cNvSpPr/>
-          <p:nvPr/>
-        </p:nvSpPr>
-        <p:spPr>
-          <a:xfrm>
-            <a:off x="5300685" y="2243115"/>
-            <a:ext cx="3157515" cy="271485"/>
-          </a:xfrm>
-          <a:prstGeom prst="rect">
-            <a:avLst/>
-          </a:prstGeom>
-          <a:noFill/>
-          <a:ln/>
-        </p:spPr>
-        <p:txBody>
-          <a:bodyPr wrap="square" rtlCol="0" anchor="ctr"/>
-          <a:lstStyle/>
-          <a:p>
-            <a:pPr indent="0" marL="0">
-              <a:buNone/>
-            </a:pPr>
-            <a:r>
-              <a:rPr lang="en-US" sz="975" dirty="0">
-                <a:solidFill>
-                  <a:srgbClr val="4A5C70"/>
-                </a:solidFill>
-                <a:latin typeface="Segoe UI" pitchFamily="34" charset="0"/>
-                <a:ea typeface="Segoe UI" pitchFamily="34" charset="-122"/>
-                <a:cs typeface="Segoe UI" pitchFamily="34" charset="-120"/>
-              </a:rPr>
-              <a:t>Testing, explainability, and approval checkpoints for material use cases.</a:t>
-            </a:r>
-            <a:endParaRPr lang="en-US" sz="975" dirty="0"/>
-          </a:p>
-        </p:txBody>
-      </p:sp>
-      <p:sp>
-        <p:nvSpPr>
-          <p:cNvPr id="52" name="Shape 50"/>
-          <p:cNvSpPr/>
-          <p:nvPr/>
-        </p:nvSpPr>
-        <p:spPr>
-          <a:xfrm>
-            <a:off x="4814865" y="2543221"/>
-            <a:ext cx="385785" cy="385785"/>
-          </a:xfrm>
-          <a:prstGeom prst="roundRect">
-            <a:avLst>
-              <a:gd name="adj" fmla="val 29628"/>
-            </a:avLst>
-          </a:prstGeom>
-          <a:solidFill>
-            <a:srgbClr val="17395C"/>
-          </a:solidFill>
-          <a:ln w="12700">
-            <a:solidFill>
-              <a:srgbClr val="17395C"/>
-            </a:solidFill>
-            <a:prstDash val="solid"/>
-          </a:ln>
-          <a:effectLst>
-            <a:outerShdw sx="100000" sy="100000" kx="0" ky="0" algn="bl" rotWithShape="0" blurRad="76200" dist="1270" dir="5400000">
-              <a:srgbClr val="000000">
-                <a:alpha val="30000"/>
-              </a:srgbClr>
-            </a:outerShdw>
-          </a:effectLst>
-        </p:spPr>
-      </p:sp>
-      <p:sp>
-        <p:nvSpPr>
-          <p:cNvPr id="53" name="Text 51"/>
-          <p:cNvSpPr/>
-          <p:nvPr/>
-        </p:nvSpPr>
-        <p:spPr>
-          <a:xfrm>
-            <a:off x="4814865" y="2628900"/>
-            <a:ext cx="385785" cy="214335"/>
-          </a:xfrm>
-          <a:prstGeom prst="rect">
-            <a:avLst/>
-          </a:prstGeom>
-          <a:noFill/>
-          <a:ln/>
-        </p:spPr>
-        <p:txBody>
-          <a:bodyPr wrap="square" rtlCol="0" anchor="ctr"/>
-          <a:lstStyle/>
-          <a:p>
-            <a:pPr algn="ctr" indent="0" marL="0">
-              <a:buNone/>
-            </a:pPr>
-            <a:r>
-              <a:rPr lang="en-US" sz="1650" dirty="0">
-                <a:solidFill>
-                  <a:srgbClr val="FFFFFF"/>
-                </a:solidFill>
-                <a:latin typeface="Segoe UI" pitchFamily="34" charset="0"/>
-                <a:ea typeface="Segoe UI" pitchFamily="34" charset="-122"/>
-                <a:cs typeface="Segoe UI" pitchFamily="34" charset="-120"/>
-              </a:rPr>
-              <a:t>◍</a:t>
-            </a:r>
-            <a:endParaRPr lang="en-US" sz="1650" dirty="0"/>
-          </a:p>
-        </p:txBody>
-      </p:sp>
-      <p:sp>
-        <p:nvSpPr>
-          <p:cNvPr id="54" name="Text 52"/>
-          <p:cNvSpPr/>
-          <p:nvPr/>
-        </p:nvSpPr>
-        <p:spPr>
-          <a:xfrm>
-            <a:off x="5300685" y="2571750"/>
-            <a:ext cx="3157515" cy="157185"/>
-          </a:xfrm>
-          <a:prstGeom prst="rect">
-            <a:avLst/>
-          </a:prstGeom>
-          <a:noFill/>
-          <a:ln/>
-        </p:spPr>
-        <p:txBody>
-          <a:bodyPr wrap="square" rtlCol="0" anchor="ctr"/>
-          <a:lstStyle/>
-          <a:p>
-            <a:pPr indent="0" marL="0">
-              <a:buNone/>
-            </a:pPr>
-            <a:r>
-              <a:rPr lang="en-US" sz="1200" b="1" dirty="0">
-                <a:solidFill>
-                  <a:srgbClr val="0F2439"/>
-                </a:solidFill>
-                <a:latin typeface="Segoe UI" pitchFamily="34" charset="0"/>
-                <a:ea typeface="Segoe UI" pitchFamily="34" charset="-122"/>
-                <a:cs typeface="Segoe UI" pitchFamily="34" charset="-120"/>
-              </a:rPr>
-              <a:t>Access + data controls</a:t>
-            </a:r>
-            <a:endParaRPr lang="en-US" sz="1200" dirty="0"/>
-          </a:p>
-        </p:txBody>
-      </p:sp>
-      <p:sp>
-        <p:nvSpPr>
-          <p:cNvPr id="55" name="Text 53"/>
-          <p:cNvSpPr/>
-          <p:nvPr/>
-        </p:nvSpPr>
-        <p:spPr>
-          <a:xfrm>
-            <a:off x="5300685" y="2728935"/>
-            <a:ext cx="3157515" cy="271485"/>
-          </a:xfrm>
-          <a:prstGeom prst="rect">
-            <a:avLst/>
-          </a:prstGeom>
-          <a:noFill/>
-          <a:ln/>
-        </p:spPr>
-        <p:txBody>
-          <a:bodyPr wrap="square" rtlCol="0" anchor="ctr"/>
-          <a:lstStyle/>
-          <a:p>
-            <a:pPr indent="0" marL="0">
-              <a:buNone/>
-            </a:pPr>
-            <a:r>
-              <a:rPr lang="en-US" sz="975" dirty="0">
-                <a:solidFill>
-                  <a:srgbClr val="4A5C70"/>
-                </a:solidFill>
-                <a:latin typeface="Segoe UI" pitchFamily="34" charset="0"/>
-                <a:ea typeface="Segoe UI" pitchFamily="34" charset="-122"/>
-                <a:cs typeface="Segoe UI" pitchFamily="34" charset="-120"/>
-              </a:rPr>
-              <a:t>Least privilege, data minimisation, and confidential patterns where needed.</a:t>
-            </a:r>
-            <a:endParaRPr lang="en-US" sz="975" dirty="0"/>
-          </a:p>
-        </p:txBody>
-      </p:sp>
-      <p:sp>
-        <p:nvSpPr>
-          <p:cNvPr id="56" name="Shape 54"/>
-          <p:cNvSpPr/>
-          <p:nvPr/>
-        </p:nvSpPr>
-        <p:spPr>
-          <a:xfrm>
-            <a:off x="4814865" y="3028950"/>
-            <a:ext cx="385785" cy="385785"/>
-          </a:xfrm>
-          <a:prstGeom prst="roundRect">
-            <a:avLst>
-              <a:gd name="adj" fmla="val 29628"/>
-            </a:avLst>
-          </a:prstGeom>
-          <a:solidFill>
-            <a:srgbClr val="17395C"/>
-          </a:solidFill>
-          <a:ln w="12700">
-            <a:solidFill>
-              <a:srgbClr val="17395C"/>
-            </a:solidFill>
-            <a:prstDash val="solid"/>
-          </a:ln>
-          <a:effectLst>
-            <a:outerShdw sx="100000" sy="100000" kx="0" ky="0" algn="bl" rotWithShape="0" blurRad="76200" dist="1270" dir="5400000">
-              <a:srgbClr val="000000">
-                <a:alpha val="30000"/>
-              </a:srgbClr>
-            </a:outerShdw>
-          </a:effectLst>
-        </p:spPr>
-      </p:sp>
-      <p:sp>
-        <p:nvSpPr>
-          <p:cNvPr id="57" name="Text 55"/>
-          <p:cNvSpPr/>
-          <p:nvPr/>
-        </p:nvSpPr>
-        <p:spPr>
-          <a:xfrm>
-            <a:off x="4814865" y="3114721"/>
-            <a:ext cx="385785" cy="214335"/>
-          </a:xfrm>
-          <a:prstGeom prst="rect">
-            <a:avLst/>
-          </a:prstGeom>
-          <a:noFill/>
-          <a:ln/>
-        </p:spPr>
-        <p:txBody>
-          <a:bodyPr wrap="square" rtlCol="0" anchor="ctr"/>
-          <a:lstStyle/>
-          <a:p>
-            <a:pPr algn="ctr" indent="0" marL="0">
-              <a:buNone/>
-            </a:pPr>
-            <a:r>
-              <a:rPr lang="en-US" sz="1650" dirty="0">
-                <a:solidFill>
-                  <a:srgbClr val="FFFFFF"/>
-                </a:solidFill>
-                <a:latin typeface="Segoe UI" pitchFamily="34" charset="0"/>
-                <a:ea typeface="Segoe UI" pitchFamily="34" charset="-122"/>
-                <a:cs typeface="Segoe UI" pitchFamily="34" charset="-120"/>
-              </a:rPr>
-              <a:t>⬡</a:t>
-            </a:r>
-            <a:endParaRPr lang="en-US" sz="1650" dirty="0"/>
-          </a:p>
-        </p:txBody>
-      </p:sp>
-      <p:sp>
-        <p:nvSpPr>
-          <p:cNvPr id="58" name="Text 56"/>
-          <p:cNvSpPr/>
-          <p:nvPr/>
-        </p:nvSpPr>
-        <p:spPr>
-          <a:xfrm>
-            <a:off x="5300685" y="3057571"/>
-            <a:ext cx="3157515" cy="157185"/>
-          </a:xfrm>
-          <a:prstGeom prst="rect">
-            <a:avLst/>
-          </a:prstGeom>
-          <a:noFill/>
-          <a:ln/>
-        </p:spPr>
-        <p:txBody>
-          <a:bodyPr wrap="square" rtlCol="0" anchor="ctr"/>
-          <a:lstStyle/>
-          <a:p>
-            <a:pPr indent="0" marL="0">
-              <a:buNone/>
-            </a:pPr>
-            <a:r>
-              <a:rPr lang="en-US" sz="1200" b="1" dirty="0">
-                <a:solidFill>
-                  <a:srgbClr val="0F2439"/>
-                </a:solidFill>
-                <a:latin typeface="Segoe UI" pitchFamily="34" charset="0"/>
-                <a:ea typeface="Segoe UI" pitchFamily="34" charset="-122"/>
-                <a:cs typeface="Segoe UI" pitchFamily="34" charset="-120"/>
-              </a:rPr>
-              <a:t>Monitoring + audit trail</a:t>
-            </a:r>
-            <a:endParaRPr lang="en-US" sz="1200" dirty="0"/>
-          </a:p>
-        </p:txBody>
-      </p:sp>
-      <p:sp>
-        <p:nvSpPr>
-          <p:cNvPr id="59" name="Text 57"/>
-          <p:cNvSpPr/>
-          <p:nvPr/>
-        </p:nvSpPr>
-        <p:spPr>
-          <a:xfrm>
-            <a:off x="5300685" y="3214665"/>
-            <a:ext cx="3157515" cy="271485"/>
-          </a:xfrm>
-          <a:prstGeom prst="rect">
-            <a:avLst/>
-          </a:prstGeom>
-          <a:noFill/>
-          <a:ln/>
-        </p:spPr>
-        <p:txBody>
-          <a:bodyPr wrap="square" rtlCol="0" anchor="ctr"/>
-          <a:lstStyle/>
-          <a:p>
-            <a:pPr indent="0" marL="0">
-              <a:buNone/>
-            </a:pPr>
-            <a:r>
-              <a:rPr lang="en-US" sz="975" dirty="0">
-                <a:solidFill>
-                  <a:srgbClr val="4A5C70"/>
-                </a:solidFill>
-                <a:latin typeface="Segoe UI" pitchFamily="34" charset="0"/>
-                <a:ea typeface="Segoe UI" pitchFamily="34" charset="-122"/>
-                <a:cs typeface="Segoe UI" pitchFamily="34" charset="-120"/>
-              </a:rPr>
-              <a:t>Prompt/output logging, drift detection, and incident playbooks.</a:t>
-            </a:r>
-            <a:endParaRPr lang="en-US" sz="975" dirty="0"/>
-          </a:p>
-        </p:txBody>
-      </p:sp>
-      <p:sp>
-        <p:nvSpPr>
-          <p:cNvPr id="60" name="Shape 58"/>
-          <p:cNvSpPr/>
-          <p:nvPr/>
-        </p:nvSpPr>
-        <p:spPr>
-          <a:xfrm>
-            <a:off x="4814865" y="3314700"/>
-            <a:ext cx="1157265" cy="414315"/>
-          </a:xfrm>
-          <a:prstGeom prst="roundRect">
-            <a:avLst>
-              <a:gd name="adj" fmla="val 27588"/>
-            </a:avLst>
-          </a:prstGeom>
-          <a:solidFill>
-            <a:srgbClr val="F4F6F8"/>
-          </a:solidFill>
-          <a:ln w="12700">
-            <a:solidFill>
-              <a:srgbClr val="E1E7EE"/>
-            </a:solidFill>
-            <a:prstDash val="solid"/>
-          </a:ln>
-        </p:spPr>
-      </p:sp>
-      <p:sp>
-        <p:nvSpPr>
-          <p:cNvPr id="61" name="Text 59"/>
-          <p:cNvSpPr/>
-          <p:nvPr/>
-        </p:nvSpPr>
-        <p:spPr>
-          <a:xfrm>
-            <a:off x="4872015" y="3371850"/>
-            <a:ext cx="1042965" cy="171450"/>
-          </a:xfrm>
-          <a:prstGeom prst="rect">
-            <a:avLst/>
-          </a:prstGeom>
-          <a:noFill/>
-          <a:ln/>
-        </p:spPr>
-        <p:txBody>
-          <a:bodyPr wrap="square" rtlCol="0" anchor="ctr"/>
-          <a:lstStyle/>
-          <a:p>
-            <a:pPr algn="ctr" indent="0" marL="0">
-              <a:buNone/>
-            </a:pPr>
-            <a:r>
-              <a:rPr lang="en-US" sz="1500" b="1" dirty="0">
-                <a:solidFill>
-                  <a:srgbClr val="0F2439"/>
-                </a:solidFill>
-                <a:latin typeface="Segoe UI" pitchFamily="34" charset="0"/>
-                <a:ea typeface="Segoe UI" pitchFamily="34" charset="-122"/>
-                <a:cs typeface="Segoe UI" pitchFamily="34" charset="-120"/>
-              </a:rPr>
-              <a:t>Audit</a:t>
-            </a:r>
-            <a:endParaRPr lang="en-US" sz="1500" dirty="0"/>
-          </a:p>
-        </p:txBody>
-      </p:sp>
-      <p:sp>
-        <p:nvSpPr>
-          <p:cNvPr id="62" name="Text 60"/>
-          <p:cNvSpPr/>
-          <p:nvPr/>
-        </p:nvSpPr>
-        <p:spPr>
-          <a:xfrm>
-            <a:off x="4872015" y="3557565"/>
-            <a:ext cx="1042965" cy="128565"/>
-          </a:xfrm>
-          <a:prstGeom prst="rect">
-            <a:avLst/>
-          </a:prstGeom>
-          <a:noFill/>
-          <a:ln/>
-        </p:spPr>
-        <p:txBody>
-          <a:bodyPr wrap="square" rtlCol="0" anchor="ctr"/>
-          <a:lstStyle/>
-          <a:p>
-            <a:pPr algn="ctr" indent="0" marL="0">
-              <a:buNone/>
-            </a:pPr>
-            <a:r>
-              <a:rPr lang="en-US" sz="900" spc="60" kern="0" dirty="0">
-                <a:solidFill>
-                  <a:srgbClr val="4A5C70"/>
-                </a:solidFill>
-                <a:latin typeface="Segoe UI" pitchFamily="34" charset="0"/>
-                <a:ea typeface="Segoe UI" pitchFamily="34" charset="-122"/>
-                <a:cs typeface="Segoe UI" pitchFamily="34" charset="-120"/>
-              </a:rPr>
-              <a:t>READY</a:t>
-            </a:r>
-            <a:endParaRPr lang="en-US" sz="900" dirty="0"/>
-          </a:p>
-        </p:txBody>
-      </p:sp>
-      <p:sp>
-        <p:nvSpPr>
-          <p:cNvPr id="63" name="Shape 61"/>
-          <p:cNvSpPr/>
-          <p:nvPr/>
-        </p:nvSpPr>
-        <p:spPr>
-          <a:xfrm>
-            <a:off x="6057900" y="3314700"/>
-            <a:ext cx="1157265" cy="414315"/>
-          </a:xfrm>
-          <a:prstGeom prst="roundRect">
-            <a:avLst>
-              <a:gd name="adj" fmla="val 27588"/>
-            </a:avLst>
-          </a:prstGeom>
-          <a:solidFill>
-            <a:srgbClr val="F4F6F8"/>
-          </a:solidFill>
-          <a:ln w="12700">
-            <a:solidFill>
-              <a:srgbClr val="E1E7EE"/>
-            </a:solidFill>
-            <a:prstDash val="solid"/>
-          </a:ln>
-        </p:spPr>
-      </p:sp>
-      <p:sp>
-        <p:nvSpPr>
-          <p:cNvPr id="64" name="Text 62"/>
-          <p:cNvSpPr/>
-          <p:nvPr/>
-        </p:nvSpPr>
-        <p:spPr>
-          <a:xfrm>
-            <a:off x="6115050" y="3371850"/>
-            <a:ext cx="1042965" cy="171450"/>
-          </a:xfrm>
-          <a:prstGeom prst="rect">
-            <a:avLst/>
-          </a:prstGeom>
-          <a:noFill/>
-          <a:ln/>
-        </p:spPr>
-        <p:txBody>
-          <a:bodyPr wrap="square" rtlCol="0" anchor="ctr"/>
-          <a:lstStyle/>
-          <a:p>
-            <a:pPr algn="ctr" indent="0" marL="0">
-              <a:buNone/>
-            </a:pPr>
-            <a:r>
-              <a:rPr lang="en-US" sz="1500" b="1" dirty="0">
-                <a:solidFill>
-                  <a:srgbClr val="0F2439"/>
-                </a:solidFill>
-                <a:latin typeface="Segoe UI" pitchFamily="34" charset="0"/>
-                <a:ea typeface="Segoe UI" pitchFamily="34" charset="-122"/>
-                <a:cs typeface="Segoe UI" pitchFamily="34" charset="-120"/>
-              </a:rPr>
-              <a:t>Human</a:t>
-            </a:r>
-            <a:endParaRPr lang="en-US" sz="1500" dirty="0"/>
-          </a:p>
-        </p:txBody>
-      </p:sp>
-      <p:sp>
-        <p:nvSpPr>
-          <p:cNvPr id="65" name="Text 63"/>
-          <p:cNvSpPr/>
-          <p:nvPr/>
-        </p:nvSpPr>
-        <p:spPr>
-          <a:xfrm>
-            <a:off x="6115050" y="3557565"/>
-            <a:ext cx="1042965" cy="128565"/>
-          </a:xfrm>
-          <a:prstGeom prst="rect">
-            <a:avLst/>
-          </a:prstGeom>
-          <a:noFill/>
-          <a:ln/>
-        </p:spPr>
-        <p:txBody>
-          <a:bodyPr wrap="square" rtlCol="0" anchor="ctr"/>
-          <a:lstStyle/>
-          <a:p>
-            <a:pPr algn="ctr" indent="0" marL="0">
-              <a:buNone/>
-            </a:pPr>
-            <a:r>
-              <a:rPr lang="en-US" sz="900" spc="60" kern="0" dirty="0">
-                <a:solidFill>
-                  <a:srgbClr val="4A5C70"/>
-                </a:solidFill>
-                <a:latin typeface="Segoe UI" pitchFamily="34" charset="0"/>
-                <a:ea typeface="Segoe UI" pitchFamily="34" charset="-122"/>
-                <a:cs typeface="Segoe UI" pitchFamily="34" charset="-120"/>
-              </a:rPr>
-              <a:t>OVERSIGHT</a:t>
-            </a:r>
-            <a:endParaRPr lang="en-US" sz="900" dirty="0"/>
-          </a:p>
-        </p:txBody>
-      </p:sp>
-      <p:sp>
-        <p:nvSpPr>
-          <p:cNvPr id="66" name="Shape 64"/>
-          <p:cNvSpPr/>
-          <p:nvPr/>
-        </p:nvSpPr>
-        <p:spPr>
-          <a:xfrm>
-            <a:off x="7300935" y="3314700"/>
-            <a:ext cx="1157265" cy="414315"/>
-          </a:xfrm>
-          <a:prstGeom prst="roundRect">
-            <a:avLst>
-              <a:gd name="adj" fmla="val 27588"/>
-            </a:avLst>
-          </a:prstGeom>
-          <a:solidFill>
-            <a:srgbClr val="F4F6F8"/>
-          </a:solidFill>
-          <a:ln w="12700">
-            <a:solidFill>
-              <a:srgbClr val="E1E7EE"/>
-            </a:solidFill>
-            <a:prstDash val="solid"/>
-          </a:ln>
-        </p:spPr>
-      </p:sp>
-      <p:sp>
-        <p:nvSpPr>
-          <p:cNvPr id="67" name="Text 65"/>
-          <p:cNvSpPr/>
-          <p:nvPr/>
-        </p:nvSpPr>
-        <p:spPr>
-          <a:xfrm>
-            <a:off x="7358085" y="3371850"/>
-            <a:ext cx="1042965" cy="171450"/>
-          </a:xfrm>
-          <a:prstGeom prst="rect">
-            <a:avLst/>
-          </a:prstGeom>
-          <a:noFill/>
-          <a:ln/>
-        </p:spPr>
-        <p:txBody>
-          <a:bodyPr wrap="square" rtlCol="0" anchor="ctr"/>
-          <a:lstStyle/>
-          <a:p>
-            <a:pPr algn="ctr" indent="0" marL="0">
-              <a:buNone/>
-            </a:pPr>
-            <a:r>
-              <a:rPr lang="en-US" sz="1500" b="1" dirty="0">
-                <a:solidFill>
-                  <a:srgbClr val="0F2439"/>
-                </a:solidFill>
-                <a:latin typeface="Segoe UI" pitchFamily="34" charset="0"/>
-                <a:ea typeface="Segoe UI" pitchFamily="34" charset="-122"/>
-                <a:cs typeface="Segoe UI" pitchFamily="34" charset="-120"/>
-              </a:rPr>
-              <a:t>Measured</a:t>
-            </a:r>
-            <a:endParaRPr lang="en-US" sz="1500" dirty="0"/>
-          </a:p>
-        </p:txBody>
-      </p:sp>
-      <p:sp>
-        <p:nvSpPr>
-          <p:cNvPr id="68" name="Text 66"/>
-          <p:cNvSpPr/>
-          <p:nvPr/>
-        </p:nvSpPr>
-        <p:spPr>
-          <a:xfrm>
-            <a:off x="7358085" y="3557565"/>
-            <a:ext cx="1042965" cy="128565"/>
-          </a:xfrm>
-          <a:prstGeom prst="rect">
-            <a:avLst/>
-          </a:prstGeom>
-          <a:noFill/>
-          <a:ln/>
-        </p:spPr>
-        <p:txBody>
-          <a:bodyPr wrap="square" rtlCol="0" anchor="ctr"/>
-          <a:lstStyle/>
-          <a:p>
-            <a:pPr algn="ctr" indent="0" marL="0">
-              <a:buNone/>
-            </a:pPr>
-            <a:r>
-              <a:rPr lang="en-US" sz="900" spc="60" kern="0" dirty="0">
-                <a:solidFill>
-                  <a:srgbClr val="4A5C70"/>
-                </a:solidFill>
-                <a:latin typeface="Segoe UI" pitchFamily="34" charset="0"/>
-                <a:ea typeface="Segoe UI" pitchFamily="34" charset="-122"/>
-                <a:cs typeface="Segoe UI" pitchFamily="34" charset="-120"/>
-              </a:rPr>
-              <a:t>RISK</a:t>
-            </a:r>
-            <a:endParaRPr lang="en-US" sz="900" dirty="0"/>
-          </a:p>
-        </p:txBody>
-      </p:sp>
-      <p:sp>
-        <p:nvSpPr>
-          <p:cNvPr id="69" name="Shape 67"/>
-          <p:cNvSpPr/>
-          <p:nvPr/>
-        </p:nvSpPr>
-        <p:spPr>
-          <a:xfrm>
-            <a:off x="514350" y="4143421"/>
-            <a:ext cx="8115300" cy="542971"/>
-          </a:xfrm>
-          <a:prstGeom prst="roundRect">
-            <a:avLst>
-              <a:gd name="adj" fmla="val 23678"/>
-            </a:avLst>
-          </a:prstGeom>
-          <a:solidFill>
-            <a:srgbClr val="0F2439"/>
-          </a:solidFill>
-          <a:ln w="12700">
-            <a:solidFill>
-              <a:srgbClr val="0F2439"/>
-            </a:solidFill>
-            <a:prstDash val="solid"/>
-          </a:ln>
-          <a:effectLst>
-            <a:outerShdw sx="100000" sy="100000" kx="0" ky="0" algn="bl" rotWithShape="0" blurRad="101600" dist="1905" dir="5400000">
-              <a:srgbClr val="000000">
-                <a:alpha val="22000"/>
-              </a:srgbClr>
-            </a:outerShdw>
-          </a:effectLst>
-        </p:spPr>
-      </p:sp>
-      <p:sp>
-        <p:nvSpPr>
-          <p:cNvPr id="70" name="Shape 68"/>
-          <p:cNvSpPr/>
-          <p:nvPr/>
-        </p:nvSpPr>
-        <p:spPr>
-          <a:xfrm>
-            <a:off x="642915" y="4243365"/>
-            <a:ext cx="342900" cy="342900"/>
-          </a:xfrm>
-          <a:prstGeom prst="roundRect">
-            <a:avLst>
-              <a:gd name="adj" fmla="val 29173"/>
-            </a:avLst>
-          </a:prstGeom>
-          <a:solidFill>
-            <a:srgbClr val="FFFFFF">
-              <a:alpha val="12000"/>
-            </a:srgbClr>
-          </a:solidFill>
-          <a:ln w="12700">
-            <a:solidFill>
-              <a:srgbClr val="FFFFFF">
-                <a:alpha val="12000"/>
-              </a:srgbClr>
-            </a:solidFill>
-            <a:prstDash val="solid"/>
-          </a:ln>
-        </p:spPr>
-      </p:sp>
-      <p:sp>
-        <p:nvSpPr>
-          <p:cNvPr id="71" name="Text 69"/>
-          <p:cNvSpPr/>
-          <p:nvPr/>
-        </p:nvSpPr>
-        <p:spPr>
-          <a:xfrm>
-            <a:off x="642915" y="4286250"/>
-            <a:ext cx="342900" cy="257221"/>
-          </a:xfrm>
-          <a:prstGeom prst="rect">
-            <a:avLst/>
-          </a:prstGeom>
-          <a:noFill/>
-          <a:ln/>
-        </p:spPr>
-        <p:txBody>
-          <a:bodyPr wrap="square" rtlCol="0" anchor="ctr"/>
-          <a:lstStyle/>
-          <a:p>
-            <a:pPr algn="ctr" indent="0" marL="0">
-              <a:buNone/>
-            </a:pPr>
-            <a:r>
-              <a:rPr lang="en-US" sz="1650" dirty="0">
-                <a:solidFill>
-                  <a:srgbClr val="FFFFFF"/>
-                </a:solidFill>
-                <a:latin typeface="Segoe UI" pitchFamily="34" charset="0"/>
-                <a:ea typeface="Segoe UI" pitchFamily="34" charset="-122"/>
-                <a:cs typeface="Segoe UI" pitchFamily="34" charset="-120"/>
-              </a:rPr>
-              <a:t>◆</a:t>
-            </a:r>
-            <a:endParaRPr lang="en-US" sz="1650" dirty="0"/>
-          </a:p>
-        </p:txBody>
-      </p:sp>
-      <p:sp>
-        <p:nvSpPr>
-          <p:cNvPr id="72" name="Text 70"/>
-          <p:cNvSpPr/>
-          <p:nvPr/>
-        </p:nvSpPr>
-        <p:spPr>
-          <a:xfrm>
-            <a:off x="1085850" y="4229100"/>
-            <a:ext cx="4869180" cy="171450"/>
-          </a:xfrm>
-          <a:prstGeom prst="rect">
-            <a:avLst/>
-          </a:prstGeom>
-          <a:noFill/>
-          <a:ln/>
-        </p:spPr>
-        <p:txBody>
-          <a:bodyPr wrap="square" rtlCol="0" anchor="ctr"/>
-          <a:lstStyle/>
-          <a:p>
-            <a:pPr indent="0" marL="0">
-              <a:buNone/>
-            </a:pPr>
-            <a:r>
-              <a:rPr lang="en-US" sz="1350" b="1" dirty="0">
-                <a:solidFill>
-                  <a:srgbClr val="FFFFFF"/>
-                </a:solidFill>
-                <a:latin typeface="Segoe UI" pitchFamily="34" charset="0"/>
-                <a:ea typeface="Segoe UI" pitchFamily="34" charset="-122"/>
-                <a:cs typeface="Segoe UI" pitchFamily="34" charset="-120"/>
-              </a:rPr>
-              <a:t>Strategic Close</a:t>
-            </a:r>
-            <a:endParaRPr lang="en-US" sz="1350" dirty="0"/>
-          </a:p>
-        </p:txBody>
-      </p:sp>
-      <p:sp>
-        <p:nvSpPr>
-          <p:cNvPr id="73" name="Text 71"/>
-          <p:cNvSpPr/>
-          <p:nvPr/>
-        </p:nvSpPr>
-        <p:spPr>
-          <a:xfrm>
-            <a:off x="1085850" y="4414815"/>
-            <a:ext cx="4869180" cy="171450"/>
-          </a:xfrm>
-          <a:prstGeom prst="rect">
-            <a:avLst/>
-          </a:prstGeom>
-          <a:noFill/>
-          <a:ln/>
-        </p:spPr>
-        <p:txBody>
-          <a:bodyPr wrap="square" rtlCol="0" anchor="ctr"/>
-          <a:lstStyle/>
-          <a:p>
-            <a:pPr indent="0" marL="0">
-              <a:buNone/>
-            </a:pPr>
-            <a:r>
-              <a:rPr lang="en-US" sz="1050" dirty="0">
-                <a:solidFill>
-                  <a:srgbClr val="D5E2F2"/>
-                </a:solidFill>
-                <a:latin typeface="Segoe UI" pitchFamily="34" charset="0"/>
-                <a:ea typeface="Segoe UI" pitchFamily="34" charset="-122"/>
-                <a:cs typeface="Segoe UI" pitchFamily="34" charset="-120"/>
-              </a:rPr>
-              <a:t>Lifecycle discipline creates the safety and evidence base needed for scale.</a:t>
-            </a:r>
-            <a:endParaRPr lang="en-US" sz="1050" dirty="0"/>
-          </a:p>
-        </p:txBody>
-      </p:sp>
-      <p:sp>
-        <p:nvSpPr>
-          <p:cNvPr id="74" name="Shape 72"/>
-          <p:cNvSpPr/>
-          <p:nvPr/>
-        </p:nvSpPr>
-        <p:spPr>
-          <a:xfrm>
-            <a:off x="7700985" y="4271985"/>
-            <a:ext cx="785835" cy="285750"/>
-          </a:xfrm>
-          <a:prstGeom prst="roundRect">
-            <a:avLst>
-              <a:gd name="adj" fmla="val 30016"/>
-            </a:avLst>
-          </a:prstGeom>
-          <a:solidFill>
-            <a:srgbClr val="E1B44C"/>
-          </a:solidFill>
-          <a:ln w="12700">
-            <a:solidFill>
-              <a:srgbClr val="E1B44C"/>
-            </a:solidFill>
-            <a:prstDash val="solid"/>
-          </a:ln>
-          <a:effectLst>
-            <a:outerShdw sx="100000" sy="100000" kx="0" ky="0" algn="bl" rotWithShape="0" blurRad="76200" dist="1905" dir="5400000">
-              <a:srgbClr val="000000">
-                <a:alpha val="35000"/>
-              </a:srgbClr>
-            </a:outerShdw>
-          </a:effectLst>
-        </p:spPr>
-      </p:sp>
-      <p:sp>
-        <p:nvSpPr>
-          <p:cNvPr id="75" name="Text 73"/>
-          <p:cNvSpPr/>
-          <p:nvPr/>
-        </p:nvSpPr>
-        <p:spPr>
-          <a:xfrm>
-            <a:off x="7736647" y="4314871"/>
-            <a:ext cx="714421" cy="200071"/>
-          </a:xfrm>
-          <a:prstGeom prst="rect">
-            <a:avLst/>
-          </a:prstGeom>
-          <a:noFill/>
-          <a:ln/>
-        </p:spPr>
-        <p:txBody>
-          <a:bodyPr wrap="square" rtlCol="0" anchor="ctr"/>
-          <a:lstStyle/>
-          <a:p>
-            <a:pPr algn="ctr" indent="0" marL="0">
-              <a:buNone/>
-            </a:pPr>
-            <a:r>
-              <a:rPr lang="en-US" sz="900" b="1" spc="40" kern="0" dirty="0">
-                <a:solidFill>
-                  <a:srgbClr val="1F1606"/>
-                </a:solidFill>
-                <a:latin typeface="Segoe UI" pitchFamily="34" charset="0"/>
-                <a:ea typeface="Segoe UI" pitchFamily="34" charset="-122"/>
-                <a:cs typeface="Segoe UI" pitchFamily="34" charset="-120"/>
-              </a:rPr>
-              <a:t>SCALE</a:t>
+              <a:t>MEASURED</a:t>
             </a:r>
             <a:endParaRPr lang="en-US" sz="900" dirty="0"/>
           </a:p>
